--- a/Tareas/T05/gui/help.pptx
+++ b/Tareas/T05/gui/help.pptx
@@ -8,6 +8,9 @@
     <p:sldId id="256" r:id="rId2"/>
     <p:sldId id="257" r:id="rId3"/>
     <p:sldId id="258" r:id="rId4"/>
+    <p:sldId id="259" r:id="rId5"/>
+    <p:sldId id="260" r:id="rId6"/>
+    <p:sldId id="261" r:id="rId7"/>
   </p:sldIdLst>
   <p:sldSz cx="12192000" cy="6858000"/>
   <p:notesSz cx="6858000" cy="9144000"/>
@@ -245,7 +248,7 @@
           <a:p>
             <a:fld id="{BE6DB44E-D7CD-4CD3-B9AB-B682044F146E}" type="datetimeFigureOut">
               <a:rPr lang="es-CL" smtClean="0"/>
-              <a:t>30-10-2016</a:t>
+              <a:t>04-11-2016</a:t>
             </a:fld>
             <a:endParaRPr lang="es-CL"/>
           </a:p>
@@ -415,7 +418,7 @@
           <a:p>
             <a:fld id="{BE6DB44E-D7CD-4CD3-B9AB-B682044F146E}" type="datetimeFigureOut">
               <a:rPr lang="es-CL" smtClean="0"/>
-              <a:t>30-10-2016</a:t>
+              <a:t>04-11-2016</a:t>
             </a:fld>
             <a:endParaRPr lang="es-CL"/>
           </a:p>
@@ -595,7 +598,7 @@
           <a:p>
             <a:fld id="{BE6DB44E-D7CD-4CD3-B9AB-B682044F146E}" type="datetimeFigureOut">
               <a:rPr lang="es-CL" smtClean="0"/>
-              <a:t>30-10-2016</a:t>
+              <a:t>04-11-2016</a:t>
             </a:fld>
             <a:endParaRPr lang="es-CL"/>
           </a:p>
@@ -765,7 +768,7 @@
           <a:p>
             <a:fld id="{BE6DB44E-D7CD-4CD3-B9AB-B682044F146E}" type="datetimeFigureOut">
               <a:rPr lang="es-CL" smtClean="0"/>
-              <a:t>30-10-2016</a:t>
+              <a:t>04-11-2016</a:t>
             </a:fld>
             <a:endParaRPr lang="es-CL"/>
           </a:p>
@@ -1011,7 +1014,7 @@
           <a:p>
             <a:fld id="{BE6DB44E-D7CD-4CD3-B9AB-B682044F146E}" type="datetimeFigureOut">
               <a:rPr lang="es-CL" smtClean="0"/>
-              <a:t>30-10-2016</a:t>
+              <a:t>04-11-2016</a:t>
             </a:fld>
             <a:endParaRPr lang="es-CL"/>
           </a:p>
@@ -1243,7 +1246,7 @@
           <a:p>
             <a:fld id="{BE6DB44E-D7CD-4CD3-B9AB-B682044F146E}" type="datetimeFigureOut">
               <a:rPr lang="es-CL" smtClean="0"/>
-              <a:t>30-10-2016</a:t>
+              <a:t>04-11-2016</a:t>
             </a:fld>
             <a:endParaRPr lang="es-CL"/>
           </a:p>
@@ -1610,7 +1613,7 @@
           <a:p>
             <a:fld id="{BE6DB44E-D7CD-4CD3-B9AB-B682044F146E}" type="datetimeFigureOut">
               <a:rPr lang="es-CL" smtClean="0"/>
-              <a:t>30-10-2016</a:t>
+              <a:t>04-11-2016</a:t>
             </a:fld>
             <a:endParaRPr lang="es-CL"/>
           </a:p>
@@ -1728,7 +1731,7 @@
           <a:p>
             <a:fld id="{BE6DB44E-D7CD-4CD3-B9AB-B682044F146E}" type="datetimeFigureOut">
               <a:rPr lang="es-CL" smtClean="0"/>
-              <a:t>30-10-2016</a:t>
+              <a:t>04-11-2016</a:t>
             </a:fld>
             <a:endParaRPr lang="es-CL"/>
           </a:p>
@@ -1823,7 +1826,7 @@
           <a:p>
             <a:fld id="{BE6DB44E-D7CD-4CD3-B9AB-B682044F146E}" type="datetimeFigureOut">
               <a:rPr lang="es-CL" smtClean="0"/>
-              <a:t>30-10-2016</a:t>
+              <a:t>04-11-2016</a:t>
             </a:fld>
             <a:endParaRPr lang="es-CL"/>
           </a:p>
@@ -2100,7 +2103,7 @@
           <a:p>
             <a:fld id="{BE6DB44E-D7CD-4CD3-B9AB-B682044F146E}" type="datetimeFigureOut">
               <a:rPr lang="es-CL" smtClean="0"/>
-              <a:t>30-10-2016</a:t>
+              <a:t>04-11-2016</a:t>
             </a:fld>
             <a:endParaRPr lang="es-CL"/>
           </a:p>
@@ -2353,7 +2356,7 @@
           <a:p>
             <a:fld id="{BE6DB44E-D7CD-4CD3-B9AB-B682044F146E}" type="datetimeFigureOut">
               <a:rPr lang="es-CL" smtClean="0"/>
-              <a:t>30-10-2016</a:t>
+              <a:t>04-11-2016</a:t>
             </a:fld>
             <a:endParaRPr lang="es-CL"/>
           </a:p>
@@ -2566,7 +2569,7 @@
           <a:p>
             <a:fld id="{BE6DB44E-D7CD-4CD3-B9AB-B682044F146E}" type="datetimeFigureOut">
               <a:rPr lang="es-CL" smtClean="0"/>
-              <a:t>30-10-2016</a:t>
+              <a:t>04-11-2016</a:t>
             </a:fld>
             <a:endParaRPr lang="es-CL"/>
           </a:p>
@@ -5432,6 +5435,6797 @@
 </p:sld>
 </file>
 
+<file path=ppt/slides/slide4.xml><?xml version="1.0" encoding="utf-8"?>
+<p:sld xmlns:a="http://schemas.openxmlformats.org/drawingml/2006/main" xmlns:r="http://schemas.openxmlformats.org/officeDocument/2006/relationships" xmlns:p="http://schemas.openxmlformats.org/presentationml/2006/main">
+  <p:cSld>
+    <p:spTree>
+      <p:nvGrpSpPr>
+        <p:cNvPr id="1" name=""/>
+        <p:cNvGrpSpPr/>
+        <p:nvPr/>
+      </p:nvGrpSpPr>
+      <p:grpSpPr>
+        <a:xfrm>
+          <a:off x="0" y="0"/>
+          <a:ext cx="0" cy="0"/>
+          <a:chOff x="0" y="0"/>
+          <a:chExt cx="0" cy="0"/>
+        </a:xfrm>
+      </p:grpSpPr>
+      <p:pic>
+        <p:nvPicPr>
+          <p:cNvPr id="4" name="Imagen 3"/>
+          <p:cNvPicPr>
+            <a:picLocks noChangeAspect="1"/>
+          </p:cNvPicPr>
+          <p:nvPr/>
+        </p:nvPicPr>
+        <p:blipFill>
+          <a:blip r:embed="rId2">
+            <a:extLst>
+              <a:ext uri="{28A0092B-C50C-407E-A947-70E740481C1C}">
+                <a14:useLocalDpi xmlns:a14="http://schemas.microsoft.com/office/drawing/2010/main" val="0"/>
+              </a:ext>
+            </a:extLst>
+          </a:blip>
+          <a:stretch>
+            <a:fillRect/>
+          </a:stretch>
+        </p:blipFill>
+        <p:spPr>
+          <a:xfrm>
+            <a:off x="731520" y="482600"/>
+            <a:ext cx="1219200" cy="1219200"/>
+          </a:xfrm>
+          <a:prstGeom prst="rect">
+            <a:avLst/>
+          </a:prstGeom>
+        </p:spPr>
+      </p:pic>
+      <p:pic>
+        <p:nvPicPr>
+          <p:cNvPr id="5" name="Imagen 4"/>
+          <p:cNvPicPr>
+            <a:picLocks noChangeAspect="1"/>
+          </p:cNvPicPr>
+          <p:nvPr/>
+        </p:nvPicPr>
+        <p:blipFill>
+          <a:blip r:embed="rId2">
+            <a:extLst>
+              <a:ext uri="{28A0092B-C50C-407E-A947-70E740481C1C}">
+                <a14:useLocalDpi xmlns:a14="http://schemas.microsoft.com/office/drawing/2010/main" val="0"/>
+              </a:ext>
+            </a:extLst>
+          </a:blip>
+          <a:stretch>
+            <a:fillRect/>
+          </a:stretch>
+        </p:blipFill>
+        <p:spPr>
+          <a:xfrm>
+            <a:off x="1950720" y="482600"/>
+            <a:ext cx="1219200" cy="1219200"/>
+          </a:xfrm>
+          <a:prstGeom prst="rect">
+            <a:avLst/>
+          </a:prstGeom>
+        </p:spPr>
+      </p:pic>
+      <p:pic>
+        <p:nvPicPr>
+          <p:cNvPr id="6" name="Imagen 5"/>
+          <p:cNvPicPr>
+            <a:picLocks noChangeAspect="1"/>
+          </p:cNvPicPr>
+          <p:nvPr/>
+        </p:nvPicPr>
+        <p:blipFill>
+          <a:blip r:embed="rId2">
+            <a:extLst>
+              <a:ext uri="{28A0092B-C50C-407E-A947-70E740481C1C}">
+                <a14:useLocalDpi xmlns:a14="http://schemas.microsoft.com/office/drawing/2010/main" val="0"/>
+              </a:ext>
+            </a:extLst>
+          </a:blip>
+          <a:stretch>
+            <a:fillRect/>
+          </a:stretch>
+        </p:blipFill>
+        <p:spPr>
+          <a:xfrm>
+            <a:off x="3169920" y="482600"/>
+            <a:ext cx="1219200" cy="1219200"/>
+          </a:xfrm>
+          <a:prstGeom prst="rect">
+            <a:avLst/>
+          </a:prstGeom>
+        </p:spPr>
+      </p:pic>
+      <p:pic>
+        <p:nvPicPr>
+          <p:cNvPr id="7" name="Imagen 6"/>
+          <p:cNvPicPr>
+            <a:picLocks noChangeAspect="1"/>
+          </p:cNvPicPr>
+          <p:nvPr/>
+        </p:nvPicPr>
+        <p:blipFill>
+          <a:blip r:embed="rId2">
+            <a:extLst>
+              <a:ext uri="{28A0092B-C50C-407E-A947-70E740481C1C}">
+                <a14:useLocalDpi xmlns:a14="http://schemas.microsoft.com/office/drawing/2010/main" val="0"/>
+              </a:ext>
+            </a:extLst>
+          </a:blip>
+          <a:stretch>
+            <a:fillRect/>
+          </a:stretch>
+        </p:blipFill>
+        <p:spPr>
+          <a:xfrm>
+            <a:off x="4389120" y="482600"/>
+            <a:ext cx="1219200" cy="1219200"/>
+          </a:xfrm>
+          <a:prstGeom prst="rect">
+            <a:avLst/>
+          </a:prstGeom>
+        </p:spPr>
+      </p:pic>
+      <p:pic>
+        <p:nvPicPr>
+          <p:cNvPr id="8" name="Imagen 7"/>
+          <p:cNvPicPr>
+            <a:picLocks noChangeAspect="1"/>
+          </p:cNvPicPr>
+          <p:nvPr/>
+        </p:nvPicPr>
+        <p:blipFill>
+          <a:blip r:embed="rId2">
+            <a:extLst>
+              <a:ext uri="{28A0092B-C50C-407E-A947-70E740481C1C}">
+                <a14:useLocalDpi xmlns:a14="http://schemas.microsoft.com/office/drawing/2010/main" val="0"/>
+              </a:ext>
+            </a:extLst>
+          </a:blip>
+          <a:stretch>
+            <a:fillRect/>
+          </a:stretch>
+        </p:blipFill>
+        <p:spPr>
+          <a:xfrm>
+            <a:off x="5608320" y="482600"/>
+            <a:ext cx="1219200" cy="1219200"/>
+          </a:xfrm>
+          <a:prstGeom prst="rect">
+            <a:avLst/>
+          </a:prstGeom>
+        </p:spPr>
+      </p:pic>
+      <p:pic>
+        <p:nvPicPr>
+          <p:cNvPr id="9" name="Imagen 8"/>
+          <p:cNvPicPr>
+            <a:picLocks noChangeAspect="1"/>
+          </p:cNvPicPr>
+          <p:nvPr/>
+        </p:nvPicPr>
+        <p:blipFill>
+          <a:blip r:embed="rId2">
+            <a:extLst>
+              <a:ext uri="{28A0092B-C50C-407E-A947-70E740481C1C}">
+                <a14:useLocalDpi xmlns:a14="http://schemas.microsoft.com/office/drawing/2010/main" val="0"/>
+              </a:ext>
+            </a:extLst>
+          </a:blip>
+          <a:stretch>
+            <a:fillRect/>
+          </a:stretch>
+        </p:blipFill>
+        <p:spPr>
+          <a:xfrm>
+            <a:off x="6827520" y="482600"/>
+            <a:ext cx="1219200" cy="1219200"/>
+          </a:xfrm>
+          <a:prstGeom prst="rect">
+            <a:avLst/>
+          </a:prstGeom>
+        </p:spPr>
+      </p:pic>
+      <p:pic>
+        <p:nvPicPr>
+          <p:cNvPr id="11" name="Imagen 10"/>
+          <p:cNvPicPr>
+            <a:picLocks noChangeAspect="1"/>
+          </p:cNvPicPr>
+          <p:nvPr/>
+        </p:nvPicPr>
+        <p:blipFill>
+          <a:blip r:embed="rId2">
+            <a:extLst>
+              <a:ext uri="{28A0092B-C50C-407E-A947-70E740481C1C}">
+                <a14:useLocalDpi xmlns:a14="http://schemas.microsoft.com/office/drawing/2010/main" val="0"/>
+              </a:ext>
+            </a:extLst>
+          </a:blip>
+          <a:stretch>
+            <a:fillRect/>
+          </a:stretch>
+        </p:blipFill>
+        <p:spPr>
+          <a:xfrm>
+            <a:off x="731520" y="1701800"/>
+            <a:ext cx="1219200" cy="1219200"/>
+          </a:xfrm>
+          <a:prstGeom prst="rect">
+            <a:avLst/>
+          </a:prstGeom>
+        </p:spPr>
+      </p:pic>
+      <p:pic>
+        <p:nvPicPr>
+          <p:cNvPr id="12" name="Imagen 11"/>
+          <p:cNvPicPr>
+            <a:picLocks noChangeAspect="1"/>
+          </p:cNvPicPr>
+          <p:nvPr/>
+        </p:nvPicPr>
+        <p:blipFill>
+          <a:blip r:embed="rId2">
+            <a:extLst>
+              <a:ext uri="{28A0092B-C50C-407E-A947-70E740481C1C}">
+                <a14:useLocalDpi xmlns:a14="http://schemas.microsoft.com/office/drawing/2010/main" val="0"/>
+              </a:ext>
+            </a:extLst>
+          </a:blip>
+          <a:stretch>
+            <a:fillRect/>
+          </a:stretch>
+        </p:blipFill>
+        <p:spPr>
+          <a:xfrm>
+            <a:off x="1950720" y="1701800"/>
+            <a:ext cx="1219200" cy="1219200"/>
+          </a:xfrm>
+          <a:prstGeom prst="rect">
+            <a:avLst/>
+          </a:prstGeom>
+        </p:spPr>
+      </p:pic>
+      <p:pic>
+        <p:nvPicPr>
+          <p:cNvPr id="13" name="Imagen 12"/>
+          <p:cNvPicPr>
+            <a:picLocks noChangeAspect="1"/>
+          </p:cNvPicPr>
+          <p:nvPr/>
+        </p:nvPicPr>
+        <p:blipFill>
+          <a:blip r:embed="rId2">
+            <a:extLst>
+              <a:ext uri="{28A0092B-C50C-407E-A947-70E740481C1C}">
+                <a14:useLocalDpi xmlns:a14="http://schemas.microsoft.com/office/drawing/2010/main" val="0"/>
+              </a:ext>
+            </a:extLst>
+          </a:blip>
+          <a:stretch>
+            <a:fillRect/>
+          </a:stretch>
+        </p:blipFill>
+        <p:spPr>
+          <a:xfrm>
+            <a:off x="3169920" y="1701800"/>
+            <a:ext cx="1219200" cy="1219200"/>
+          </a:xfrm>
+          <a:prstGeom prst="rect">
+            <a:avLst/>
+          </a:prstGeom>
+        </p:spPr>
+      </p:pic>
+      <p:pic>
+        <p:nvPicPr>
+          <p:cNvPr id="14" name="Imagen 13"/>
+          <p:cNvPicPr>
+            <a:picLocks noChangeAspect="1"/>
+          </p:cNvPicPr>
+          <p:nvPr/>
+        </p:nvPicPr>
+        <p:blipFill>
+          <a:blip r:embed="rId2">
+            <a:extLst>
+              <a:ext uri="{28A0092B-C50C-407E-A947-70E740481C1C}">
+                <a14:useLocalDpi xmlns:a14="http://schemas.microsoft.com/office/drawing/2010/main" val="0"/>
+              </a:ext>
+            </a:extLst>
+          </a:blip>
+          <a:stretch>
+            <a:fillRect/>
+          </a:stretch>
+        </p:blipFill>
+        <p:spPr>
+          <a:xfrm>
+            <a:off x="4389120" y="1701800"/>
+            <a:ext cx="1219200" cy="1219200"/>
+          </a:xfrm>
+          <a:prstGeom prst="rect">
+            <a:avLst/>
+          </a:prstGeom>
+        </p:spPr>
+      </p:pic>
+      <p:pic>
+        <p:nvPicPr>
+          <p:cNvPr id="15" name="Imagen 14"/>
+          <p:cNvPicPr>
+            <a:picLocks noChangeAspect="1"/>
+          </p:cNvPicPr>
+          <p:nvPr/>
+        </p:nvPicPr>
+        <p:blipFill>
+          <a:blip r:embed="rId2">
+            <a:extLst>
+              <a:ext uri="{28A0092B-C50C-407E-A947-70E740481C1C}">
+                <a14:useLocalDpi xmlns:a14="http://schemas.microsoft.com/office/drawing/2010/main" val="0"/>
+              </a:ext>
+            </a:extLst>
+          </a:blip>
+          <a:stretch>
+            <a:fillRect/>
+          </a:stretch>
+        </p:blipFill>
+        <p:spPr>
+          <a:xfrm>
+            <a:off x="5608320" y="1701800"/>
+            <a:ext cx="1219200" cy="1219200"/>
+          </a:xfrm>
+          <a:prstGeom prst="rect">
+            <a:avLst/>
+          </a:prstGeom>
+        </p:spPr>
+      </p:pic>
+      <p:pic>
+        <p:nvPicPr>
+          <p:cNvPr id="16" name="Imagen 15"/>
+          <p:cNvPicPr>
+            <a:picLocks noChangeAspect="1"/>
+          </p:cNvPicPr>
+          <p:nvPr/>
+        </p:nvPicPr>
+        <p:blipFill>
+          <a:blip r:embed="rId2">
+            <a:extLst>
+              <a:ext uri="{28A0092B-C50C-407E-A947-70E740481C1C}">
+                <a14:useLocalDpi xmlns:a14="http://schemas.microsoft.com/office/drawing/2010/main" val="0"/>
+              </a:ext>
+            </a:extLst>
+          </a:blip>
+          <a:stretch>
+            <a:fillRect/>
+          </a:stretch>
+        </p:blipFill>
+        <p:spPr>
+          <a:xfrm>
+            <a:off x="6827520" y="1701800"/>
+            <a:ext cx="1219200" cy="1219200"/>
+          </a:xfrm>
+          <a:prstGeom prst="rect">
+            <a:avLst/>
+          </a:prstGeom>
+        </p:spPr>
+      </p:pic>
+      <p:pic>
+        <p:nvPicPr>
+          <p:cNvPr id="18" name="Imagen 17"/>
+          <p:cNvPicPr>
+            <a:picLocks noChangeAspect="1"/>
+          </p:cNvPicPr>
+          <p:nvPr/>
+        </p:nvPicPr>
+        <p:blipFill>
+          <a:blip r:embed="rId2">
+            <a:extLst>
+              <a:ext uri="{28A0092B-C50C-407E-A947-70E740481C1C}">
+                <a14:useLocalDpi xmlns:a14="http://schemas.microsoft.com/office/drawing/2010/main" val="0"/>
+              </a:ext>
+            </a:extLst>
+          </a:blip>
+          <a:stretch>
+            <a:fillRect/>
+          </a:stretch>
+        </p:blipFill>
+        <p:spPr>
+          <a:xfrm>
+            <a:off x="731520" y="2921000"/>
+            <a:ext cx="1219200" cy="1219200"/>
+          </a:xfrm>
+          <a:prstGeom prst="rect">
+            <a:avLst/>
+          </a:prstGeom>
+        </p:spPr>
+      </p:pic>
+      <p:pic>
+        <p:nvPicPr>
+          <p:cNvPr id="19" name="Imagen 18"/>
+          <p:cNvPicPr>
+            <a:picLocks noChangeAspect="1"/>
+          </p:cNvPicPr>
+          <p:nvPr/>
+        </p:nvPicPr>
+        <p:blipFill>
+          <a:blip r:embed="rId2">
+            <a:extLst>
+              <a:ext uri="{28A0092B-C50C-407E-A947-70E740481C1C}">
+                <a14:useLocalDpi xmlns:a14="http://schemas.microsoft.com/office/drawing/2010/main" val="0"/>
+              </a:ext>
+            </a:extLst>
+          </a:blip>
+          <a:stretch>
+            <a:fillRect/>
+          </a:stretch>
+        </p:blipFill>
+        <p:spPr>
+          <a:xfrm>
+            <a:off x="1950720" y="2921000"/>
+            <a:ext cx="1219200" cy="1219200"/>
+          </a:xfrm>
+          <a:prstGeom prst="rect">
+            <a:avLst/>
+          </a:prstGeom>
+        </p:spPr>
+      </p:pic>
+      <p:pic>
+        <p:nvPicPr>
+          <p:cNvPr id="20" name="Imagen 19"/>
+          <p:cNvPicPr>
+            <a:picLocks noChangeAspect="1"/>
+          </p:cNvPicPr>
+          <p:nvPr/>
+        </p:nvPicPr>
+        <p:blipFill>
+          <a:blip r:embed="rId2">
+            <a:extLst>
+              <a:ext uri="{28A0092B-C50C-407E-A947-70E740481C1C}">
+                <a14:useLocalDpi xmlns:a14="http://schemas.microsoft.com/office/drawing/2010/main" val="0"/>
+              </a:ext>
+            </a:extLst>
+          </a:blip>
+          <a:stretch>
+            <a:fillRect/>
+          </a:stretch>
+        </p:blipFill>
+        <p:spPr>
+          <a:xfrm>
+            <a:off x="3169920" y="2921000"/>
+            <a:ext cx="1219200" cy="1219200"/>
+          </a:xfrm>
+          <a:prstGeom prst="rect">
+            <a:avLst/>
+          </a:prstGeom>
+        </p:spPr>
+      </p:pic>
+      <p:pic>
+        <p:nvPicPr>
+          <p:cNvPr id="21" name="Imagen 20"/>
+          <p:cNvPicPr>
+            <a:picLocks noChangeAspect="1"/>
+          </p:cNvPicPr>
+          <p:nvPr/>
+        </p:nvPicPr>
+        <p:blipFill>
+          <a:blip r:embed="rId2">
+            <a:extLst>
+              <a:ext uri="{28A0092B-C50C-407E-A947-70E740481C1C}">
+                <a14:useLocalDpi xmlns:a14="http://schemas.microsoft.com/office/drawing/2010/main" val="0"/>
+              </a:ext>
+            </a:extLst>
+          </a:blip>
+          <a:stretch>
+            <a:fillRect/>
+          </a:stretch>
+        </p:blipFill>
+        <p:spPr>
+          <a:xfrm>
+            <a:off x="4389120" y="2921000"/>
+            <a:ext cx="1219200" cy="1219200"/>
+          </a:xfrm>
+          <a:prstGeom prst="rect">
+            <a:avLst/>
+          </a:prstGeom>
+        </p:spPr>
+      </p:pic>
+      <p:pic>
+        <p:nvPicPr>
+          <p:cNvPr id="22" name="Imagen 21"/>
+          <p:cNvPicPr>
+            <a:picLocks noChangeAspect="1"/>
+          </p:cNvPicPr>
+          <p:nvPr/>
+        </p:nvPicPr>
+        <p:blipFill>
+          <a:blip r:embed="rId2">
+            <a:extLst>
+              <a:ext uri="{28A0092B-C50C-407E-A947-70E740481C1C}">
+                <a14:useLocalDpi xmlns:a14="http://schemas.microsoft.com/office/drawing/2010/main" val="0"/>
+              </a:ext>
+            </a:extLst>
+          </a:blip>
+          <a:stretch>
+            <a:fillRect/>
+          </a:stretch>
+        </p:blipFill>
+        <p:spPr>
+          <a:xfrm>
+            <a:off x="5608320" y="2921000"/>
+            <a:ext cx="1219200" cy="1219200"/>
+          </a:xfrm>
+          <a:prstGeom prst="rect">
+            <a:avLst/>
+          </a:prstGeom>
+        </p:spPr>
+      </p:pic>
+      <p:pic>
+        <p:nvPicPr>
+          <p:cNvPr id="23" name="Imagen 22"/>
+          <p:cNvPicPr>
+            <a:picLocks noChangeAspect="1"/>
+          </p:cNvPicPr>
+          <p:nvPr/>
+        </p:nvPicPr>
+        <p:blipFill>
+          <a:blip r:embed="rId2">
+            <a:extLst>
+              <a:ext uri="{28A0092B-C50C-407E-A947-70E740481C1C}">
+                <a14:useLocalDpi xmlns:a14="http://schemas.microsoft.com/office/drawing/2010/main" val="0"/>
+              </a:ext>
+            </a:extLst>
+          </a:blip>
+          <a:stretch>
+            <a:fillRect/>
+          </a:stretch>
+        </p:blipFill>
+        <p:spPr>
+          <a:xfrm>
+            <a:off x="6827520" y="2921000"/>
+            <a:ext cx="1219200" cy="1219200"/>
+          </a:xfrm>
+          <a:prstGeom prst="rect">
+            <a:avLst/>
+          </a:prstGeom>
+        </p:spPr>
+      </p:pic>
+      <p:pic>
+        <p:nvPicPr>
+          <p:cNvPr id="25" name="Imagen 24"/>
+          <p:cNvPicPr>
+            <a:picLocks noChangeAspect="1"/>
+          </p:cNvPicPr>
+          <p:nvPr/>
+        </p:nvPicPr>
+        <p:blipFill>
+          <a:blip r:embed="rId2">
+            <a:extLst>
+              <a:ext uri="{28A0092B-C50C-407E-A947-70E740481C1C}">
+                <a14:useLocalDpi xmlns:a14="http://schemas.microsoft.com/office/drawing/2010/main" val="0"/>
+              </a:ext>
+            </a:extLst>
+          </a:blip>
+          <a:stretch>
+            <a:fillRect/>
+          </a:stretch>
+        </p:blipFill>
+        <p:spPr>
+          <a:xfrm>
+            <a:off x="731520" y="4140200"/>
+            <a:ext cx="1219200" cy="1219200"/>
+          </a:xfrm>
+          <a:prstGeom prst="rect">
+            <a:avLst/>
+          </a:prstGeom>
+        </p:spPr>
+      </p:pic>
+      <p:pic>
+        <p:nvPicPr>
+          <p:cNvPr id="26" name="Imagen 25"/>
+          <p:cNvPicPr>
+            <a:picLocks noChangeAspect="1"/>
+          </p:cNvPicPr>
+          <p:nvPr/>
+        </p:nvPicPr>
+        <p:blipFill>
+          <a:blip r:embed="rId2">
+            <a:extLst>
+              <a:ext uri="{28A0092B-C50C-407E-A947-70E740481C1C}">
+                <a14:useLocalDpi xmlns:a14="http://schemas.microsoft.com/office/drawing/2010/main" val="0"/>
+              </a:ext>
+            </a:extLst>
+          </a:blip>
+          <a:stretch>
+            <a:fillRect/>
+          </a:stretch>
+        </p:blipFill>
+        <p:spPr>
+          <a:xfrm>
+            <a:off x="1950720" y="4140200"/>
+            <a:ext cx="1219200" cy="1219200"/>
+          </a:xfrm>
+          <a:prstGeom prst="rect">
+            <a:avLst/>
+          </a:prstGeom>
+        </p:spPr>
+      </p:pic>
+      <p:pic>
+        <p:nvPicPr>
+          <p:cNvPr id="27" name="Imagen 26"/>
+          <p:cNvPicPr>
+            <a:picLocks noChangeAspect="1"/>
+          </p:cNvPicPr>
+          <p:nvPr/>
+        </p:nvPicPr>
+        <p:blipFill>
+          <a:blip r:embed="rId2">
+            <a:extLst>
+              <a:ext uri="{28A0092B-C50C-407E-A947-70E740481C1C}">
+                <a14:useLocalDpi xmlns:a14="http://schemas.microsoft.com/office/drawing/2010/main" val="0"/>
+              </a:ext>
+            </a:extLst>
+          </a:blip>
+          <a:stretch>
+            <a:fillRect/>
+          </a:stretch>
+        </p:blipFill>
+        <p:spPr>
+          <a:xfrm>
+            <a:off x="3169920" y="4140200"/>
+            <a:ext cx="1219200" cy="1219200"/>
+          </a:xfrm>
+          <a:prstGeom prst="rect">
+            <a:avLst/>
+          </a:prstGeom>
+        </p:spPr>
+      </p:pic>
+      <p:pic>
+        <p:nvPicPr>
+          <p:cNvPr id="28" name="Imagen 27"/>
+          <p:cNvPicPr>
+            <a:picLocks noChangeAspect="1"/>
+          </p:cNvPicPr>
+          <p:nvPr/>
+        </p:nvPicPr>
+        <p:blipFill>
+          <a:blip r:embed="rId2">
+            <a:extLst>
+              <a:ext uri="{28A0092B-C50C-407E-A947-70E740481C1C}">
+                <a14:useLocalDpi xmlns:a14="http://schemas.microsoft.com/office/drawing/2010/main" val="0"/>
+              </a:ext>
+            </a:extLst>
+          </a:blip>
+          <a:stretch>
+            <a:fillRect/>
+          </a:stretch>
+        </p:blipFill>
+        <p:spPr>
+          <a:xfrm>
+            <a:off x="4389120" y="4140200"/>
+            <a:ext cx="1219200" cy="1219200"/>
+          </a:xfrm>
+          <a:prstGeom prst="rect">
+            <a:avLst/>
+          </a:prstGeom>
+        </p:spPr>
+      </p:pic>
+      <p:pic>
+        <p:nvPicPr>
+          <p:cNvPr id="29" name="Imagen 28"/>
+          <p:cNvPicPr>
+            <a:picLocks noChangeAspect="1"/>
+          </p:cNvPicPr>
+          <p:nvPr/>
+        </p:nvPicPr>
+        <p:blipFill>
+          <a:blip r:embed="rId2">
+            <a:extLst>
+              <a:ext uri="{28A0092B-C50C-407E-A947-70E740481C1C}">
+                <a14:useLocalDpi xmlns:a14="http://schemas.microsoft.com/office/drawing/2010/main" val="0"/>
+              </a:ext>
+            </a:extLst>
+          </a:blip>
+          <a:stretch>
+            <a:fillRect/>
+          </a:stretch>
+        </p:blipFill>
+        <p:spPr>
+          <a:xfrm>
+            <a:off x="5608320" y="4140200"/>
+            <a:ext cx="1219200" cy="1219200"/>
+          </a:xfrm>
+          <a:prstGeom prst="rect">
+            <a:avLst/>
+          </a:prstGeom>
+        </p:spPr>
+      </p:pic>
+      <p:pic>
+        <p:nvPicPr>
+          <p:cNvPr id="30" name="Imagen 29"/>
+          <p:cNvPicPr>
+            <a:picLocks noChangeAspect="1"/>
+          </p:cNvPicPr>
+          <p:nvPr/>
+        </p:nvPicPr>
+        <p:blipFill>
+          <a:blip r:embed="rId2">
+            <a:extLst>
+              <a:ext uri="{28A0092B-C50C-407E-A947-70E740481C1C}">
+                <a14:useLocalDpi xmlns:a14="http://schemas.microsoft.com/office/drawing/2010/main" val="0"/>
+              </a:ext>
+            </a:extLst>
+          </a:blip>
+          <a:stretch>
+            <a:fillRect/>
+          </a:stretch>
+        </p:blipFill>
+        <p:spPr>
+          <a:xfrm>
+            <a:off x="6827520" y="4140200"/>
+            <a:ext cx="1219200" cy="1219200"/>
+          </a:xfrm>
+          <a:prstGeom prst="rect">
+            <a:avLst/>
+          </a:prstGeom>
+        </p:spPr>
+      </p:pic>
+      <p:sp>
+        <p:nvSpPr>
+          <p:cNvPr id="33" name="Rectángulo 32"/>
+          <p:cNvSpPr/>
+          <p:nvPr/>
+        </p:nvSpPr>
+        <p:spPr>
+          <a:xfrm>
+            <a:off x="731521" y="630535"/>
+            <a:ext cx="7315200" cy="1107996"/>
+          </a:xfrm>
+          <a:prstGeom prst="rect">
+            <a:avLst/>
+          </a:prstGeom>
+          <a:noFill/>
+        </p:spPr>
+        <p:txBody>
+          <a:bodyPr wrap="square" lIns="91440" tIns="45720" rIns="91440" bIns="45720">
+            <a:spAutoFit/>
+          </a:bodyPr>
+          <a:lstStyle/>
+          <a:p>
+            <a:pPr algn="ctr"/>
+            <a:r>
+              <a:rPr lang="es-ES" sz="6600" b="1" dirty="0">
+                <a:ln w="12700">
+                  <a:solidFill>
+                    <a:schemeClr val="tx1">
+                      <a:lumMod val="95000"/>
+                      <a:lumOff val="5000"/>
+                    </a:schemeClr>
+                  </a:solidFill>
+                  <a:prstDash val="solid"/>
+                </a:ln>
+                <a:solidFill>
+                  <a:schemeClr val="tx1">
+                    <a:lumMod val="75000"/>
+                    <a:lumOff val="25000"/>
+                  </a:schemeClr>
+                </a:solidFill>
+                <a:effectLst>
+                  <a:outerShdw dist="38100" dir="2640000" algn="bl" rotWithShape="0">
+                    <a:schemeClr val="tx2">
+                      <a:lumMod val="75000"/>
+                    </a:schemeClr>
+                  </a:outerShdw>
+                </a:effectLst>
+                <a:latin typeface="AR CHRISTY" panose="02000000000000000000" pitchFamily="2" charset="0"/>
+              </a:rPr>
+              <a:t>HIGH SCORES</a:t>
+            </a:r>
+          </a:p>
+        </p:txBody>
+      </p:sp>
+      <p:pic>
+        <p:nvPicPr>
+          <p:cNvPr id="34" name="Imagen 33"/>
+          <p:cNvPicPr>
+            <a:picLocks noChangeAspect="1"/>
+          </p:cNvPicPr>
+          <p:nvPr/>
+        </p:nvPicPr>
+        <p:blipFill>
+          <a:blip r:embed="rId2">
+            <a:extLst>
+              <a:ext uri="{28A0092B-C50C-407E-A947-70E740481C1C}">
+                <a14:useLocalDpi xmlns:a14="http://schemas.microsoft.com/office/drawing/2010/main" val="0"/>
+              </a:ext>
+            </a:extLst>
+          </a:blip>
+          <a:stretch>
+            <a:fillRect/>
+          </a:stretch>
+        </p:blipFill>
+        <p:spPr>
+          <a:xfrm>
+            <a:off x="731520" y="5359400"/>
+            <a:ext cx="1219200" cy="1219200"/>
+          </a:xfrm>
+          <a:prstGeom prst="rect">
+            <a:avLst/>
+          </a:prstGeom>
+        </p:spPr>
+      </p:pic>
+      <p:pic>
+        <p:nvPicPr>
+          <p:cNvPr id="35" name="Imagen 34"/>
+          <p:cNvPicPr>
+            <a:picLocks noChangeAspect="1"/>
+          </p:cNvPicPr>
+          <p:nvPr/>
+        </p:nvPicPr>
+        <p:blipFill>
+          <a:blip r:embed="rId2">
+            <a:extLst>
+              <a:ext uri="{28A0092B-C50C-407E-A947-70E740481C1C}">
+                <a14:useLocalDpi xmlns:a14="http://schemas.microsoft.com/office/drawing/2010/main" val="0"/>
+              </a:ext>
+            </a:extLst>
+          </a:blip>
+          <a:stretch>
+            <a:fillRect/>
+          </a:stretch>
+        </p:blipFill>
+        <p:spPr>
+          <a:xfrm>
+            <a:off x="1950720" y="5359400"/>
+            <a:ext cx="1219200" cy="1219200"/>
+          </a:xfrm>
+          <a:prstGeom prst="rect">
+            <a:avLst/>
+          </a:prstGeom>
+        </p:spPr>
+      </p:pic>
+      <p:pic>
+        <p:nvPicPr>
+          <p:cNvPr id="36" name="Imagen 35"/>
+          <p:cNvPicPr>
+            <a:picLocks noChangeAspect="1"/>
+          </p:cNvPicPr>
+          <p:nvPr/>
+        </p:nvPicPr>
+        <p:blipFill>
+          <a:blip r:embed="rId2">
+            <a:extLst>
+              <a:ext uri="{28A0092B-C50C-407E-A947-70E740481C1C}">
+                <a14:useLocalDpi xmlns:a14="http://schemas.microsoft.com/office/drawing/2010/main" val="0"/>
+              </a:ext>
+            </a:extLst>
+          </a:blip>
+          <a:stretch>
+            <a:fillRect/>
+          </a:stretch>
+        </p:blipFill>
+        <p:spPr>
+          <a:xfrm>
+            <a:off x="3169920" y="5359400"/>
+            <a:ext cx="1219200" cy="1219200"/>
+          </a:xfrm>
+          <a:prstGeom prst="rect">
+            <a:avLst/>
+          </a:prstGeom>
+        </p:spPr>
+      </p:pic>
+      <p:pic>
+        <p:nvPicPr>
+          <p:cNvPr id="37" name="Imagen 36"/>
+          <p:cNvPicPr>
+            <a:picLocks noChangeAspect="1"/>
+          </p:cNvPicPr>
+          <p:nvPr/>
+        </p:nvPicPr>
+        <p:blipFill>
+          <a:blip r:embed="rId2">
+            <a:extLst>
+              <a:ext uri="{28A0092B-C50C-407E-A947-70E740481C1C}">
+                <a14:useLocalDpi xmlns:a14="http://schemas.microsoft.com/office/drawing/2010/main" val="0"/>
+              </a:ext>
+            </a:extLst>
+          </a:blip>
+          <a:stretch>
+            <a:fillRect/>
+          </a:stretch>
+        </p:blipFill>
+        <p:spPr>
+          <a:xfrm>
+            <a:off x="4389120" y="5359400"/>
+            <a:ext cx="1219200" cy="1219200"/>
+          </a:xfrm>
+          <a:prstGeom prst="rect">
+            <a:avLst/>
+          </a:prstGeom>
+        </p:spPr>
+      </p:pic>
+      <p:pic>
+        <p:nvPicPr>
+          <p:cNvPr id="38" name="Imagen 37"/>
+          <p:cNvPicPr>
+            <a:picLocks noChangeAspect="1"/>
+          </p:cNvPicPr>
+          <p:nvPr/>
+        </p:nvPicPr>
+        <p:blipFill>
+          <a:blip r:embed="rId2">
+            <a:extLst>
+              <a:ext uri="{28A0092B-C50C-407E-A947-70E740481C1C}">
+                <a14:useLocalDpi xmlns:a14="http://schemas.microsoft.com/office/drawing/2010/main" val="0"/>
+              </a:ext>
+            </a:extLst>
+          </a:blip>
+          <a:stretch>
+            <a:fillRect/>
+          </a:stretch>
+        </p:blipFill>
+        <p:spPr>
+          <a:xfrm>
+            <a:off x="5608320" y="5359400"/>
+            <a:ext cx="1219200" cy="1219200"/>
+          </a:xfrm>
+          <a:prstGeom prst="rect">
+            <a:avLst/>
+          </a:prstGeom>
+        </p:spPr>
+      </p:pic>
+      <p:pic>
+        <p:nvPicPr>
+          <p:cNvPr id="39" name="Imagen 38"/>
+          <p:cNvPicPr>
+            <a:picLocks noChangeAspect="1"/>
+          </p:cNvPicPr>
+          <p:nvPr/>
+        </p:nvPicPr>
+        <p:blipFill>
+          <a:blip r:embed="rId2">
+            <a:extLst>
+              <a:ext uri="{28A0092B-C50C-407E-A947-70E740481C1C}">
+                <a14:useLocalDpi xmlns:a14="http://schemas.microsoft.com/office/drawing/2010/main" val="0"/>
+              </a:ext>
+            </a:extLst>
+          </a:blip>
+          <a:stretch>
+            <a:fillRect/>
+          </a:stretch>
+        </p:blipFill>
+        <p:spPr>
+          <a:xfrm>
+            <a:off x="6827520" y="5359400"/>
+            <a:ext cx="1219200" cy="1219200"/>
+          </a:xfrm>
+          <a:prstGeom prst="rect">
+            <a:avLst/>
+          </a:prstGeom>
+        </p:spPr>
+      </p:pic>
+    </p:spTree>
+    <p:extLst>
+      <p:ext uri="{BB962C8B-B14F-4D97-AF65-F5344CB8AC3E}">
+        <p14:creationId xmlns:p14="http://schemas.microsoft.com/office/powerpoint/2010/main" val="2987137176"/>
+      </p:ext>
+    </p:extLst>
+  </p:cSld>
+  <p:clrMapOvr>
+    <a:masterClrMapping/>
+  </p:clrMapOvr>
+</p:sld>
+</file>
+
+<file path=ppt/slides/slide5.xml><?xml version="1.0" encoding="utf-8"?>
+<p:sld xmlns:a="http://schemas.openxmlformats.org/drawingml/2006/main" xmlns:r="http://schemas.openxmlformats.org/officeDocument/2006/relationships" xmlns:p="http://schemas.openxmlformats.org/presentationml/2006/main">
+  <p:cSld>
+    <p:spTree>
+      <p:nvGrpSpPr>
+        <p:cNvPr id="1" name=""/>
+        <p:cNvGrpSpPr/>
+        <p:nvPr/>
+      </p:nvGrpSpPr>
+      <p:grpSpPr>
+        <a:xfrm>
+          <a:off x="0" y="0"/>
+          <a:ext cx="0" cy="0"/>
+          <a:chOff x="0" y="0"/>
+          <a:chExt cx="0" cy="0"/>
+        </a:xfrm>
+      </p:grpSpPr>
+      <p:grpSp>
+        <p:nvGrpSpPr>
+          <p:cNvPr id="72" name="Grupo 71"/>
+          <p:cNvGrpSpPr/>
+          <p:nvPr/>
+        </p:nvGrpSpPr>
+        <p:grpSpPr>
+          <a:xfrm>
+            <a:off x="0" y="487769"/>
+            <a:ext cx="12192000" cy="6100456"/>
+            <a:chOff x="0" y="487769"/>
+            <a:chExt cx="12192000" cy="6100456"/>
+          </a:xfrm>
+        </p:grpSpPr>
+        <p:grpSp>
+          <p:nvGrpSpPr>
+            <p:cNvPr id="31" name="Grupo 30"/>
+            <p:cNvGrpSpPr/>
+            <p:nvPr/>
+          </p:nvGrpSpPr>
+          <p:grpSpPr>
+            <a:xfrm>
+              <a:off x="1219201" y="489690"/>
+              <a:ext cx="10972799" cy="6098535"/>
+              <a:chOff x="731520" y="480065"/>
+              <a:chExt cx="10972799" cy="6098535"/>
+            </a:xfrm>
+          </p:grpSpPr>
+          <p:grpSp>
+            <p:nvGrpSpPr>
+              <p:cNvPr id="32" name="Grupo 31"/>
+              <p:cNvGrpSpPr/>
+              <p:nvPr/>
+            </p:nvGrpSpPr>
+            <p:grpSpPr>
+              <a:xfrm>
+                <a:off x="731520" y="482600"/>
+                <a:ext cx="7315200" cy="4876800"/>
+                <a:chOff x="731520" y="482600"/>
+                <a:chExt cx="7315200" cy="4876800"/>
+              </a:xfrm>
+            </p:grpSpPr>
+            <p:pic>
+              <p:nvPicPr>
+                <p:cNvPr id="4" name="Imagen 3"/>
+                <p:cNvPicPr>
+                  <a:picLocks noChangeAspect="1"/>
+                </p:cNvPicPr>
+                <p:nvPr/>
+              </p:nvPicPr>
+              <p:blipFill>
+                <a:blip r:embed="rId2">
+                  <a:extLst>
+                    <a:ext uri="{28A0092B-C50C-407E-A947-70E740481C1C}">
+                      <a14:useLocalDpi xmlns:a14="http://schemas.microsoft.com/office/drawing/2010/main" val="0"/>
+                    </a:ext>
+                  </a:extLst>
+                </a:blip>
+                <a:stretch>
+                  <a:fillRect/>
+                </a:stretch>
+              </p:blipFill>
+              <p:spPr>
+                <a:xfrm>
+                  <a:off x="731520" y="482600"/>
+                  <a:ext cx="1219200" cy="1219200"/>
+                </a:xfrm>
+                <a:prstGeom prst="rect">
+                  <a:avLst/>
+                </a:prstGeom>
+              </p:spPr>
+            </p:pic>
+            <p:pic>
+              <p:nvPicPr>
+                <p:cNvPr id="5" name="Imagen 4"/>
+                <p:cNvPicPr>
+                  <a:picLocks noChangeAspect="1"/>
+                </p:cNvPicPr>
+                <p:nvPr/>
+              </p:nvPicPr>
+              <p:blipFill>
+                <a:blip r:embed="rId2">
+                  <a:extLst>
+                    <a:ext uri="{28A0092B-C50C-407E-A947-70E740481C1C}">
+                      <a14:useLocalDpi xmlns:a14="http://schemas.microsoft.com/office/drawing/2010/main" val="0"/>
+                    </a:ext>
+                  </a:extLst>
+                </a:blip>
+                <a:stretch>
+                  <a:fillRect/>
+                </a:stretch>
+              </p:blipFill>
+              <p:spPr>
+                <a:xfrm>
+                  <a:off x="1950720" y="482600"/>
+                  <a:ext cx="1219200" cy="1219200"/>
+                </a:xfrm>
+                <a:prstGeom prst="rect">
+                  <a:avLst/>
+                </a:prstGeom>
+              </p:spPr>
+            </p:pic>
+            <p:pic>
+              <p:nvPicPr>
+                <p:cNvPr id="6" name="Imagen 5"/>
+                <p:cNvPicPr>
+                  <a:picLocks noChangeAspect="1"/>
+                </p:cNvPicPr>
+                <p:nvPr/>
+              </p:nvPicPr>
+              <p:blipFill>
+                <a:blip r:embed="rId2">
+                  <a:extLst>
+                    <a:ext uri="{28A0092B-C50C-407E-A947-70E740481C1C}">
+                      <a14:useLocalDpi xmlns:a14="http://schemas.microsoft.com/office/drawing/2010/main" val="0"/>
+                    </a:ext>
+                  </a:extLst>
+                </a:blip>
+                <a:stretch>
+                  <a:fillRect/>
+                </a:stretch>
+              </p:blipFill>
+              <p:spPr>
+                <a:xfrm>
+                  <a:off x="3169920" y="482600"/>
+                  <a:ext cx="1219200" cy="1219200"/>
+                </a:xfrm>
+                <a:prstGeom prst="rect">
+                  <a:avLst/>
+                </a:prstGeom>
+              </p:spPr>
+            </p:pic>
+            <p:pic>
+              <p:nvPicPr>
+                <p:cNvPr id="7" name="Imagen 6"/>
+                <p:cNvPicPr>
+                  <a:picLocks noChangeAspect="1"/>
+                </p:cNvPicPr>
+                <p:nvPr/>
+              </p:nvPicPr>
+              <p:blipFill>
+                <a:blip r:embed="rId2">
+                  <a:extLst>
+                    <a:ext uri="{28A0092B-C50C-407E-A947-70E740481C1C}">
+                      <a14:useLocalDpi xmlns:a14="http://schemas.microsoft.com/office/drawing/2010/main" val="0"/>
+                    </a:ext>
+                  </a:extLst>
+                </a:blip>
+                <a:stretch>
+                  <a:fillRect/>
+                </a:stretch>
+              </p:blipFill>
+              <p:spPr>
+                <a:xfrm>
+                  <a:off x="4389120" y="482600"/>
+                  <a:ext cx="1219200" cy="1219200"/>
+                </a:xfrm>
+                <a:prstGeom prst="rect">
+                  <a:avLst/>
+                </a:prstGeom>
+              </p:spPr>
+            </p:pic>
+            <p:pic>
+              <p:nvPicPr>
+                <p:cNvPr id="8" name="Imagen 7"/>
+                <p:cNvPicPr>
+                  <a:picLocks noChangeAspect="1"/>
+                </p:cNvPicPr>
+                <p:nvPr/>
+              </p:nvPicPr>
+              <p:blipFill>
+                <a:blip r:embed="rId2">
+                  <a:extLst>
+                    <a:ext uri="{28A0092B-C50C-407E-A947-70E740481C1C}">
+                      <a14:useLocalDpi xmlns:a14="http://schemas.microsoft.com/office/drawing/2010/main" val="0"/>
+                    </a:ext>
+                  </a:extLst>
+                </a:blip>
+                <a:stretch>
+                  <a:fillRect/>
+                </a:stretch>
+              </p:blipFill>
+              <p:spPr>
+                <a:xfrm>
+                  <a:off x="5608320" y="482600"/>
+                  <a:ext cx="1219200" cy="1219200"/>
+                </a:xfrm>
+                <a:prstGeom prst="rect">
+                  <a:avLst/>
+                </a:prstGeom>
+              </p:spPr>
+            </p:pic>
+            <p:pic>
+              <p:nvPicPr>
+                <p:cNvPr id="9" name="Imagen 8"/>
+                <p:cNvPicPr>
+                  <a:picLocks noChangeAspect="1"/>
+                </p:cNvPicPr>
+                <p:nvPr/>
+              </p:nvPicPr>
+              <p:blipFill>
+                <a:blip r:embed="rId2">
+                  <a:extLst>
+                    <a:ext uri="{28A0092B-C50C-407E-A947-70E740481C1C}">
+                      <a14:useLocalDpi xmlns:a14="http://schemas.microsoft.com/office/drawing/2010/main" val="0"/>
+                    </a:ext>
+                  </a:extLst>
+                </a:blip>
+                <a:stretch>
+                  <a:fillRect/>
+                </a:stretch>
+              </p:blipFill>
+              <p:spPr>
+                <a:xfrm>
+                  <a:off x="6827520" y="482600"/>
+                  <a:ext cx="1219200" cy="1219200"/>
+                </a:xfrm>
+                <a:prstGeom prst="rect">
+                  <a:avLst/>
+                </a:prstGeom>
+              </p:spPr>
+            </p:pic>
+            <p:pic>
+              <p:nvPicPr>
+                <p:cNvPr id="11" name="Imagen 10"/>
+                <p:cNvPicPr>
+                  <a:picLocks noChangeAspect="1"/>
+                </p:cNvPicPr>
+                <p:nvPr/>
+              </p:nvPicPr>
+              <p:blipFill>
+                <a:blip r:embed="rId2">
+                  <a:extLst>
+                    <a:ext uri="{28A0092B-C50C-407E-A947-70E740481C1C}">
+                      <a14:useLocalDpi xmlns:a14="http://schemas.microsoft.com/office/drawing/2010/main" val="0"/>
+                    </a:ext>
+                  </a:extLst>
+                </a:blip>
+                <a:stretch>
+                  <a:fillRect/>
+                </a:stretch>
+              </p:blipFill>
+              <p:spPr>
+                <a:xfrm>
+                  <a:off x="731520" y="1701800"/>
+                  <a:ext cx="1219200" cy="1219200"/>
+                </a:xfrm>
+                <a:prstGeom prst="rect">
+                  <a:avLst/>
+                </a:prstGeom>
+              </p:spPr>
+            </p:pic>
+            <p:pic>
+              <p:nvPicPr>
+                <p:cNvPr id="12" name="Imagen 11"/>
+                <p:cNvPicPr>
+                  <a:picLocks noChangeAspect="1"/>
+                </p:cNvPicPr>
+                <p:nvPr/>
+              </p:nvPicPr>
+              <p:blipFill>
+                <a:blip r:embed="rId2">
+                  <a:extLst>
+                    <a:ext uri="{28A0092B-C50C-407E-A947-70E740481C1C}">
+                      <a14:useLocalDpi xmlns:a14="http://schemas.microsoft.com/office/drawing/2010/main" val="0"/>
+                    </a:ext>
+                  </a:extLst>
+                </a:blip>
+                <a:stretch>
+                  <a:fillRect/>
+                </a:stretch>
+              </p:blipFill>
+              <p:spPr>
+                <a:xfrm>
+                  <a:off x="1950720" y="1701800"/>
+                  <a:ext cx="1219200" cy="1219200"/>
+                </a:xfrm>
+                <a:prstGeom prst="rect">
+                  <a:avLst/>
+                </a:prstGeom>
+              </p:spPr>
+            </p:pic>
+            <p:pic>
+              <p:nvPicPr>
+                <p:cNvPr id="13" name="Imagen 12"/>
+                <p:cNvPicPr>
+                  <a:picLocks noChangeAspect="1"/>
+                </p:cNvPicPr>
+                <p:nvPr/>
+              </p:nvPicPr>
+              <p:blipFill>
+                <a:blip r:embed="rId2">
+                  <a:extLst>
+                    <a:ext uri="{28A0092B-C50C-407E-A947-70E740481C1C}">
+                      <a14:useLocalDpi xmlns:a14="http://schemas.microsoft.com/office/drawing/2010/main" val="0"/>
+                    </a:ext>
+                  </a:extLst>
+                </a:blip>
+                <a:stretch>
+                  <a:fillRect/>
+                </a:stretch>
+              </p:blipFill>
+              <p:spPr>
+                <a:xfrm>
+                  <a:off x="3169920" y="1701800"/>
+                  <a:ext cx="1219200" cy="1219200"/>
+                </a:xfrm>
+                <a:prstGeom prst="rect">
+                  <a:avLst/>
+                </a:prstGeom>
+              </p:spPr>
+            </p:pic>
+            <p:pic>
+              <p:nvPicPr>
+                <p:cNvPr id="14" name="Imagen 13"/>
+                <p:cNvPicPr>
+                  <a:picLocks noChangeAspect="1"/>
+                </p:cNvPicPr>
+                <p:nvPr/>
+              </p:nvPicPr>
+              <p:blipFill>
+                <a:blip r:embed="rId2">
+                  <a:extLst>
+                    <a:ext uri="{28A0092B-C50C-407E-A947-70E740481C1C}">
+                      <a14:useLocalDpi xmlns:a14="http://schemas.microsoft.com/office/drawing/2010/main" val="0"/>
+                    </a:ext>
+                  </a:extLst>
+                </a:blip>
+                <a:stretch>
+                  <a:fillRect/>
+                </a:stretch>
+              </p:blipFill>
+              <p:spPr>
+                <a:xfrm>
+                  <a:off x="4389120" y="1701800"/>
+                  <a:ext cx="1219200" cy="1219200"/>
+                </a:xfrm>
+                <a:prstGeom prst="rect">
+                  <a:avLst/>
+                </a:prstGeom>
+              </p:spPr>
+            </p:pic>
+            <p:pic>
+              <p:nvPicPr>
+                <p:cNvPr id="15" name="Imagen 14"/>
+                <p:cNvPicPr>
+                  <a:picLocks noChangeAspect="1"/>
+                </p:cNvPicPr>
+                <p:nvPr/>
+              </p:nvPicPr>
+              <p:blipFill>
+                <a:blip r:embed="rId2">
+                  <a:extLst>
+                    <a:ext uri="{28A0092B-C50C-407E-A947-70E740481C1C}">
+                      <a14:useLocalDpi xmlns:a14="http://schemas.microsoft.com/office/drawing/2010/main" val="0"/>
+                    </a:ext>
+                  </a:extLst>
+                </a:blip>
+                <a:stretch>
+                  <a:fillRect/>
+                </a:stretch>
+              </p:blipFill>
+              <p:spPr>
+                <a:xfrm>
+                  <a:off x="5608320" y="1701800"/>
+                  <a:ext cx="1219200" cy="1219200"/>
+                </a:xfrm>
+                <a:prstGeom prst="rect">
+                  <a:avLst/>
+                </a:prstGeom>
+              </p:spPr>
+            </p:pic>
+            <p:pic>
+              <p:nvPicPr>
+                <p:cNvPr id="16" name="Imagen 15"/>
+                <p:cNvPicPr>
+                  <a:picLocks noChangeAspect="1"/>
+                </p:cNvPicPr>
+                <p:nvPr/>
+              </p:nvPicPr>
+              <p:blipFill>
+                <a:blip r:embed="rId2">
+                  <a:extLst>
+                    <a:ext uri="{28A0092B-C50C-407E-A947-70E740481C1C}">
+                      <a14:useLocalDpi xmlns:a14="http://schemas.microsoft.com/office/drawing/2010/main" val="0"/>
+                    </a:ext>
+                  </a:extLst>
+                </a:blip>
+                <a:stretch>
+                  <a:fillRect/>
+                </a:stretch>
+              </p:blipFill>
+              <p:spPr>
+                <a:xfrm>
+                  <a:off x="6827520" y="1701800"/>
+                  <a:ext cx="1219200" cy="1219200"/>
+                </a:xfrm>
+                <a:prstGeom prst="rect">
+                  <a:avLst/>
+                </a:prstGeom>
+              </p:spPr>
+            </p:pic>
+            <p:pic>
+              <p:nvPicPr>
+                <p:cNvPr id="18" name="Imagen 17"/>
+                <p:cNvPicPr>
+                  <a:picLocks noChangeAspect="1"/>
+                </p:cNvPicPr>
+                <p:nvPr/>
+              </p:nvPicPr>
+              <p:blipFill>
+                <a:blip r:embed="rId2">
+                  <a:extLst>
+                    <a:ext uri="{28A0092B-C50C-407E-A947-70E740481C1C}">
+                      <a14:useLocalDpi xmlns:a14="http://schemas.microsoft.com/office/drawing/2010/main" val="0"/>
+                    </a:ext>
+                  </a:extLst>
+                </a:blip>
+                <a:stretch>
+                  <a:fillRect/>
+                </a:stretch>
+              </p:blipFill>
+              <p:spPr>
+                <a:xfrm>
+                  <a:off x="731520" y="2921000"/>
+                  <a:ext cx="1219200" cy="1219200"/>
+                </a:xfrm>
+                <a:prstGeom prst="rect">
+                  <a:avLst/>
+                </a:prstGeom>
+              </p:spPr>
+            </p:pic>
+            <p:pic>
+              <p:nvPicPr>
+                <p:cNvPr id="19" name="Imagen 18"/>
+                <p:cNvPicPr>
+                  <a:picLocks noChangeAspect="1"/>
+                </p:cNvPicPr>
+                <p:nvPr/>
+              </p:nvPicPr>
+              <p:blipFill>
+                <a:blip r:embed="rId2">
+                  <a:extLst>
+                    <a:ext uri="{28A0092B-C50C-407E-A947-70E740481C1C}">
+                      <a14:useLocalDpi xmlns:a14="http://schemas.microsoft.com/office/drawing/2010/main" val="0"/>
+                    </a:ext>
+                  </a:extLst>
+                </a:blip>
+                <a:stretch>
+                  <a:fillRect/>
+                </a:stretch>
+              </p:blipFill>
+              <p:spPr>
+                <a:xfrm>
+                  <a:off x="1950720" y="2921000"/>
+                  <a:ext cx="1219200" cy="1219200"/>
+                </a:xfrm>
+                <a:prstGeom prst="rect">
+                  <a:avLst/>
+                </a:prstGeom>
+              </p:spPr>
+            </p:pic>
+            <p:pic>
+              <p:nvPicPr>
+                <p:cNvPr id="20" name="Imagen 19"/>
+                <p:cNvPicPr>
+                  <a:picLocks noChangeAspect="1"/>
+                </p:cNvPicPr>
+                <p:nvPr/>
+              </p:nvPicPr>
+              <p:blipFill>
+                <a:blip r:embed="rId2">
+                  <a:extLst>
+                    <a:ext uri="{28A0092B-C50C-407E-A947-70E740481C1C}">
+                      <a14:useLocalDpi xmlns:a14="http://schemas.microsoft.com/office/drawing/2010/main" val="0"/>
+                    </a:ext>
+                  </a:extLst>
+                </a:blip>
+                <a:stretch>
+                  <a:fillRect/>
+                </a:stretch>
+              </p:blipFill>
+              <p:spPr>
+                <a:xfrm>
+                  <a:off x="3169920" y="2921000"/>
+                  <a:ext cx="1219200" cy="1219200"/>
+                </a:xfrm>
+                <a:prstGeom prst="rect">
+                  <a:avLst/>
+                </a:prstGeom>
+              </p:spPr>
+            </p:pic>
+            <p:pic>
+              <p:nvPicPr>
+                <p:cNvPr id="21" name="Imagen 20"/>
+                <p:cNvPicPr>
+                  <a:picLocks noChangeAspect="1"/>
+                </p:cNvPicPr>
+                <p:nvPr/>
+              </p:nvPicPr>
+              <p:blipFill>
+                <a:blip r:embed="rId2">
+                  <a:extLst>
+                    <a:ext uri="{28A0092B-C50C-407E-A947-70E740481C1C}">
+                      <a14:useLocalDpi xmlns:a14="http://schemas.microsoft.com/office/drawing/2010/main" val="0"/>
+                    </a:ext>
+                  </a:extLst>
+                </a:blip>
+                <a:stretch>
+                  <a:fillRect/>
+                </a:stretch>
+              </p:blipFill>
+              <p:spPr>
+                <a:xfrm>
+                  <a:off x="4389120" y="2921000"/>
+                  <a:ext cx="1219200" cy="1219200"/>
+                </a:xfrm>
+                <a:prstGeom prst="rect">
+                  <a:avLst/>
+                </a:prstGeom>
+              </p:spPr>
+            </p:pic>
+            <p:pic>
+              <p:nvPicPr>
+                <p:cNvPr id="22" name="Imagen 21"/>
+                <p:cNvPicPr>
+                  <a:picLocks noChangeAspect="1"/>
+                </p:cNvPicPr>
+                <p:nvPr/>
+              </p:nvPicPr>
+              <p:blipFill>
+                <a:blip r:embed="rId2">
+                  <a:extLst>
+                    <a:ext uri="{28A0092B-C50C-407E-A947-70E740481C1C}">
+                      <a14:useLocalDpi xmlns:a14="http://schemas.microsoft.com/office/drawing/2010/main" val="0"/>
+                    </a:ext>
+                  </a:extLst>
+                </a:blip>
+                <a:stretch>
+                  <a:fillRect/>
+                </a:stretch>
+              </p:blipFill>
+              <p:spPr>
+                <a:xfrm>
+                  <a:off x="5608320" y="2921000"/>
+                  <a:ext cx="1219200" cy="1219200"/>
+                </a:xfrm>
+                <a:prstGeom prst="rect">
+                  <a:avLst/>
+                </a:prstGeom>
+              </p:spPr>
+            </p:pic>
+            <p:pic>
+              <p:nvPicPr>
+                <p:cNvPr id="23" name="Imagen 22"/>
+                <p:cNvPicPr>
+                  <a:picLocks noChangeAspect="1"/>
+                </p:cNvPicPr>
+                <p:nvPr/>
+              </p:nvPicPr>
+              <p:blipFill>
+                <a:blip r:embed="rId2">
+                  <a:extLst>
+                    <a:ext uri="{28A0092B-C50C-407E-A947-70E740481C1C}">
+                      <a14:useLocalDpi xmlns:a14="http://schemas.microsoft.com/office/drawing/2010/main" val="0"/>
+                    </a:ext>
+                  </a:extLst>
+                </a:blip>
+                <a:stretch>
+                  <a:fillRect/>
+                </a:stretch>
+              </p:blipFill>
+              <p:spPr>
+                <a:xfrm>
+                  <a:off x="6827520" y="2921000"/>
+                  <a:ext cx="1219200" cy="1219200"/>
+                </a:xfrm>
+                <a:prstGeom prst="rect">
+                  <a:avLst/>
+                </a:prstGeom>
+              </p:spPr>
+            </p:pic>
+            <p:pic>
+              <p:nvPicPr>
+                <p:cNvPr id="25" name="Imagen 24"/>
+                <p:cNvPicPr>
+                  <a:picLocks noChangeAspect="1"/>
+                </p:cNvPicPr>
+                <p:nvPr/>
+              </p:nvPicPr>
+              <p:blipFill>
+                <a:blip r:embed="rId2">
+                  <a:extLst>
+                    <a:ext uri="{28A0092B-C50C-407E-A947-70E740481C1C}">
+                      <a14:useLocalDpi xmlns:a14="http://schemas.microsoft.com/office/drawing/2010/main" val="0"/>
+                    </a:ext>
+                  </a:extLst>
+                </a:blip>
+                <a:stretch>
+                  <a:fillRect/>
+                </a:stretch>
+              </p:blipFill>
+              <p:spPr>
+                <a:xfrm>
+                  <a:off x="731520" y="4140200"/>
+                  <a:ext cx="1219200" cy="1219200"/>
+                </a:xfrm>
+                <a:prstGeom prst="rect">
+                  <a:avLst/>
+                </a:prstGeom>
+              </p:spPr>
+            </p:pic>
+            <p:pic>
+              <p:nvPicPr>
+                <p:cNvPr id="26" name="Imagen 25"/>
+                <p:cNvPicPr>
+                  <a:picLocks noChangeAspect="1"/>
+                </p:cNvPicPr>
+                <p:nvPr/>
+              </p:nvPicPr>
+              <p:blipFill>
+                <a:blip r:embed="rId2">
+                  <a:extLst>
+                    <a:ext uri="{28A0092B-C50C-407E-A947-70E740481C1C}">
+                      <a14:useLocalDpi xmlns:a14="http://schemas.microsoft.com/office/drawing/2010/main" val="0"/>
+                    </a:ext>
+                  </a:extLst>
+                </a:blip>
+                <a:stretch>
+                  <a:fillRect/>
+                </a:stretch>
+              </p:blipFill>
+              <p:spPr>
+                <a:xfrm>
+                  <a:off x="1950720" y="4140200"/>
+                  <a:ext cx="1219200" cy="1219200"/>
+                </a:xfrm>
+                <a:prstGeom prst="rect">
+                  <a:avLst/>
+                </a:prstGeom>
+              </p:spPr>
+            </p:pic>
+            <p:pic>
+              <p:nvPicPr>
+                <p:cNvPr id="27" name="Imagen 26"/>
+                <p:cNvPicPr>
+                  <a:picLocks noChangeAspect="1"/>
+                </p:cNvPicPr>
+                <p:nvPr/>
+              </p:nvPicPr>
+              <p:blipFill>
+                <a:blip r:embed="rId2">
+                  <a:extLst>
+                    <a:ext uri="{28A0092B-C50C-407E-A947-70E740481C1C}">
+                      <a14:useLocalDpi xmlns:a14="http://schemas.microsoft.com/office/drawing/2010/main" val="0"/>
+                    </a:ext>
+                  </a:extLst>
+                </a:blip>
+                <a:stretch>
+                  <a:fillRect/>
+                </a:stretch>
+              </p:blipFill>
+              <p:spPr>
+                <a:xfrm>
+                  <a:off x="3169920" y="4140200"/>
+                  <a:ext cx="1219200" cy="1219200"/>
+                </a:xfrm>
+                <a:prstGeom prst="rect">
+                  <a:avLst/>
+                </a:prstGeom>
+              </p:spPr>
+            </p:pic>
+            <p:pic>
+              <p:nvPicPr>
+                <p:cNvPr id="28" name="Imagen 27"/>
+                <p:cNvPicPr>
+                  <a:picLocks noChangeAspect="1"/>
+                </p:cNvPicPr>
+                <p:nvPr/>
+              </p:nvPicPr>
+              <p:blipFill>
+                <a:blip r:embed="rId2">
+                  <a:extLst>
+                    <a:ext uri="{28A0092B-C50C-407E-A947-70E740481C1C}">
+                      <a14:useLocalDpi xmlns:a14="http://schemas.microsoft.com/office/drawing/2010/main" val="0"/>
+                    </a:ext>
+                  </a:extLst>
+                </a:blip>
+                <a:stretch>
+                  <a:fillRect/>
+                </a:stretch>
+              </p:blipFill>
+              <p:spPr>
+                <a:xfrm>
+                  <a:off x="4389120" y="4140200"/>
+                  <a:ext cx="1219200" cy="1219200"/>
+                </a:xfrm>
+                <a:prstGeom prst="rect">
+                  <a:avLst/>
+                </a:prstGeom>
+              </p:spPr>
+            </p:pic>
+            <p:pic>
+              <p:nvPicPr>
+                <p:cNvPr id="29" name="Imagen 28"/>
+                <p:cNvPicPr>
+                  <a:picLocks noChangeAspect="1"/>
+                </p:cNvPicPr>
+                <p:nvPr/>
+              </p:nvPicPr>
+              <p:blipFill>
+                <a:blip r:embed="rId2">
+                  <a:extLst>
+                    <a:ext uri="{28A0092B-C50C-407E-A947-70E740481C1C}">
+                      <a14:useLocalDpi xmlns:a14="http://schemas.microsoft.com/office/drawing/2010/main" val="0"/>
+                    </a:ext>
+                  </a:extLst>
+                </a:blip>
+                <a:stretch>
+                  <a:fillRect/>
+                </a:stretch>
+              </p:blipFill>
+              <p:spPr>
+                <a:xfrm>
+                  <a:off x="5608320" y="4140200"/>
+                  <a:ext cx="1219200" cy="1219200"/>
+                </a:xfrm>
+                <a:prstGeom prst="rect">
+                  <a:avLst/>
+                </a:prstGeom>
+              </p:spPr>
+            </p:pic>
+            <p:pic>
+              <p:nvPicPr>
+                <p:cNvPr id="30" name="Imagen 29"/>
+                <p:cNvPicPr>
+                  <a:picLocks noChangeAspect="1"/>
+                </p:cNvPicPr>
+                <p:nvPr/>
+              </p:nvPicPr>
+              <p:blipFill>
+                <a:blip r:embed="rId2">
+                  <a:extLst>
+                    <a:ext uri="{28A0092B-C50C-407E-A947-70E740481C1C}">
+                      <a14:useLocalDpi xmlns:a14="http://schemas.microsoft.com/office/drawing/2010/main" val="0"/>
+                    </a:ext>
+                  </a:extLst>
+                </a:blip>
+                <a:stretch>
+                  <a:fillRect/>
+                </a:stretch>
+              </p:blipFill>
+              <p:spPr>
+                <a:xfrm>
+                  <a:off x="6827520" y="4140200"/>
+                  <a:ext cx="1219200" cy="1219200"/>
+                </a:xfrm>
+                <a:prstGeom prst="rect">
+                  <a:avLst/>
+                </a:prstGeom>
+              </p:spPr>
+            </p:pic>
+          </p:grpSp>
+          <p:pic>
+            <p:nvPicPr>
+              <p:cNvPr id="34" name="Imagen 33"/>
+              <p:cNvPicPr>
+                <a:picLocks noChangeAspect="1"/>
+              </p:cNvPicPr>
+              <p:nvPr/>
+            </p:nvPicPr>
+            <p:blipFill>
+              <a:blip r:embed="rId2">
+                <a:extLst>
+                  <a:ext uri="{28A0092B-C50C-407E-A947-70E740481C1C}">
+                    <a14:useLocalDpi xmlns:a14="http://schemas.microsoft.com/office/drawing/2010/main" val="0"/>
+                  </a:ext>
+                </a:extLst>
+              </a:blip>
+              <a:stretch>
+                <a:fillRect/>
+              </a:stretch>
+            </p:blipFill>
+            <p:spPr>
+              <a:xfrm>
+                <a:off x="731520" y="5359400"/>
+                <a:ext cx="1219200" cy="1219200"/>
+              </a:xfrm>
+              <a:prstGeom prst="rect">
+                <a:avLst/>
+              </a:prstGeom>
+            </p:spPr>
+          </p:pic>
+          <p:pic>
+            <p:nvPicPr>
+              <p:cNvPr id="35" name="Imagen 34"/>
+              <p:cNvPicPr>
+                <a:picLocks noChangeAspect="1"/>
+              </p:cNvPicPr>
+              <p:nvPr/>
+            </p:nvPicPr>
+            <p:blipFill>
+              <a:blip r:embed="rId2">
+                <a:extLst>
+                  <a:ext uri="{28A0092B-C50C-407E-A947-70E740481C1C}">
+                    <a14:useLocalDpi xmlns:a14="http://schemas.microsoft.com/office/drawing/2010/main" val="0"/>
+                  </a:ext>
+                </a:extLst>
+              </a:blip>
+              <a:stretch>
+                <a:fillRect/>
+              </a:stretch>
+            </p:blipFill>
+            <p:spPr>
+              <a:xfrm>
+                <a:off x="1950720" y="5359400"/>
+                <a:ext cx="1219200" cy="1219200"/>
+              </a:xfrm>
+              <a:prstGeom prst="rect">
+                <a:avLst/>
+              </a:prstGeom>
+            </p:spPr>
+          </p:pic>
+          <p:pic>
+            <p:nvPicPr>
+              <p:cNvPr id="36" name="Imagen 35"/>
+              <p:cNvPicPr>
+                <a:picLocks noChangeAspect="1"/>
+              </p:cNvPicPr>
+              <p:nvPr/>
+            </p:nvPicPr>
+            <p:blipFill>
+              <a:blip r:embed="rId2">
+                <a:extLst>
+                  <a:ext uri="{28A0092B-C50C-407E-A947-70E740481C1C}">
+                    <a14:useLocalDpi xmlns:a14="http://schemas.microsoft.com/office/drawing/2010/main" val="0"/>
+                  </a:ext>
+                </a:extLst>
+              </a:blip>
+              <a:stretch>
+                <a:fillRect/>
+              </a:stretch>
+            </p:blipFill>
+            <p:spPr>
+              <a:xfrm>
+                <a:off x="3169920" y="5359400"/>
+                <a:ext cx="1219200" cy="1219200"/>
+              </a:xfrm>
+              <a:prstGeom prst="rect">
+                <a:avLst/>
+              </a:prstGeom>
+            </p:spPr>
+          </p:pic>
+          <p:pic>
+            <p:nvPicPr>
+              <p:cNvPr id="37" name="Imagen 36"/>
+              <p:cNvPicPr>
+                <a:picLocks noChangeAspect="1"/>
+              </p:cNvPicPr>
+              <p:nvPr/>
+            </p:nvPicPr>
+            <p:blipFill>
+              <a:blip r:embed="rId2">
+                <a:extLst>
+                  <a:ext uri="{28A0092B-C50C-407E-A947-70E740481C1C}">
+                    <a14:useLocalDpi xmlns:a14="http://schemas.microsoft.com/office/drawing/2010/main" val="0"/>
+                  </a:ext>
+                </a:extLst>
+              </a:blip>
+              <a:stretch>
+                <a:fillRect/>
+              </a:stretch>
+            </p:blipFill>
+            <p:spPr>
+              <a:xfrm>
+                <a:off x="4389120" y="5359400"/>
+                <a:ext cx="1219200" cy="1219200"/>
+              </a:xfrm>
+              <a:prstGeom prst="rect">
+                <a:avLst/>
+              </a:prstGeom>
+            </p:spPr>
+          </p:pic>
+          <p:pic>
+            <p:nvPicPr>
+              <p:cNvPr id="38" name="Imagen 37"/>
+              <p:cNvPicPr>
+                <a:picLocks noChangeAspect="1"/>
+              </p:cNvPicPr>
+              <p:nvPr/>
+            </p:nvPicPr>
+            <p:blipFill>
+              <a:blip r:embed="rId2">
+                <a:extLst>
+                  <a:ext uri="{28A0092B-C50C-407E-A947-70E740481C1C}">
+                    <a14:useLocalDpi xmlns:a14="http://schemas.microsoft.com/office/drawing/2010/main" val="0"/>
+                  </a:ext>
+                </a:extLst>
+              </a:blip>
+              <a:stretch>
+                <a:fillRect/>
+              </a:stretch>
+            </p:blipFill>
+            <p:spPr>
+              <a:xfrm>
+                <a:off x="5608320" y="5359400"/>
+                <a:ext cx="1219200" cy="1219200"/>
+              </a:xfrm>
+              <a:prstGeom prst="rect">
+                <a:avLst/>
+              </a:prstGeom>
+            </p:spPr>
+          </p:pic>
+          <p:pic>
+            <p:nvPicPr>
+              <p:cNvPr id="39" name="Imagen 38"/>
+              <p:cNvPicPr>
+                <a:picLocks noChangeAspect="1"/>
+              </p:cNvPicPr>
+              <p:nvPr/>
+            </p:nvPicPr>
+            <p:blipFill>
+              <a:blip r:embed="rId2">
+                <a:extLst>
+                  <a:ext uri="{28A0092B-C50C-407E-A947-70E740481C1C}">
+                    <a14:useLocalDpi xmlns:a14="http://schemas.microsoft.com/office/drawing/2010/main" val="0"/>
+                  </a:ext>
+                </a:extLst>
+              </a:blip>
+              <a:stretch>
+                <a:fillRect/>
+              </a:stretch>
+            </p:blipFill>
+            <p:spPr>
+              <a:xfrm>
+                <a:off x="6827520" y="5359400"/>
+                <a:ext cx="1219200" cy="1219200"/>
+              </a:xfrm>
+              <a:prstGeom prst="rect">
+                <a:avLst/>
+              </a:prstGeom>
+            </p:spPr>
+          </p:pic>
+          <p:pic>
+            <p:nvPicPr>
+              <p:cNvPr id="44" name="Imagen 43"/>
+              <p:cNvPicPr>
+                <a:picLocks noChangeAspect="1"/>
+              </p:cNvPicPr>
+              <p:nvPr/>
+            </p:nvPicPr>
+            <p:blipFill>
+              <a:blip r:embed="rId2">
+                <a:extLst>
+                  <a:ext uri="{28A0092B-C50C-407E-A947-70E740481C1C}">
+                    <a14:useLocalDpi xmlns:a14="http://schemas.microsoft.com/office/drawing/2010/main" val="0"/>
+                  </a:ext>
+                </a:extLst>
+              </a:blip>
+              <a:stretch>
+                <a:fillRect/>
+              </a:stretch>
+            </p:blipFill>
+            <p:spPr>
+              <a:xfrm>
+                <a:off x="8046720" y="482600"/>
+                <a:ext cx="1219200" cy="1219200"/>
+              </a:xfrm>
+              <a:prstGeom prst="rect">
+                <a:avLst/>
+              </a:prstGeom>
+            </p:spPr>
+          </p:pic>
+          <p:pic>
+            <p:nvPicPr>
+              <p:cNvPr id="45" name="Imagen 44"/>
+              <p:cNvPicPr>
+                <a:picLocks noChangeAspect="1"/>
+              </p:cNvPicPr>
+              <p:nvPr/>
+            </p:nvPicPr>
+            <p:blipFill>
+              <a:blip r:embed="rId2">
+                <a:extLst>
+                  <a:ext uri="{28A0092B-C50C-407E-A947-70E740481C1C}">
+                    <a14:useLocalDpi xmlns:a14="http://schemas.microsoft.com/office/drawing/2010/main" val="0"/>
+                  </a:ext>
+                </a:extLst>
+              </a:blip>
+              <a:stretch>
+                <a:fillRect/>
+              </a:stretch>
+            </p:blipFill>
+            <p:spPr>
+              <a:xfrm>
+                <a:off x="8046720" y="1701800"/>
+                <a:ext cx="1219200" cy="1219200"/>
+              </a:xfrm>
+              <a:prstGeom prst="rect">
+                <a:avLst/>
+              </a:prstGeom>
+            </p:spPr>
+          </p:pic>
+          <p:pic>
+            <p:nvPicPr>
+              <p:cNvPr id="46" name="Imagen 45"/>
+              <p:cNvPicPr>
+                <a:picLocks noChangeAspect="1"/>
+              </p:cNvPicPr>
+              <p:nvPr/>
+            </p:nvPicPr>
+            <p:blipFill>
+              <a:blip r:embed="rId2">
+                <a:extLst>
+                  <a:ext uri="{28A0092B-C50C-407E-A947-70E740481C1C}">
+                    <a14:useLocalDpi xmlns:a14="http://schemas.microsoft.com/office/drawing/2010/main" val="0"/>
+                  </a:ext>
+                </a:extLst>
+              </a:blip>
+              <a:stretch>
+                <a:fillRect/>
+              </a:stretch>
+            </p:blipFill>
+            <p:spPr>
+              <a:xfrm>
+                <a:off x="8046720" y="2920493"/>
+                <a:ext cx="1219200" cy="1219200"/>
+              </a:xfrm>
+              <a:prstGeom prst="rect">
+                <a:avLst/>
+              </a:prstGeom>
+            </p:spPr>
+          </p:pic>
+          <p:pic>
+            <p:nvPicPr>
+              <p:cNvPr id="47" name="Imagen 46"/>
+              <p:cNvPicPr>
+                <a:picLocks noChangeAspect="1"/>
+              </p:cNvPicPr>
+              <p:nvPr/>
+            </p:nvPicPr>
+            <p:blipFill>
+              <a:blip r:embed="rId2">
+                <a:extLst>
+                  <a:ext uri="{28A0092B-C50C-407E-A947-70E740481C1C}">
+                    <a14:useLocalDpi xmlns:a14="http://schemas.microsoft.com/office/drawing/2010/main" val="0"/>
+                  </a:ext>
+                </a:extLst>
+              </a:blip>
+              <a:stretch>
+                <a:fillRect/>
+              </a:stretch>
+            </p:blipFill>
+            <p:spPr>
+              <a:xfrm>
+                <a:off x="8046720" y="4140200"/>
+                <a:ext cx="1219200" cy="1219200"/>
+              </a:xfrm>
+              <a:prstGeom prst="rect">
+                <a:avLst/>
+              </a:prstGeom>
+            </p:spPr>
+          </p:pic>
+          <p:pic>
+            <p:nvPicPr>
+              <p:cNvPr id="49" name="Imagen 48"/>
+              <p:cNvPicPr>
+                <a:picLocks noChangeAspect="1"/>
+              </p:cNvPicPr>
+              <p:nvPr/>
+            </p:nvPicPr>
+            <p:blipFill>
+              <a:blip r:embed="rId2">
+                <a:extLst>
+                  <a:ext uri="{28A0092B-C50C-407E-A947-70E740481C1C}">
+                    <a14:useLocalDpi xmlns:a14="http://schemas.microsoft.com/office/drawing/2010/main" val="0"/>
+                  </a:ext>
+                </a:extLst>
+              </a:blip>
+              <a:stretch>
+                <a:fillRect/>
+              </a:stretch>
+            </p:blipFill>
+            <p:spPr>
+              <a:xfrm>
+                <a:off x="8046720" y="5359400"/>
+                <a:ext cx="1219200" cy="1219200"/>
+              </a:xfrm>
+              <a:prstGeom prst="rect">
+                <a:avLst/>
+              </a:prstGeom>
+            </p:spPr>
+          </p:pic>
+          <p:pic>
+            <p:nvPicPr>
+              <p:cNvPr id="50" name="Imagen 49"/>
+              <p:cNvPicPr>
+                <a:picLocks noChangeAspect="1"/>
+              </p:cNvPicPr>
+              <p:nvPr/>
+            </p:nvPicPr>
+            <p:blipFill>
+              <a:blip r:embed="rId2">
+                <a:extLst>
+                  <a:ext uri="{28A0092B-C50C-407E-A947-70E740481C1C}">
+                    <a14:useLocalDpi xmlns:a14="http://schemas.microsoft.com/office/drawing/2010/main" val="0"/>
+                  </a:ext>
+                </a:extLst>
+              </a:blip>
+              <a:stretch>
+                <a:fillRect/>
+              </a:stretch>
+            </p:blipFill>
+            <p:spPr>
+              <a:xfrm>
+                <a:off x="9265920" y="482093"/>
+                <a:ext cx="1219200" cy="1219200"/>
+              </a:xfrm>
+              <a:prstGeom prst="rect">
+                <a:avLst/>
+              </a:prstGeom>
+            </p:spPr>
+          </p:pic>
+          <p:pic>
+            <p:nvPicPr>
+              <p:cNvPr id="51" name="Imagen 50"/>
+              <p:cNvPicPr>
+                <a:picLocks noChangeAspect="1"/>
+              </p:cNvPicPr>
+              <p:nvPr/>
+            </p:nvPicPr>
+            <p:blipFill>
+              <a:blip r:embed="rId2">
+                <a:extLst>
+                  <a:ext uri="{28A0092B-C50C-407E-A947-70E740481C1C}">
+                    <a14:useLocalDpi xmlns:a14="http://schemas.microsoft.com/office/drawing/2010/main" val="0"/>
+                  </a:ext>
+                </a:extLst>
+              </a:blip>
+              <a:stretch>
+                <a:fillRect/>
+              </a:stretch>
+            </p:blipFill>
+            <p:spPr>
+              <a:xfrm>
+                <a:off x="9265920" y="1700786"/>
+                <a:ext cx="1219200" cy="1219200"/>
+              </a:xfrm>
+              <a:prstGeom prst="rect">
+                <a:avLst/>
+              </a:prstGeom>
+            </p:spPr>
+          </p:pic>
+          <p:pic>
+            <p:nvPicPr>
+              <p:cNvPr id="52" name="Imagen 51"/>
+              <p:cNvPicPr>
+                <a:picLocks noChangeAspect="1"/>
+              </p:cNvPicPr>
+              <p:nvPr/>
+            </p:nvPicPr>
+            <p:blipFill>
+              <a:blip r:embed="rId2">
+                <a:extLst>
+                  <a:ext uri="{28A0092B-C50C-407E-A947-70E740481C1C}">
+                    <a14:useLocalDpi xmlns:a14="http://schemas.microsoft.com/office/drawing/2010/main" val="0"/>
+                  </a:ext>
+                </a:extLst>
+              </a:blip>
+              <a:stretch>
+                <a:fillRect/>
+              </a:stretch>
+            </p:blipFill>
+            <p:spPr>
+              <a:xfrm>
+                <a:off x="9265920" y="2918972"/>
+                <a:ext cx="1219200" cy="1219200"/>
+              </a:xfrm>
+              <a:prstGeom prst="rect">
+                <a:avLst/>
+              </a:prstGeom>
+            </p:spPr>
+          </p:pic>
+          <p:pic>
+            <p:nvPicPr>
+              <p:cNvPr id="53" name="Imagen 52"/>
+              <p:cNvPicPr>
+                <a:picLocks noChangeAspect="1"/>
+              </p:cNvPicPr>
+              <p:nvPr/>
+            </p:nvPicPr>
+            <p:blipFill>
+              <a:blip r:embed="rId2">
+                <a:extLst>
+                  <a:ext uri="{28A0092B-C50C-407E-A947-70E740481C1C}">
+                    <a14:useLocalDpi xmlns:a14="http://schemas.microsoft.com/office/drawing/2010/main" val="0"/>
+                  </a:ext>
+                </a:extLst>
+              </a:blip>
+              <a:stretch>
+                <a:fillRect/>
+              </a:stretch>
+            </p:blipFill>
+            <p:spPr>
+              <a:xfrm>
+                <a:off x="9265920" y="4140200"/>
+                <a:ext cx="1219200" cy="1219200"/>
+              </a:xfrm>
+              <a:prstGeom prst="rect">
+                <a:avLst/>
+              </a:prstGeom>
+            </p:spPr>
+          </p:pic>
+          <p:pic>
+            <p:nvPicPr>
+              <p:cNvPr id="54" name="Imagen 53"/>
+              <p:cNvPicPr>
+                <a:picLocks noChangeAspect="1"/>
+              </p:cNvPicPr>
+              <p:nvPr/>
+            </p:nvPicPr>
+            <p:blipFill>
+              <a:blip r:embed="rId2">
+                <a:extLst>
+                  <a:ext uri="{28A0092B-C50C-407E-A947-70E740481C1C}">
+                    <a14:useLocalDpi xmlns:a14="http://schemas.microsoft.com/office/drawing/2010/main" val="0"/>
+                  </a:ext>
+                </a:extLst>
+              </a:blip>
+              <a:stretch>
+                <a:fillRect/>
+              </a:stretch>
+            </p:blipFill>
+            <p:spPr>
+              <a:xfrm>
+                <a:off x="9265920" y="5359400"/>
+                <a:ext cx="1219200" cy="1219200"/>
+              </a:xfrm>
+              <a:prstGeom prst="rect">
+                <a:avLst/>
+              </a:prstGeom>
+            </p:spPr>
+          </p:pic>
+          <p:pic>
+            <p:nvPicPr>
+              <p:cNvPr id="55" name="Imagen 54"/>
+              <p:cNvPicPr>
+                <a:picLocks noChangeAspect="1"/>
+              </p:cNvPicPr>
+              <p:nvPr/>
+            </p:nvPicPr>
+            <p:blipFill>
+              <a:blip r:embed="rId2">
+                <a:extLst>
+                  <a:ext uri="{28A0092B-C50C-407E-A947-70E740481C1C}">
+                    <a14:useLocalDpi xmlns:a14="http://schemas.microsoft.com/office/drawing/2010/main" val="0"/>
+                  </a:ext>
+                </a:extLst>
+              </a:blip>
+              <a:stretch>
+                <a:fillRect/>
+              </a:stretch>
+            </p:blipFill>
+            <p:spPr>
+              <a:xfrm>
+                <a:off x="10485119" y="480065"/>
+                <a:ext cx="1219200" cy="1219200"/>
+              </a:xfrm>
+              <a:prstGeom prst="rect">
+                <a:avLst/>
+              </a:prstGeom>
+            </p:spPr>
+          </p:pic>
+          <p:pic>
+            <p:nvPicPr>
+              <p:cNvPr id="56" name="Imagen 55"/>
+              <p:cNvPicPr>
+                <a:picLocks noChangeAspect="1"/>
+              </p:cNvPicPr>
+              <p:nvPr/>
+            </p:nvPicPr>
+            <p:blipFill>
+              <a:blip r:embed="rId2">
+                <a:extLst>
+                  <a:ext uri="{28A0092B-C50C-407E-A947-70E740481C1C}">
+                    <a14:useLocalDpi xmlns:a14="http://schemas.microsoft.com/office/drawing/2010/main" val="0"/>
+                  </a:ext>
+                </a:extLst>
+              </a:blip>
+              <a:stretch>
+                <a:fillRect/>
+              </a:stretch>
+            </p:blipFill>
+            <p:spPr>
+              <a:xfrm>
+                <a:off x="10485118" y="1704335"/>
+                <a:ext cx="1219200" cy="1219200"/>
+              </a:xfrm>
+              <a:prstGeom prst="rect">
+                <a:avLst/>
+              </a:prstGeom>
+            </p:spPr>
+          </p:pic>
+          <p:pic>
+            <p:nvPicPr>
+              <p:cNvPr id="57" name="Imagen 56"/>
+              <p:cNvPicPr>
+                <a:picLocks noChangeAspect="1"/>
+              </p:cNvPicPr>
+              <p:nvPr/>
+            </p:nvPicPr>
+            <p:blipFill>
+              <a:blip r:embed="rId2">
+                <a:extLst>
+                  <a:ext uri="{28A0092B-C50C-407E-A947-70E740481C1C}">
+                    <a14:useLocalDpi xmlns:a14="http://schemas.microsoft.com/office/drawing/2010/main" val="0"/>
+                  </a:ext>
+                </a:extLst>
+              </a:blip>
+              <a:stretch>
+                <a:fillRect/>
+              </a:stretch>
+            </p:blipFill>
+            <p:spPr>
+              <a:xfrm>
+                <a:off x="10485118" y="2922424"/>
+                <a:ext cx="1219200" cy="1219200"/>
+              </a:xfrm>
+              <a:prstGeom prst="rect">
+                <a:avLst/>
+              </a:prstGeom>
+            </p:spPr>
+          </p:pic>
+          <p:pic>
+            <p:nvPicPr>
+              <p:cNvPr id="58" name="Imagen 57"/>
+              <p:cNvPicPr>
+                <a:picLocks noChangeAspect="1"/>
+              </p:cNvPicPr>
+              <p:nvPr/>
+            </p:nvPicPr>
+            <p:blipFill>
+              <a:blip r:embed="rId2">
+                <a:extLst>
+                  <a:ext uri="{28A0092B-C50C-407E-A947-70E740481C1C}">
+                    <a14:useLocalDpi xmlns:a14="http://schemas.microsoft.com/office/drawing/2010/main" val="0"/>
+                  </a:ext>
+                </a:extLst>
+              </a:blip>
+              <a:stretch>
+                <a:fillRect/>
+              </a:stretch>
+            </p:blipFill>
+            <p:spPr>
+              <a:xfrm>
+                <a:off x="10485118" y="4141214"/>
+                <a:ext cx="1219200" cy="1219200"/>
+              </a:xfrm>
+              <a:prstGeom prst="rect">
+                <a:avLst/>
+              </a:prstGeom>
+            </p:spPr>
+          </p:pic>
+          <p:pic>
+            <p:nvPicPr>
+              <p:cNvPr id="59" name="Imagen 58"/>
+              <p:cNvPicPr>
+                <a:picLocks noChangeAspect="1"/>
+              </p:cNvPicPr>
+              <p:nvPr/>
+            </p:nvPicPr>
+            <p:blipFill>
+              <a:blip r:embed="rId2">
+                <a:extLst>
+                  <a:ext uri="{28A0092B-C50C-407E-A947-70E740481C1C}">
+                    <a14:useLocalDpi xmlns:a14="http://schemas.microsoft.com/office/drawing/2010/main" val="0"/>
+                  </a:ext>
+                </a:extLst>
+              </a:blip>
+              <a:stretch>
+                <a:fillRect/>
+              </a:stretch>
+            </p:blipFill>
+            <p:spPr>
+              <a:xfrm>
+                <a:off x="10485119" y="5359400"/>
+                <a:ext cx="1219200" cy="1219200"/>
+              </a:xfrm>
+              <a:prstGeom prst="rect">
+                <a:avLst/>
+              </a:prstGeom>
+            </p:spPr>
+          </p:pic>
+        </p:grpSp>
+        <p:pic>
+          <p:nvPicPr>
+            <p:cNvPr id="67" name="Imagen 66"/>
+            <p:cNvPicPr>
+              <a:picLocks noChangeAspect="1"/>
+            </p:cNvPicPr>
+            <p:nvPr/>
+          </p:nvPicPr>
+          <p:blipFill>
+            <a:blip r:embed="rId2">
+              <a:extLst>
+                <a:ext uri="{28A0092B-C50C-407E-A947-70E740481C1C}">
+                  <a14:useLocalDpi xmlns:a14="http://schemas.microsoft.com/office/drawing/2010/main" val="0"/>
+                </a:ext>
+              </a:extLst>
+            </a:blip>
+            <a:stretch>
+              <a:fillRect/>
+            </a:stretch>
+          </p:blipFill>
+          <p:spPr>
+            <a:xfrm>
+              <a:off x="0" y="487769"/>
+              <a:ext cx="1219200" cy="1219200"/>
+            </a:xfrm>
+            <a:prstGeom prst="rect">
+              <a:avLst/>
+            </a:prstGeom>
+          </p:spPr>
+        </p:pic>
+        <p:pic>
+          <p:nvPicPr>
+            <p:cNvPr id="68" name="Imagen 67"/>
+            <p:cNvPicPr>
+              <a:picLocks noChangeAspect="1"/>
+            </p:cNvPicPr>
+            <p:nvPr/>
+          </p:nvPicPr>
+          <p:blipFill>
+            <a:blip r:embed="rId2">
+              <a:extLst>
+                <a:ext uri="{28A0092B-C50C-407E-A947-70E740481C1C}">
+                  <a14:useLocalDpi xmlns:a14="http://schemas.microsoft.com/office/drawing/2010/main" val="0"/>
+                </a:ext>
+              </a:extLst>
+            </a:blip>
+            <a:stretch>
+              <a:fillRect/>
+            </a:stretch>
+          </p:blipFill>
+          <p:spPr>
+            <a:xfrm>
+              <a:off x="0" y="1706969"/>
+              <a:ext cx="1219200" cy="1219200"/>
+            </a:xfrm>
+            <a:prstGeom prst="rect">
+              <a:avLst/>
+            </a:prstGeom>
+          </p:spPr>
+        </p:pic>
+        <p:pic>
+          <p:nvPicPr>
+            <p:cNvPr id="69" name="Imagen 68"/>
+            <p:cNvPicPr>
+              <a:picLocks noChangeAspect="1"/>
+            </p:cNvPicPr>
+            <p:nvPr/>
+          </p:nvPicPr>
+          <p:blipFill>
+            <a:blip r:embed="rId2">
+              <a:extLst>
+                <a:ext uri="{28A0092B-C50C-407E-A947-70E740481C1C}">
+                  <a14:useLocalDpi xmlns:a14="http://schemas.microsoft.com/office/drawing/2010/main" val="0"/>
+                </a:ext>
+              </a:extLst>
+            </a:blip>
+            <a:stretch>
+              <a:fillRect/>
+            </a:stretch>
+          </p:blipFill>
+          <p:spPr>
+            <a:xfrm>
+              <a:off x="0" y="2926169"/>
+              <a:ext cx="1219200" cy="1219200"/>
+            </a:xfrm>
+            <a:prstGeom prst="rect">
+              <a:avLst/>
+            </a:prstGeom>
+          </p:spPr>
+        </p:pic>
+        <p:pic>
+          <p:nvPicPr>
+            <p:cNvPr id="70" name="Imagen 69"/>
+            <p:cNvPicPr>
+              <a:picLocks noChangeAspect="1"/>
+            </p:cNvPicPr>
+            <p:nvPr/>
+          </p:nvPicPr>
+          <p:blipFill>
+            <a:blip r:embed="rId2">
+              <a:extLst>
+                <a:ext uri="{28A0092B-C50C-407E-A947-70E740481C1C}">
+                  <a14:useLocalDpi xmlns:a14="http://schemas.microsoft.com/office/drawing/2010/main" val="0"/>
+                </a:ext>
+              </a:extLst>
+            </a:blip>
+            <a:stretch>
+              <a:fillRect/>
+            </a:stretch>
+          </p:blipFill>
+          <p:spPr>
+            <a:xfrm>
+              <a:off x="0" y="4145369"/>
+              <a:ext cx="1219200" cy="1219200"/>
+            </a:xfrm>
+            <a:prstGeom prst="rect">
+              <a:avLst/>
+            </a:prstGeom>
+          </p:spPr>
+        </p:pic>
+        <p:pic>
+          <p:nvPicPr>
+            <p:cNvPr id="71" name="Imagen 70"/>
+            <p:cNvPicPr>
+              <a:picLocks noChangeAspect="1"/>
+            </p:cNvPicPr>
+            <p:nvPr/>
+          </p:nvPicPr>
+          <p:blipFill>
+            <a:blip r:embed="rId2">
+              <a:extLst>
+                <a:ext uri="{28A0092B-C50C-407E-A947-70E740481C1C}">
+                  <a14:useLocalDpi xmlns:a14="http://schemas.microsoft.com/office/drawing/2010/main" val="0"/>
+                </a:ext>
+              </a:extLst>
+            </a:blip>
+            <a:stretch>
+              <a:fillRect/>
+            </a:stretch>
+          </p:blipFill>
+          <p:spPr>
+            <a:xfrm>
+              <a:off x="0" y="5364569"/>
+              <a:ext cx="1219200" cy="1219200"/>
+            </a:xfrm>
+            <a:prstGeom prst="rect">
+              <a:avLst/>
+            </a:prstGeom>
+          </p:spPr>
+        </p:pic>
+      </p:grpSp>
+      <p:sp>
+        <p:nvSpPr>
+          <p:cNvPr id="33" name="Rectángulo 32"/>
+          <p:cNvSpPr/>
+          <p:nvPr/>
+        </p:nvSpPr>
+        <p:spPr>
+          <a:xfrm>
+            <a:off x="5347427" y="602415"/>
+            <a:ext cx="3867797" cy="1107996"/>
+          </a:xfrm>
+          <a:prstGeom prst="rect">
+            <a:avLst/>
+          </a:prstGeom>
+          <a:noFill/>
+        </p:spPr>
+        <p:txBody>
+          <a:bodyPr wrap="square" lIns="91440" tIns="45720" rIns="91440" bIns="45720">
+            <a:spAutoFit/>
+          </a:bodyPr>
+          <a:lstStyle/>
+          <a:p>
+            <a:pPr algn="ctr"/>
+            <a:r>
+              <a:rPr lang="es-ES" sz="6600" b="1" dirty="0">
+                <a:ln w="12700">
+                  <a:solidFill>
+                    <a:schemeClr val="tx1">
+                      <a:lumMod val="95000"/>
+                      <a:lumOff val="5000"/>
+                    </a:schemeClr>
+                  </a:solidFill>
+                  <a:prstDash val="solid"/>
+                </a:ln>
+                <a:solidFill>
+                  <a:schemeClr val="tx1">
+                    <a:lumMod val="75000"/>
+                    <a:lumOff val="25000"/>
+                  </a:schemeClr>
+                </a:solidFill>
+                <a:effectLst>
+                  <a:outerShdw dist="38100" dir="2640000" algn="bl" rotWithShape="0">
+                    <a:schemeClr val="tx2">
+                      <a:lumMod val="75000"/>
+                    </a:schemeClr>
+                  </a:outerShdw>
+                </a:effectLst>
+                <a:latin typeface="AR CHRISTY" panose="02000000000000000000" pitchFamily="2" charset="0"/>
+              </a:rPr>
+              <a:t>Store</a:t>
+            </a:r>
+          </a:p>
+        </p:txBody>
+      </p:sp>
+      <p:grpSp>
+        <p:nvGrpSpPr>
+          <p:cNvPr id="17" name="Grupo 16"/>
+          <p:cNvGrpSpPr/>
+          <p:nvPr/>
+        </p:nvGrpSpPr>
+        <p:grpSpPr>
+          <a:xfrm>
+            <a:off x="9144001" y="605703"/>
+            <a:ext cx="2911686" cy="2044117"/>
+            <a:chOff x="937048" y="1523721"/>
+            <a:chExt cx="2911686" cy="2044117"/>
+          </a:xfrm>
+        </p:grpSpPr>
+        <p:pic>
+          <p:nvPicPr>
+            <p:cNvPr id="3" name="Imagen 2"/>
+            <p:cNvPicPr>
+              <a:picLocks noChangeAspect="1"/>
+            </p:cNvPicPr>
+            <p:nvPr/>
+          </p:nvPicPr>
+          <p:blipFill>
+            <a:blip r:embed="rId3">
+              <a:extLst>
+                <a:ext uri="{28A0092B-C50C-407E-A947-70E740481C1C}">
+                  <a14:useLocalDpi xmlns:a14="http://schemas.microsoft.com/office/drawing/2010/main" val="0"/>
+                </a:ext>
+              </a:extLst>
+            </a:blip>
+            <a:stretch>
+              <a:fillRect/>
+            </a:stretch>
+          </p:blipFill>
+          <p:spPr>
+            <a:xfrm>
+              <a:off x="937048" y="1754327"/>
+              <a:ext cx="1313392" cy="1434010"/>
+            </a:xfrm>
+            <a:prstGeom prst="rect">
+              <a:avLst/>
+            </a:prstGeom>
+          </p:spPr>
+        </p:pic>
+        <p:pic>
+          <p:nvPicPr>
+            <p:cNvPr id="41" name="Imagen 40"/>
+            <p:cNvPicPr>
+              <a:picLocks noChangeAspect="1"/>
+            </p:cNvPicPr>
+            <p:nvPr/>
+          </p:nvPicPr>
+          <p:blipFill>
+            <a:blip r:embed="rId3">
+              <a:extLst>
+                <a:ext uri="{28A0092B-C50C-407E-A947-70E740481C1C}">
+                  <a14:useLocalDpi xmlns:a14="http://schemas.microsoft.com/office/drawing/2010/main" val="0"/>
+                </a:ext>
+              </a:extLst>
+            </a:blip>
+            <a:stretch>
+              <a:fillRect/>
+            </a:stretch>
+          </p:blipFill>
+          <p:spPr>
+            <a:xfrm>
+              <a:off x="1925742" y="1523721"/>
+              <a:ext cx="1313392" cy="1434010"/>
+            </a:xfrm>
+            <a:prstGeom prst="rect">
+              <a:avLst/>
+            </a:prstGeom>
+          </p:spPr>
+        </p:pic>
+        <p:pic>
+          <p:nvPicPr>
+            <p:cNvPr id="42" name="Imagen 41"/>
+            <p:cNvPicPr>
+              <a:picLocks noChangeAspect="1"/>
+            </p:cNvPicPr>
+            <p:nvPr/>
+          </p:nvPicPr>
+          <p:blipFill>
+            <a:blip r:embed="rId3">
+              <a:extLst>
+                <a:ext uri="{28A0092B-C50C-407E-A947-70E740481C1C}">
+                  <a14:useLocalDpi xmlns:a14="http://schemas.microsoft.com/office/drawing/2010/main" val="0"/>
+                </a:ext>
+              </a:extLst>
+            </a:blip>
+            <a:stretch>
+              <a:fillRect/>
+            </a:stretch>
+          </p:blipFill>
+          <p:spPr>
+            <a:xfrm>
+              <a:off x="2535342" y="2133828"/>
+              <a:ext cx="1313392" cy="1434010"/>
+            </a:xfrm>
+            <a:prstGeom prst="rect">
+              <a:avLst/>
+            </a:prstGeom>
+          </p:spPr>
+        </p:pic>
+        <p:pic>
+          <p:nvPicPr>
+            <p:cNvPr id="43" name="Imagen 42"/>
+            <p:cNvPicPr>
+              <a:picLocks noChangeAspect="1"/>
+            </p:cNvPicPr>
+            <p:nvPr/>
+          </p:nvPicPr>
+          <p:blipFill>
+            <a:blip r:embed="rId4">
+              <a:extLst>
+                <a:ext uri="{28A0092B-C50C-407E-A947-70E740481C1C}">
+                  <a14:useLocalDpi xmlns:a14="http://schemas.microsoft.com/office/drawing/2010/main" val="0"/>
+                </a:ext>
+              </a:extLst>
+            </a:blip>
+            <a:stretch>
+              <a:fillRect/>
+            </a:stretch>
+          </p:blipFill>
+          <p:spPr>
+            <a:xfrm>
+              <a:off x="1624544" y="2354919"/>
+              <a:ext cx="1175174" cy="1175174"/>
+            </a:xfrm>
+            <a:prstGeom prst="rect">
+              <a:avLst/>
+            </a:prstGeom>
+          </p:spPr>
+        </p:pic>
+      </p:grpSp>
+      <p:sp>
+        <p:nvSpPr>
+          <p:cNvPr id="40" name="Rectángulo 39"/>
+          <p:cNvSpPr/>
+          <p:nvPr/>
+        </p:nvSpPr>
+        <p:spPr>
+          <a:xfrm>
+            <a:off x="8763131" y="803459"/>
+            <a:ext cx="2739812" cy="707886"/>
+          </a:xfrm>
+          <a:prstGeom prst="rect">
+            <a:avLst/>
+          </a:prstGeom>
+          <a:noFill/>
+        </p:spPr>
+        <p:txBody>
+          <a:bodyPr wrap="square" lIns="91440" tIns="45720" rIns="91440" bIns="45720">
+            <a:spAutoFit/>
+          </a:bodyPr>
+          <a:lstStyle/>
+          <a:p>
+            <a:pPr algn="ctr"/>
+            <a:r>
+              <a:rPr lang="es-ES" sz="3600" b="1" dirty="0">
+                <a:ln w="12700">
+                  <a:solidFill>
+                    <a:schemeClr val="tx1">
+                      <a:lumMod val="95000"/>
+                      <a:lumOff val="5000"/>
+                    </a:schemeClr>
+                  </a:solidFill>
+                  <a:prstDash val="solid"/>
+                </a:ln>
+                <a:solidFill>
+                  <a:schemeClr val="tx1">
+                    <a:lumMod val="75000"/>
+                    <a:lumOff val="25000"/>
+                  </a:schemeClr>
+                </a:solidFill>
+                <a:effectLst>
+                  <a:outerShdw dist="38100" dir="2640000" algn="bl" rotWithShape="0">
+                    <a:schemeClr val="tx2">
+                      <a:lumMod val="75000"/>
+                    </a:schemeClr>
+                  </a:outerShdw>
+                </a:effectLst>
+                <a:latin typeface="AR CHRISTY" panose="02000000000000000000" pitchFamily="2" charset="0"/>
+              </a:rPr>
+              <a:t>Your score</a:t>
+            </a:r>
+            <a:r>
+              <a:rPr lang="es-ES" sz="4000" b="1" dirty="0">
+                <a:ln w="12700">
+                  <a:solidFill>
+                    <a:schemeClr val="tx1">
+                      <a:lumMod val="95000"/>
+                      <a:lumOff val="5000"/>
+                    </a:schemeClr>
+                  </a:solidFill>
+                  <a:prstDash val="solid"/>
+                </a:ln>
+                <a:solidFill>
+                  <a:schemeClr val="tx1">
+                    <a:lumMod val="75000"/>
+                    <a:lumOff val="25000"/>
+                  </a:schemeClr>
+                </a:solidFill>
+                <a:effectLst>
+                  <a:outerShdw dist="38100" dir="2640000" algn="bl" rotWithShape="0">
+                    <a:schemeClr val="tx2">
+                      <a:lumMod val="75000"/>
+                    </a:schemeClr>
+                  </a:outerShdw>
+                </a:effectLst>
+                <a:latin typeface="AR CHRISTY" panose="02000000000000000000" pitchFamily="2" charset="0"/>
+              </a:rPr>
+              <a:t>:</a:t>
+            </a:r>
+          </a:p>
+        </p:txBody>
+      </p:sp>
+      <p:sp>
+        <p:nvSpPr>
+          <p:cNvPr id="24" name="Rectángulo 23"/>
+          <p:cNvSpPr/>
+          <p:nvPr/>
+        </p:nvSpPr>
+        <p:spPr>
+          <a:xfrm>
+            <a:off x="10096498" y="1635775"/>
+            <a:ext cx="1752600" cy="731223"/>
+          </a:xfrm>
+          <a:prstGeom prst="rect">
+            <a:avLst/>
+          </a:prstGeom>
+          <a:solidFill>
+            <a:srgbClr val="68BB68"/>
+          </a:solidFill>
+          <a:ln>
+            <a:noFill/>
+          </a:ln>
+          <a:effectLst>
+            <a:softEdge rad="63500"/>
+          </a:effectLst>
+        </p:spPr>
+        <p:style>
+          <a:lnRef idx="3">
+            <a:schemeClr val="lt1"/>
+          </a:lnRef>
+          <a:fillRef idx="1">
+            <a:schemeClr val="accent6"/>
+          </a:fillRef>
+          <a:effectRef idx="1">
+            <a:schemeClr val="accent6"/>
+          </a:effectRef>
+          <a:fontRef idx="minor">
+            <a:schemeClr val="lt1"/>
+          </a:fontRef>
+        </p:style>
+        <p:txBody>
+          <a:bodyPr rtlCol="0" anchor="ctr"/>
+          <a:lstStyle/>
+          <a:p>
+            <a:pPr algn="ctr"/>
+            <a:endParaRPr lang="es-CL"/>
+          </a:p>
+        </p:txBody>
+      </p:sp>
+      <p:sp>
+        <p:nvSpPr>
+          <p:cNvPr id="60" name="Rectángulo: esquinas redondeadas 59"/>
+          <p:cNvSpPr/>
+          <p:nvPr/>
+        </p:nvSpPr>
+        <p:spPr>
+          <a:xfrm>
+            <a:off x="758925" y="803459"/>
+            <a:ext cx="4523556" cy="5491463"/>
+          </a:xfrm>
+          <a:prstGeom prst="roundRect">
+            <a:avLst/>
+          </a:prstGeom>
+          <a:noFill/>
+          <a:ln w="76200">
+            <a:solidFill>
+              <a:srgbClr val="585858"/>
+            </a:solidFill>
+          </a:ln>
+        </p:spPr>
+        <p:style>
+          <a:lnRef idx="2">
+            <a:schemeClr val="accent1">
+              <a:shade val="50000"/>
+            </a:schemeClr>
+          </a:lnRef>
+          <a:fillRef idx="1">
+            <a:schemeClr val="accent1"/>
+          </a:fillRef>
+          <a:effectRef idx="0">
+            <a:schemeClr val="accent1"/>
+          </a:effectRef>
+          <a:fontRef idx="minor">
+            <a:schemeClr val="lt1"/>
+          </a:fontRef>
+        </p:style>
+        <p:txBody>
+          <a:bodyPr rtlCol="0" anchor="ctr"/>
+          <a:lstStyle/>
+          <a:p>
+            <a:pPr algn="ctr"/>
+            <a:endParaRPr lang="es-CL"/>
+          </a:p>
+        </p:txBody>
+      </p:sp>
+      <p:sp>
+        <p:nvSpPr>
+          <p:cNvPr id="61" name="Rectángulo 60"/>
+          <p:cNvSpPr/>
+          <p:nvPr/>
+        </p:nvSpPr>
+        <p:spPr>
+          <a:xfrm rot="16200000">
+            <a:off x="-777014" y="4200424"/>
+            <a:ext cx="2812939" cy="769441"/>
+          </a:xfrm>
+          <a:prstGeom prst="rect">
+            <a:avLst/>
+          </a:prstGeom>
+          <a:noFill/>
+        </p:spPr>
+        <p:txBody>
+          <a:bodyPr wrap="square" lIns="91440" tIns="45720" rIns="91440" bIns="45720">
+            <a:spAutoFit/>
+          </a:bodyPr>
+          <a:lstStyle/>
+          <a:p>
+            <a:pPr algn="ctr"/>
+            <a:r>
+              <a:rPr lang="es-ES" sz="4400" b="1" dirty="0">
+                <a:ln w="12700">
+                  <a:solidFill>
+                    <a:schemeClr val="tx1">
+                      <a:lumMod val="95000"/>
+                      <a:lumOff val="5000"/>
+                    </a:schemeClr>
+                  </a:solidFill>
+                  <a:prstDash val="solid"/>
+                </a:ln>
+                <a:solidFill>
+                  <a:schemeClr val="tx1">
+                    <a:lumMod val="75000"/>
+                    <a:lumOff val="25000"/>
+                  </a:schemeClr>
+                </a:solidFill>
+                <a:effectLst>
+                  <a:outerShdw dist="38100" dir="2640000" algn="bl" rotWithShape="0">
+                    <a:schemeClr val="tx2">
+                      <a:lumMod val="75000"/>
+                    </a:schemeClr>
+                  </a:outerShdw>
+                </a:effectLst>
+                <a:latin typeface="AR CHRISTY" panose="02000000000000000000" pitchFamily="2" charset="0"/>
+              </a:rPr>
+              <a:t>Power-ups</a:t>
+            </a:r>
+          </a:p>
+        </p:txBody>
+      </p:sp>
+      <p:pic>
+        <p:nvPicPr>
+          <p:cNvPr id="73" name="Imagen 72"/>
+          <p:cNvPicPr>
+            <a:picLocks noChangeAspect="1"/>
+          </p:cNvPicPr>
+          <p:nvPr/>
+        </p:nvPicPr>
+        <p:blipFill>
+          <a:blip r:embed="rId5">
+            <a:extLst>
+              <a:ext uri="{28A0092B-C50C-407E-A947-70E740481C1C}">
+                <a14:useLocalDpi xmlns:a14="http://schemas.microsoft.com/office/drawing/2010/main" val="0"/>
+              </a:ext>
+            </a:extLst>
+          </a:blip>
+          <a:stretch>
+            <a:fillRect/>
+          </a:stretch>
+        </p:blipFill>
+        <p:spPr>
+          <a:xfrm>
+            <a:off x="2409417" y="2480631"/>
+            <a:ext cx="317647" cy="540000"/>
+          </a:xfrm>
+          <a:prstGeom prst="rect">
+            <a:avLst/>
+          </a:prstGeom>
+        </p:spPr>
+      </p:pic>
+      <p:pic>
+        <p:nvPicPr>
+          <p:cNvPr id="74" name="Imagen 73"/>
+          <p:cNvPicPr>
+            <a:picLocks noChangeAspect="1"/>
+          </p:cNvPicPr>
+          <p:nvPr/>
+        </p:nvPicPr>
+        <p:blipFill>
+          <a:blip r:embed="rId6">
+            <a:extLst>
+              <a:ext uri="{28A0092B-C50C-407E-A947-70E740481C1C}">
+                <a14:useLocalDpi xmlns:a14="http://schemas.microsoft.com/office/drawing/2010/main" val="0"/>
+              </a:ext>
+            </a:extLst>
+          </a:blip>
+          <a:stretch>
+            <a:fillRect/>
+          </a:stretch>
+        </p:blipFill>
+        <p:spPr>
+          <a:xfrm>
+            <a:off x="2409416" y="3364887"/>
+            <a:ext cx="317648" cy="540000"/>
+          </a:xfrm>
+          <a:prstGeom prst="rect">
+            <a:avLst/>
+          </a:prstGeom>
+        </p:spPr>
+      </p:pic>
+      <p:pic>
+        <p:nvPicPr>
+          <p:cNvPr id="75" name="Imagen 74"/>
+          <p:cNvPicPr>
+            <a:picLocks noChangeAspect="1"/>
+          </p:cNvPicPr>
+          <p:nvPr/>
+        </p:nvPicPr>
+        <p:blipFill>
+          <a:blip r:embed="rId7">
+            <a:extLst>
+              <a:ext uri="{28A0092B-C50C-407E-A947-70E740481C1C}">
+                <a14:useLocalDpi xmlns:a14="http://schemas.microsoft.com/office/drawing/2010/main" val="0"/>
+              </a:ext>
+            </a:extLst>
+          </a:blip>
+          <a:stretch>
+            <a:fillRect/>
+          </a:stretch>
+        </p:blipFill>
+        <p:spPr>
+          <a:xfrm>
+            <a:off x="2409417" y="4346149"/>
+            <a:ext cx="317647" cy="540000"/>
+          </a:xfrm>
+          <a:prstGeom prst="rect">
+            <a:avLst/>
+          </a:prstGeom>
+        </p:spPr>
+      </p:pic>
+      <p:pic>
+        <p:nvPicPr>
+          <p:cNvPr id="76" name="Imagen 75"/>
+          <p:cNvPicPr>
+            <a:picLocks noChangeAspect="1"/>
+          </p:cNvPicPr>
+          <p:nvPr/>
+        </p:nvPicPr>
+        <p:blipFill>
+          <a:blip r:embed="rId8">
+            <a:extLst>
+              <a:ext uri="{28A0092B-C50C-407E-A947-70E740481C1C}">
+                <a14:useLocalDpi xmlns:a14="http://schemas.microsoft.com/office/drawing/2010/main" val="0"/>
+              </a:ext>
+            </a:extLst>
+          </a:blip>
+          <a:stretch>
+            <a:fillRect/>
+          </a:stretch>
+        </p:blipFill>
+        <p:spPr>
+          <a:xfrm>
+            <a:off x="2214715" y="965999"/>
+            <a:ext cx="720000" cy="720000"/>
+          </a:xfrm>
+          <a:prstGeom prst="rect">
+            <a:avLst/>
+          </a:prstGeom>
+        </p:spPr>
+      </p:pic>
+      <p:sp>
+        <p:nvSpPr>
+          <p:cNvPr id="77" name="CuadroTexto 76"/>
+          <p:cNvSpPr txBox="1"/>
+          <p:nvPr/>
+        </p:nvSpPr>
+        <p:spPr>
+          <a:xfrm>
+            <a:off x="3093384" y="1159295"/>
+            <a:ext cx="2189097" cy="523220"/>
+          </a:xfrm>
+          <a:prstGeom prst="rect">
+            <a:avLst/>
+          </a:prstGeom>
+          <a:noFill/>
+        </p:spPr>
+        <p:txBody>
+          <a:bodyPr wrap="square" rtlCol="0">
+            <a:spAutoFit/>
+          </a:bodyPr>
+          <a:lstStyle/>
+          <a:p>
+            <a:r>
+              <a:rPr lang="es-CL" sz="2800" dirty="0">
+                <a:latin typeface="AR CHRISTY" panose="02000000000000000000" pitchFamily="2" charset="0"/>
+              </a:rPr>
+              <a:t>Bomba </a:t>
+            </a:r>
+            <a:r>
+              <a:rPr lang="es-CL" dirty="0">
+                <a:latin typeface="AR CHRISTY" panose="02000000000000000000" pitchFamily="2" charset="0"/>
+              </a:rPr>
+              <a:t>(50 </a:t>
+            </a:r>
+            <a:r>
+              <a:rPr lang="es-CL" dirty="0" err="1">
+                <a:latin typeface="AR CHRISTY" panose="02000000000000000000" pitchFamily="2" charset="0"/>
+              </a:rPr>
+              <a:t>pts</a:t>
+            </a:r>
+            <a:r>
+              <a:rPr lang="es-CL" dirty="0">
+                <a:latin typeface="AR CHRISTY" panose="02000000000000000000" pitchFamily="2" charset="0"/>
+              </a:rPr>
+              <a:t>)</a:t>
+            </a:r>
+            <a:endParaRPr lang="es-CL" sz="2800" dirty="0">
+              <a:ln w="0"/>
+              <a:effectLst>
+                <a:outerShdw blurRad="38100" dist="19050" dir="2700000" algn="tl" rotWithShape="0">
+                  <a:schemeClr val="dk1">
+                    <a:alpha val="40000"/>
+                  </a:schemeClr>
+                </a:outerShdw>
+              </a:effectLst>
+              <a:latin typeface="AR CHRISTY" panose="02000000000000000000" pitchFamily="2" charset="0"/>
+            </a:endParaRPr>
+          </a:p>
+        </p:txBody>
+      </p:sp>
+      <p:sp>
+        <p:nvSpPr>
+          <p:cNvPr id="78" name="CuadroTexto 77"/>
+          <p:cNvSpPr txBox="1"/>
+          <p:nvPr/>
+        </p:nvSpPr>
+        <p:spPr>
+          <a:xfrm>
+            <a:off x="3075287" y="2437992"/>
+            <a:ext cx="2189097" cy="800219"/>
+          </a:xfrm>
+          <a:prstGeom prst="rect">
+            <a:avLst/>
+          </a:prstGeom>
+          <a:noFill/>
+        </p:spPr>
+        <p:txBody>
+          <a:bodyPr wrap="square" rtlCol="0">
+            <a:spAutoFit/>
+          </a:bodyPr>
+          <a:lstStyle/>
+          <a:p>
+            <a:r>
+              <a:rPr lang="es-CL" sz="2800" dirty="0">
+                <a:latin typeface="AR CHRISTY" panose="02000000000000000000" pitchFamily="2" charset="0"/>
+              </a:rPr>
+              <a:t>Explosiva   </a:t>
+            </a:r>
+            <a:r>
+              <a:rPr lang="es-CL" dirty="0">
+                <a:latin typeface="AR CHRISTY" panose="02000000000000000000" pitchFamily="2" charset="0"/>
+              </a:rPr>
+              <a:t>(20 </a:t>
+            </a:r>
+            <a:r>
+              <a:rPr lang="es-CL" dirty="0" err="1">
+                <a:latin typeface="AR CHRISTY" panose="02000000000000000000" pitchFamily="2" charset="0"/>
+              </a:rPr>
+              <a:t>pts</a:t>
+            </a:r>
+            <a:r>
+              <a:rPr lang="es-CL" dirty="0">
+                <a:latin typeface="AR CHRISTY" panose="02000000000000000000" pitchFamily="2" charset="0"/>
+              </a:rPr>
+              <a:t>)</a:t>
+            </a:r>
+            <a:endParaRPr lang="es-CL" sz="2800" dirty="0">
+              <a:ln w="0"/>
+              <a:effectLst>
+                <a:outerShdw blurRad="38100" dist="19050" dir="2700000" algn="tl" rotWithShape="0">
+                  <a:schemeClr val="dk1">
+                    <a:alpha val="40000"/>
+                  </a:schemeClr>
+                </a:outerShdw>
+              </a:effectLst>
+              <a:latin typeface="AR CHRISTY" panose="02000000000000000000" pitchFamily="2" charset="0"/>
+            </a:endParaRPr>
+          </a:p>
+        </p:txBody>
+      </p:sp>
+      <p:sp>
+        <p:nvSpPr>
+          <p:cNvPr id="79" name="CuadroTexto 78"/>
+          <p:cNvSpPr txBox="1"/>
+          <p:nvPr/>
+        </p:nvSpPr>
+        <p:spPr>
+          <a:xfrm>
+            <a:off x="3075287" y="3391280"/>
+            <a:ext cx="2189097" cy="800219"/>
+          </a:xfrm>
+          <a:prstGeom prst="rect">
+            <a:avLst/>
+          </a:prstGeom>
+          <a:noFill/>
+        </p:spPr>
+        <p:txBody>
+          <a:bodyPr wrap="square" rtlCol="0">
+            <a:spAutoFit/>
+          </a:bodyPr>
+          <a:lstStyle/>
+          <a:p>
+            <a:r>
+              <a:rPr lang="es-CL" sz="2800" dirty="0">
+                <a:latin typeface="AR CHRISTY" panose="02000000000000000000" pitchFamily="2" charset="0"/>
+              </a:rPr>
+              <a:t>Penetrante </a:t>
+            </a:r>
+            <a:r>
+              <a:rPr lang="es-CL" dirty="0">
+                <a:latin typeface="AR CHRISTY" panose="02000000000000000000" pitchFamily="2" charset="0"/>
+              </a:rPr>
+              <a:t>(50 </a:t>
+            </a:r>
+            <a:r>
+              <a:rPr lang="es-CL" dirty="0" err="1">
+                <a:latin typeface="AR CHRISTY" panose="02000000000000000000" pitchFamily="2" charset="0"/>
+              </a:rPr>
+              <a:t>pts</a:t>
+            </a:r>
+            <a:r>
+              <a:rPr lang="es-CL" dirty="0">
+                <a:latin typeface="AR CHRISTY" panose="02000000000000000000" pitchFamily="2" charset="0"/>
+              </a:rPr>
+              <a:t>)</a:t>
+            </a:r>
+            <a:endParaRPr lang="es-CL" sz="2800" dirty="0">
+              <a:ln w="0"/>
+              <a:effectLst>
+                <a:outerShdw blurRad="38100" dist="19050" dir="2700000" algn="tl" rotWithShape="0">
+                  <a:schemeClr val="dk1">
+                    <a:alpha val="40000"/>
+                  </a:schemeClr>
+                </a:outerShdw>
+              </a:effectLst>
+              <a:latin typeface="AR CHRISTY" panose="02000000000000000000" pitchFamily="2" charset="0"/>
+            </a:endParaRPr>
+          </a:p>
+        </p:txBody>
+      </p:sp>
+      <p:sp>
+        <p:nvSpPr>
+          <p:cNvPr id="80" name="CuadroTexto 79"/>
+          <p:cNvSpPr txBox="1"/>
+          <p:nvPr/>
+        </p:nvSpPr>
+        <p:spPr>
+          <a:xfrm>
+            <a:off x="3046325" y="4362929"/>
+            <a:ext cx="2189097" cy="800219"/>
+          </a:xfrm>
+          <a:prstGeom prst="rect">
+            <a:avLst/>
+          </a:prstGeom>
+          <a:noFill/>
+        </p:spPr>
+        <p:txBody>
+          <a:bodyPr wrap="square" rtlCol="0">
+            <a:spAutoFit/>
+          </a:bodyPr>
+          <a:lstStyle/>
+          <a:p>
+            <a:r>
+              <a:rPr lang="es-CL" sz="2800" dirty="0" err="1">
+                <a:latin typeface="AR CHRISTY" panose="02000000000000000000" pitchFamily="2" charset="0"/>
+              </a:rPr>
+              <a:t>Ralentizante</a:t>
+            </a:r>
+            <a:r>
+              <a:rPr lang="es-CL" sz="2800" dirty="0">
+                <a:latin typeface="AR CHRISTY" panose="02000000000000000000" pitchFamily="2" charset="0"/>
+              </a:rPr>
+              <a:t> </a:t>
+            </a:r>
+            <a:r>
+              <a:rPr lang="es-CL" dirty="0">
+                <a:latin typeface="AR CHRISTY" panose="02000000000000000000" pitchFamily="2" charset="0"/>
+              </a:rPr>
+              <a:t>(60 </a:t>
+            </a:r>
+            <a:r>
+              <a:rPr lang="es-CL" dirty="0" err="1">
+                <a:latin typeface="AR CHRISTY" panose="02000000000000000000" pitchFamily="2" charset="0"/>
+              </a:rPr>
+              <a:t>pts</a:t>
+            </a:r>
+            <a:r>
+              <a:rPr lang="es-CL" dirty="0">
+                <a:latin typeface="AR CHRISTY" panose="02000000000000000000" pitchFamily="2" charset="0"/>
+              </a:rPr>
+              <a:t>)</a:t>
+            </a:r>
+            <a:endParaRPr lang="es-CL" sz="2800" dirty="0">
+              <a:ln w="0"/>
+              <a:effectLst>
+                <a:outerShdw blurRad="38100" dist="19050" dir="2700000" algn="tl" rotWithShape="0">
+                  <a:schemeClr val="dk1">
+                    <a:alpha val="40000"/>
+                  </a:schemeClr>
+                </a:outerShdw>
+              </a:effectLst>
+              <a:latin typeface="AR CHRISTY" panose="02000000000000000000" pitchFamily="2" charset="0"/>
+            </a:endParaRPr>
+          </a:p>
+        </p:txBody>
+      </p:sp>
+      <p:sp>
+        <p:nvSpPr>
+          <p:cNvPr id="81" name="CuadroTexto 80"/>
+          <p:cNvSpPr txBox="1"/>
+          <p:nvPr/>
+        </p:nvSpPr>
+        <p:spPr>
+          <a:xfrm>
+            <a:off x="929686" y="1802485"/>
+            <a:ext cx="3869219" cy="584775"/>
+          </a:xfrm>
+          <a:prstGeom prst="rect">
+            <a:avLst/>
+          </a:prstGeom>
+          <a:noFill/>
+        </p:spPr>
+        <p:txBody>
+          <a:bodyPr wrap="square" rtlCol="0">
+            <a:spAutoFit/>
+          </a:bodyPr>
+          <a:lstStyle/>
+          <a:p>
+            <a:r>
+              <a:rPr lang="es-CL" sz="3200" dirty="0">
+                <a:latin typeface="AR CHRISTY" panose="02000000000000000000" pitchFamily="2" charset="0"/>
+              </a:rPr>
+              <a:t>Balas </a:t>
+            </a:r>
+            <a:r>
+              <a:rPr lang="es-CL" sz="2400" dirty="0">
+                <a:latin typeface="AR CHRISTY" panose="02000000000000000000" pitchFamily="2" charset="0"/>
+              </a:rPr>
+              <a:t>(3 municiones)</a:t>
+            </a:r>
+            <a:endParaRPr lang="es-CL" sz="3200" dirty="0">
+              <a:ln w="0"/>
+              <a:effectLst>
+                <a:outerShdw blurRad="38100" dist="19050" dir="2700000" algn="tl" rotWithShape="0">
+                  <a:schemeClr val="dk1">
+                    <a:alpha val="40000"/>
+                  </a:schemeClr>
+                </a:outerShdw>
+              </a:effectLst>
+              <a:latin typeface="AR CHRISTY" panose="02000000000000000000" pitchFamily="2" charset="0"/>
+            </a:endParaRPr>
+          </a:p>
+        </p:txBody>
+      </p:sp>
+      <p:sp>
+        <p:nvSpPr>
+          <p:cNvPr id="82" name="Rectángulo: esquinas redondeadas 81"/>
+          <p:cNvSpPr/>
+          <p:nvPr/>
+        </p:nvSpPr>
+        <p:spPr>
+          <a:xfrm>
+            <a:off x="6041406" y="2786962"/>
+            <a:ext cx="5913170" cy="3429353"/>
+          </a:xfrm>
+          <a:prstGeom prst="roundRect">
+            <a:avLst/>
+          </a:prstGeom>
+          <a:noFill/>
+          <a:ln w="76200">
+            <a:solidFill>
+              <a:srgbClr val="585858"/>
+            </a:solidFill>
+          </a:ln>
+        </p:spPr>
+        <p:style>
+          <a:lnRef idx="2">
+            <a:schemeClr val="accent1">
+              <a:shade val="50000"/>
+            </a:schemeClr>
+          </a:lnRef>
+          <a:fillRef idx="1">
+            <a:schemeClr val="accent1"/>
+          </a:fillRef>
+          <a:effectRef idx="0">
+            <a:schemeClr val="accent1"/>
+          </a:effectRef>
+          <a:fontRef idx="minor">
+            <a:schemeClr val="lt1"/>
+          </a:fontRef>
+        </p:style>
+        <p:txBody>
+          <a:bodyPr rtlCol="0" anchor="ctr"/>
+          <a:lstStyle/>
+          <a:p>
+            <a:pPr algn="ctr"/>
+            <a:endParaRPr lang="es-CL"/>
+          </a:p>
+        </p:txBody>
+      </p:sp>
+      <p:sp>
+        <p:nvSpPr>
+          <p:cNvPr id="83" name="Rectángulo 82"/>
+          <p:cNvSpPr/>
+          <p:nvPr/>
+        </p:nvSpPr>
+        <p:spPr>
+          <a:xfrm rot="16200000">
+            <a:off x="4685275" y="3913326"/>
+            <a:ext cx="2395956" cy="769441"/>
+          </a:xfrm>
+          <a:prstGeom prst="rect">
+            <a:avLst/>
+          </a:prstGeom>
+          <a:noFill/>
+        </p:spPr>
+        <p:txBody>
+          <a:bodyPr wrap="square" lIns="91440" tIns="45720" rIns="91440" bIns="45720">
+            <a:spAutoFit/>
+          </a:bodyPr>
+          <a:lstStyle/>
+          <a:p>
+            <a:r>
+              <a:rPr lang="es-ES" sz="4400" b="1" dirty="0" err="1">
+                <a:ln w="12700">
+                  <a:solidFill>
+                    <a:schemeClr val="tx1">
+                      <a:lumMod val="95000"/>
+                      <a:lumOff val="5000"/>
+                    </a:schemeClr>
+                  </a:solidFill>
+                  <a:prstDash val="solid"/>
+                </a:ln>
+                <a:solidFill>
+                  <a:schemeClr val="tx1">
+                    <a:lumMod val="75000"/>
+                    <a:lumOff val="25000"/>
+                  </a:schemeClr>
+                </a:solidFill>
+                <a:effectLst>
+                  <a:outerShdw dist="38100" dir="2640000" algn="bl" rotWithShape="0">
+                    <a:schemeClr val="tx2">
+                      <a:lumMod val="75000"/>
+                    </a:schemeClr>
+                  </a:outerShdw>
+                </a:effectLst>
+                <a:latin typeface="AR CHRISTY" panose="02000000000000000000" pitchFamily="2" charset="0"/>
+              </a:rPr>
+              <a:t>Stats</a:t>
+            </a:r>
+            <a:endParaRPr lang="es-ES" sz="4400" b="1" dirty="0">
+              <a:ln w="12700">
+                <a:solidFill>
+                  <a:schemeClr val="tx1">
+                    <a:lumMod val="95000"/>
+                    <a:lumOff val="5000"/>
+                  </a:schemeClr>
+                </a:solidFill>
+                <a:prstDash val="solid"/>
+              </a:ln>
+              <a:solidFill>
+                <a:schemeClr val="tx1">
+                  <a:lumMod val="75000"/>
+                  <a:lumOff val="25000"/>
+                </a:schemeClr>
+              </a:solidFill>
+              <a:effectLst>
+                <a:outerShdw dist="38100" dir="2640000" algn="bl" rotWithShape="0">
+                  <a:schemeClr val="tx2">
+                    <a:lumMod val="75000"/>
+                  </a:schemeClr>
+                </a:outerShdw>
+              </a:effectLst>
+              <a:latin typeface="AR CHRISTY" panose="02000000000000000000" pitchFamily="2" charset="0"/>
+            </a:endParaRPr>
+          </a:p>
+        </p:txBody>
+      </p:sp>
+      <p:sp>
+        <p:nvSpPr>
+          <p:cNvPr id="84" name="CuadroTexto 83"/>
+          <p:cNvSpPr txBox="1"/>
+          <p:nvPr/>
+        </p:nvSpPr>
+        <p:spPr>
+          <a:xfrm>
+            <a:off x="6337455" y="2186717"/>
+            <a:ext cx="3965424" cy="646331"/>
+          </a:xfrm>
+          <a:prstGeom prst="rect">
+            <a:avLst/>
+          </a:prstGeom>
+          <a:noFill/>
+        </p:spPr>
+        <p:txBody>
+          <a:bodyPr wrap="square" rtlCol="0">
+            <a:spAutoFit/>
+          </a:bodyPr>
+          <a:lstStyle/>
+          <a:p>
+            <a:r>
+              <a:rPr lang="es-CL" sz="3600" dirty="0">
+                <a:ln w="0"/>
+                <a:effectLst>
+                  <a:outerShdw blurRad="38100" dist="19050" dir="2700000" algn="tl" rotWithShape="0">
+                    <a:schemeClr val="dk1">
+                      <a:alpha val="40000"/>
+                    </a:schemeClr>
+                  </a:outerShdw>
+                </a:effectLst>
+                <a:latin typeface="AR CHRISTY" panose="02000000000000000000" pitchFamily="2" charset="0"/>
+              </a:rPr>
+              <a:t>Valor</a:t>
+            </a:r>
+            <a:r>
+              <a:rPr lang="es-CL" sz="2800" dirty="0">
+                <a:ln w="0"/>
+                <a:effectLst>
+                  <a:outerShdw blurRad="38100" dist="19050" dir="2700000" algn="tl" rotWithShape="0">
+                    <a:schemeClr val="dk1">
+                      <a:alpha val="40000"/>
+                    </a:schemeClr>
+                  </a:outerShdw>
+                </a:effectLst>
+                <a:latin typeface="AR CHRISTY" panose="02000000000000000000" pitchFamily="2" charset="0"/>
+              </a:rPr>
+              <a:t>: </a:t>
+            </a:r>
+            <a:r>
+              <a:rPr lang="es-CL" sz="2400" dirty="0">
+                <a:ln w="0"/>
+                <a:effectLst>
+                  <a:outerShdw blurRad="38100" dist="19050" dir="2700000" algn="tl" rotWithShape="0">
+                    <a:schemeClr val="dk1">
+                      <a:alpha val="40000"/>
+                    </a:schemeClr>
+                  </a:outerShdw>
+                </a:effectLst>
+                <a:latin typeface="AR CHRISTY" panose="02000000000000000000" pitchFamily="2" charset="0"/>
+              </a:rPr>
+              <a:t>5 x nivel-actual</a:t>
+            </a:r>
+            <a:endParaRPr lang="es-CL" sz="2800" dirty="0">
+              <a:ln w="0"/>
+              <a:effectLst>
+                <a:outerShdw blurRad="38100" dist="19050" dir="2700000" algn="tl" rotWithShape="0">
+                  <a:schemeClr val="dk1">
+                    <a:alpha val="40000"/>
+                  </a:schemeClr>
+                </a:outerShdw>
+              </a:effectLst>
+              <a:latin typeface="AR CHRISTY" panose="02000000000000000000" pitchFamily="2" charset="0"/>
+            </a:endParaRPr>
+          </a:p>
+        </p:txBody>
+      </p:sp>
+      <p:sp>
+        <p:nvSpPr>
+          <p:cNvPr id="85" name="CuadroTexto 84"/>
+          <p:cNvSpPr txBox="1"/>
+          <p:nvPr/>
+        </p:nvSpPr>
+        <p:spPr>
+          <a:xfrm>
+            <a:off x="7026538" y="2974683"/>
+            <a:ext cx="1610537" cy="523220"/>
+          </a:xfrm>
+          <a:prstGeom prst="rect">
+            <a:avLst/>
+          </a:prstGeom>
+          <a:noFill/>
+        </p:spPr>
+        <p:txBody>
+          <a:bodyPr wrap="square" rtlCol="0">
+            <a:spAutoFit/>
+          </a:bodyPr>
+          <a:lstStyle/>
+          <a:p>
+            <a:r>
+              <a:rPr lang="es-CL" sz="2800" dirty="0">
+                <a:ln w="0"/>
+                <a:effectLst>
+                  <a:outerShdw blurRad="38100" dist="19050" dir="2700000" algn="tl" rotWithShape="0">
+                    <a:schemeClr val="dk1">
+                      <a:alpha val="40000"/>
+                    </a:schemeClr>
+                  </a:outerShdw>
+                </a:effectLst>
+                <a:latin typeface="AR CHRISTY" panose="02000000000000000000" pitchFamily="2" charset="0"/>
+              </a:rPr>
+              <a:t>Fuerza</a:t>
+            </a:r>
+            <a:endParaRPr lang="es-CL" sz="2000" dirty="0">
+              <a:ln w="0"/>
+              <a:effectLst>
+                <a:outerShdw blurRad="38100" dist="19050" dir="2700000" algn="tl" rotWithShape="0">
+                  <a:schemeClr val="dk1">
+                    <a:alpha val="40000"/>
+                  </a:schemeClr>
+                </a:outerShdw>
+              </a:effectLst>
+              <a:latin typeface="AR CHRISTY" panose="02000000000000000000" pitchFamily="2" charset="0"/>
+            </a:endParaRPr>
+          </a:p>
+        </p:txBody>
+      </p:sp>
+      <p:sp>
+        <p:nvSpPr>
+          <p:cNvPr id="86" name="CuadroTexto 85"/>
+          <p:cNvSpPr txBox="1"/>
+          <p:nvPr/>
+        </p:nvSpPr>
+        <p:spPr>
+          <a:xfrm>
+            <a:off x="7024938" y="3694972"/>
+            <a:ext cx="1610537" cy="523220"/>
+          </a:xfrm>
+          <a:prstGeom prst="rect">
+            <a:avLst/>
+          </a:prstGeom>
+          <a:noFill/>
+        </p:spPr>
+        <p:txBody>
+          <a:bodyPr wrap="square" rtlCol="0">
+            <a:spAutoFit/>
+          </a:bodyPr>
+          <a:lstStyle/>
+          <a:p>
+            <a:r>
+              <a:rPr lang="es-CL" sz="2800" dirty="0">
+                <a:ln w="0"/>
+                <a:effectLst>
+                  <a:outerShdw blurRad="38100" dist="19050" dir="2700000" algn="tl" rotWithShape="0">
+                    <a:schemeClr val="dk1">
+                      <a:alpha val="40000"/>
+                    </a:schemeClr>
+                  </a:outerShdw>
+                </a:effectLst>
+                <a:latin typeface="AR CHRISTY" panose="02000000000000000000" pitchFamily="2" charset="0"/>
+              </a:rPr>
+              <a:t>Vida</a:t>
+            </a:r>
+            <a:endParaRPr lang="es-CL" sz="2000" dirty="0">
+              <a:ln w="0"/>
+              <a:effectLst>
+                <a:outerShdw blurRad="38100" dist="19050" dir="2700000" algn="tl" rotWithShape="0">
+                  <a:schemeClr val="dk1">
+                    <a:alpha val="40000"/>
+                  </a:schemeClr>
+                </a:outerShdw>
+              </a:effectLst>
+              <a:latin typeface="AR CHRISTY" panose="02000000000000000000" pitchFamily="2" charset="0"/>
+            </a:endParaRPr>
+          </a:p>
+        </p:txBody>
+      </p:sp>
+      <p:sp>
+        <p:nvSpPr>
+          <p:cNvPr id="87" name="CuadroTexto 86"/>
+          <p:cNvSpPr txBox="1"/>
+          <p:nvPr/>
+        </p:nvSpPr>
+        <p:spPr>
+          <a:xfrm>
+            <a:off x="7024938" y="4436119"/>
+            <a:ext cx="2055535" cy="523220"/>
+          </a:xfrm>
+          <a:prstGeom prst="rect">
+            <a:avLst/>
+          </a:prstGeom>
+          <a:noFill/>
+        </p:spPr>
+        <p:txBody>
+          <a:bodyPr wrap="square" rtlCol="0">
+            <a:spAutoFit/>
+          </a:bodyPr>
+          <a:lstStyle/>
+          <a:p>
+            <a:r>
+              <a:rPr lang="es-CL" sz="2800" dirty="0">
+                <a:ln w="0"/>
+                <a:effectLst>
+                  <a:outerShdw blurRad="38100" dist="19050" dir="2700000" algn="tl" rotWithShape="0">
+                    <a:schemeClr val="dk1">
+                      <a:alpha val="40000"/>
+                    </a:schemeClr>
+                  </a:outerShdw>
+                </a:effectLst>
+                <a:latin typeface="AR CHRISTY" panose="02000000000000000000" pitchFamily="2" charset="0"/>
+              </a:rPr>
+              <a:t>Velocidad</a:t>
+            </a:r>
+            <a:endParaRPr lang="es-CL" sz="2000" dirty="0">
+              <a:ln w="0"/>
+              <a:effectLst>
+                <a:outerShdw blurRad="38100" dist="19050" dir="2700000" algn="tl" rotWithShape="0">
+                  <a:schemeClr val="dk1">
+                    <a:alpha val="40000"/>
+                  </a:schemeClr>
+                </a:outerShdw>
+              </a:effectLst>
+              <a:latin typeface="AR CHRISTY" panose="02000000000000000000" pitchFamily="2" charset="0"/>
+            </a:endParaRPr>
+          </a:p>
+        </p:txBody>
+      </p:sp>
+      <p:sp>
+        <p:nvSpPr>
+          <p:cNvPr id="88" name="CuadroTexto 87"/>
+          <p:cNvSpPr txBox="1"/>
+          <p:nvPr/>
+        </p:nvSpPr>
+        <p:spPr>
+          <a:xfrm>
+            <a:off x="6993562" y="5206141"/>
+            <a:ext cx="1673288" cy="954107"/>
+          </a:xfrm>
+          <a:prstGeom prst="rect">
+            <a:avLst/>
+          </a:prstGeom>
+          <a:noFill/>
+        </p:spPr>
+        <p:txBody>
+          <a:bodyPr wrap="square" rtlCol="0">
+            <a:spAutoFit/>
+          </a:bodyPr>
+          <a:lstStyle/>
+          <a:p>
+            <a:pPr algn="r"/>
+            <a:r>
+              <a:rPr lang="es-CL" sz="2800" dirty="0">
+                <a:ln w="0"/>
+                <a:effectLst>
+                  <a:outerShdw blurRad="38100" dist="19050" dir="2700000" algn="tl" rotWithShape="0">
+                    <a:schemeClr val="dk1">
+                      <a:alpha val="40000"/>
+                    </a:schemeClr>
+                  </a:outerShdw>
+                </a:effectLst>
+                <a:latin typeface="AR CHRISTY" panose="02000000000000000000" pitchFamily="2" charset="0"/>
+              </a:rPr>
+              <a:t>Velocidad   de Tiro</a:t>
+            </a:r>
+            <a:endParaRPr lang="es-CL" sz="2000" dirty="0">
+              <a:ln w="0"/>
+              <a:effectLst>
+                <a:outerShdw blurRad="38100" dist="19050" dir="2700000" algn="tl" rotWithShape="0">
+                  <a:schemeClr val="dk1">
+                    <a:alpha val="40000"/>
+                  </a:schemeClr>
+                </a:outerShdw>
+              </a:effectLst>
+              <a:latin typeface="AR CHRISTY" panose="02000000000000000000" pitchFamily="2" charset="0"/>
+            </a:endParaRPr>
+          </a:p>
+        </p:txBody>
+      </p:sp>
+      <p:sp>
+        <p:nvSpPr>
+          <p:cNvPr id="89" name="CuadroTexto 88"/>
+          <p:cNvSpPr txBox="1"/>
+          <p:nvPr/>
+        </p:nvSpPr>
+        <p:spPr>
+          <a:xfrm>
+            <a:off x="9735247" y="2974683"/>
+            <a:ext cx="1859021" cy="523220"/>
+          </a:xfrm>
+          <a:prstGeom prst="rect">
+            <a:avLst/>
+          </a:prstGeom>
+          <a:noFill/>
+        </p:spPr>
+        <p:txBody>
+          <a:bodyPr wrap="square" rtlCol="0">
+            <a:spAutoFit/>
+          </a:bodyPr>
+          <a:lstStyle/>
+          <a:p>
+            <a:r>
+              <a:rPr lang="es-CL" sz="2800" dirty="0">
+                <a:ln w="0"/>
+                <a:effectLst>
+                  <a:outerShdw blurRad="38100" dist="19050" dir="2700000" algn="tl" rotWithShape="0">
+                    <a:schemeClr val="dk1">
+                      <a:alpha val="40000"/>
+                    </a:schemeClr>
+                  </a:outerShdw>
+                </a:effectLst>
+                <a:latin typeface="AR CHRISTY" panose="02000000000000000000" pitchFamily="2" charset="0"/>
+              </a:rPr>
+              <a:t>Resistencia</a:t>
+            </a:r>
+            <a:endParaRPr lang="es-CL" sz="2000" dirty="0">
+              <a:ln w="0"/>
+              <a:effectLst>
+                <a:outerShdw blurRad="38100" dist="19050" dir="2700000" algn="tl" rotWithShape="0">
+                  <a:schemeClr val="dk1">
+                    <a:alpha val="40000"/>
+                  </a:schemeClr>
+                </a:outerShdw>
+              </a:effectLst>
+              <a:latin typeface="AR CHRISTY" panose="02000000000000000000" pitchFamily="2" charset="0"/>
+            </a:endParaRPr>
+          </a:p>
+        </p:txBody>
+      </p:sp>
+      <p:sp>
+        <p:nvSpPr>
+          <p:cNvPr id="90" name="CuadroTexto 89"/>
+          <p:cNvSpPr txBox="1"/>
+          <p:nvPr/>
+        </p:nvSpPr>
+        <p:spPr>
+          <a:xfrm>
+            <a:off x="9700607" y="3666529"/>
+            <a:ext cx="2183439" cy="954107"/>
+          </a:xfrm>
+          <a:prstGeom prst="rect">
+            <a:avLst/>
+          </a:prstGeom>
+          <a:noFill/>
+        </p:spPr>
+        <p:txBody>
+          <a:bodyPr wrap="square" rtlCol="0">
+            <a:spAutoFit/>
+          </a:bodyPr>
+          <a:lstStyle/>
+          <a:p>
+            <a:pPr algn="r"/>
+            <a:r>
+              <a:rPr lang="es-CL" sz="2800" dirty="0">
+                <a:ln w="0"/>
+                <a:effectLst>
+                  <a:outerShdw blurRad="38100" dist="19050" dir="2700000" algn="tl" rotWithShape="0">
+                    <a:schemeClr val="dk1">
+                      <a:alpha val="40000"/>
+                    </a:schemeClr>
+                  </a:outerShdw>
+                </a:effectLst>
+                <a:latin typeface="AR CHRISTY" panose="02000000000000000000" pitchFamily="2" charset="0"/>
+              </a:rPr>
+              <a:t>Radio de daño de bomba</a:t>
+            </a:r>
+            <a:endParaRPr lang="es-CL" sz="2000" dirty="0">
+              <a:ln w="0"/>
+              <a:effectLst>
+                <a:outerShdw blurRad="38100" dist="19050" dir="2700000" algn="tl" rotWithShape="0">
+                  <a:schemeClr val="dk1">
+                    <a:alpha val="40000"/>
+                  </a:schemeClr>
+                </a:outerShdw>
+              </a:effectLst>
+              <a:latin typeface="AR CHRISTY" panose="02000000000000000000" pitchFamily="2" charset="0"/>
+            </a:endParaRPr>
+          </a:p>
+        </p:txBody>
+      </p:sp>
+    </p:spTree>
+    <p:extLst>
+      <p:ext uri="{BB962C8B-B14F-4D97-AF65-F5344CB8AC3E}">
+        <p14:creationId xmlns:p14="http://schemas.microsoft.com/office/powerpoint/2010/main" val="1824686557"/>
+      </p:ext>
+    </p:extLst>
+  </p:cSld>
+  <p:clrMapOvr>
+    <a:masterClrMapping/>
+  </p:clrMapOvr>
+</p:sld>
+</file>
+
+<file path=ppt/slides/slide6.xml><?xml version="1.0" encoding="utf-8"?>
+<p:sld xmlns:a="http://schemas.openxmlformats.org/drawingml/2006/main" xmlns:r="http://schemas.openxmlformats.org/officeDocument/2006/relationships" xmlns:p="http://schemas.openxmlformats.org/presentationml/2006/main">
+  <p:cSld>
+    <p:spTree>
+      <p:nvGrpSpPr>
+        <p:cNvPr id="1" name=""/>
+        <p:cNvGrpSpPr/>
+        <p:nvPr/>
+      </p:nvGrpSpPr>
+      <p:grpSpPr>
+        <a:xfrm>
+          <a:off x="0" y="0"/>
+          <a:ext cx="0" cy="0"/>
+          <a:chOff x="0" y="0"/>
+          <a:chExt cx="0" cy="0"/>
+        </a:xfrm>
+      </p:grpSpPr>
+      <p:grpSp>
+        <p:nvGrpSpPr>
+          <p:cNvPr id="48" name="Grupo 47"/>
+          <p:cNvGrpSpPr/>
+          <p:nvPr/>
+        </p:nvGrpSpPr>
+        <p:grpSpPr>
+          <a:xfrm>
+            <a:off x="0" y="487769"/>
+            <a:ext cx="12192000" cy="6100456"/>
+            <a:chOff x="0" y="487769"/>
+            <a:chExt cx="12192000" cy="6100456"/>
+          </a:xfrm>
+        </p:grpSpPr>
+        <p:grpSp>
+          <p:nvGrpSpPr>
+            <p:cNvPr id="32" name="Grupo 31"/>
+            <p:cNvGrpSpPr/>
+            <p:nvPr/>
+          </p:nvGrpSpPr>
+          <p:grpSpPr>
+            <a:xfrm>
+              <a:off x="1219201" y="492225"/>
+              <a:ext cx="7315200" cy="4876800"/>
+              <a:chOff x="731520" y="482600"/>
+              <a:chExt cx="7315200" cy="4876800"/>
+            </a:xfrm>
+          </p:grpSpPr>
+          <p:pic>
+            <p:nvPicPr>
+              <p:cNvPr id="4" name="Imagen 3"/>
+              <p:cNvPicPr>
+                <a:picLocks noChangeAspect="1"/>
+              </p:cNvPicPr>
+              <p:nvPr/>
+            </p:nvPicPr>
+            <p:blipFill>
+              <a:blip r:embed="rId2">
+                <a:extLst>
+                  <a:ext uri="{28A0092B-C50C-407E-A947-70E740481C1C}">
+                    <a14:useLocalDpi xmlns:a14="http://schemas.microsoft.com/office/drawing/2010/main" val="0"/>
+                  </a:ext>
+                </a:extLst>
+              </a:blip>
+              <a:stretch>
+                <a:fillRect/>
+              </a:stretch>
+            </p:blipFill>
+            <p:spPr>
+              <a:xfrm>
+                <a:off x="731520" y="482600"/>
+                <a:ext cx="1219200" cy="1219200"/>
+              </a:xfrm>
+              <a:prstGeom prst="rect">
+                <a:avLst/>
+              </a:prstGeom>
+            </p:spPr>
+          </p:pic>
+          <p:pic>
+            <p:nvPicPr>
+              <p:cNvPr id="5" name="Imagen 4"/>
+              <p:cNvPicPr>
+                <a:picLocks noChangeAspect="1"/>
+              </p:cNvPicPr>
+              <p:nvPr/>
+            </p:nvPicPr>
+            <p:blipFill>
+              <a:blip r:embed="rId2">
+                <a:extLst>
+                  <a:ext uri="{28A0092B-C50C-407E-A947-70E740481C1C}">
+                    <a14:useLocalDpi xmlns:a14="http://schemas.microsoft.com/office/drawing/2010/main" val="0"/>
+                  </a:ext>
+                </a:extLst>
+              </a:blip>
+              <a:stretch>
+                <a:fillRect/>
+              </a:stretch>
+            </p:blipFill>
+            <p:spPr>
+              <a:xfrm>
+                <a:off x="1950720" y="482600"/>
+                <a:ext cx="1219200" cy="1219200"/>
+              </a:xfrm>
+              <a:prstGeom prst="rect">
+                <a:avLst/>
+              </a:prstGeom>
+            </p:spPr>
+          </p:pic>
+          <p:pic>
+            <p:nvPicPr>
+              <p:cNvPr id="6" name="Imagen 5"/>
+              <p:cNvPicPr>
+                <a:picLocks noChangeAspect="1"/>
+              </p:cNvPicPr>
+              <p:nvPr/>
+            </p:nvPicPr>
+            <p:blipFill>
+              <a:blip r:embed="rId2">
+                <a:extLst>
+                  <a:ext uri="{28A0092B-C50C-407E-A947-70E740481C1C}">
+                    <a14:useLocalDpi xmlns:a14="http://schemas.microsoft.com/office/drawing/2010/main" val="0"/>
+                  </a:ext>
+                </a:extLst>
+              </a:blip>
+              <a:stretch>
+                <a:fillRect/>
+              </a:stretch>
+            </p:blipFill>
+            <p:spPr>
+              <a:xfrm>
+                <a:off x="3169920" y="482600"/>
+                <a:ext cx="1219200" cy="1219200"/>
+              </a:xfrm>
+              <a:prstGeom prst="rect">
+                <a:avLst/>
+              </a:prstGeom>
+            </p:spPr>
+          </p:pic>
+          <p:pic>
+            <p:nvPicPr>
+              <p:cNvPr id="7" name="Imagen 6"/>
+              <p:cNvPicPr>
+                <a:picLocks noChangeAspect="1"/>
+              </p:cNvPicPr>
+              <p:nvPr/>
+            </p:nvPicPr>
+            <p:blipFill>
+              <a:blip r:embed="rId2">
+                <a:extLst>
+                  <a:ext uri="{28A0092B-C50C-407E-A947-70E740481C1C}">
+                    <a14:useLocalDpi xmlns:a14="http://schemas.microsoft.com/office/drawing/2010/main" val="0"/>
+                  </a:ext>
+                </a:extLst>
+              </a:blip>
+              <a:stretch>
+                <a:fillRect/>
+              </a:stretch>
+            </p:blipFill>
+            <p:spPr>
+              <a:xfrm>
+                <a:off x="4389120" y="482600"/>
+                <a:ext cx="1219200" cy="1219200"/>
+              </a:xfrm>
+              <a:prstGeom prst="rect">
+                <a:avLst/>
+              </a:prstGeom>
+            </p:spPr>
+          </p:pic>
+          <p:pic>
+            <p:nvPicPr>
+              <p:cNvPr id="8" name="Imagen 7"/>
+              <p:cNvPicPr>
+                <a:picLocks noChangeAspect="1"/>
+              </p:cNvPicPr>
+              <p:nvPr/>
+            </p:nvPicPr>
+            <p:blipFill>
+              <a:blip r:embed="rId2">
+                <a:extLst>
+                  <a:ext uri="{28A0092B-C50C-407E-A947-70E740481C1C}">
+                    <a14:useLocalDpi xmlns:a14="http://schemas.microsoft.com/office/drawing/2010/main" val="0"/>
+                  </a:ext>
+                </a:extLst>
+              </a:blip>
+              <a:stretch>
+                <a:fillRect/>
+              </a:stretch>
+            </p:blipFill>
+            <p:spPr>
+              <a:xfrm>
+                <a:off x="5608320" y="482600"/>
+                <a:ext cx="1219200" cy="1219200"/>
+              </a:xfrm>
+              <a:prstGeom prst="rect">
+                <a:avLst/>
+              </a:prstGeom>
+            </p:spPr>
+          </p:pic>
+          <p:pic>
+            <p:nvPicPr>
+              <p:cNvPr id="9" name="Imagen 8"/>
+              <p:cNvPicPr>
+                <a:picLocks noChangeAspect="1"/>
+              </p:cNvPicPr>
+              <p:nvPr/>
+            </p:nvPicPr>
+            <p:blipFill>
+              <a:blip r:embed="rId2">
+                <a:extLst>
+                  <a:ext uri="{28A0092B-C50C-407E-A947-70E740481C1C}">
+                    <a14:useLocalDpi xmlns:a14="http://schemas.microsoft.com/office/drawing/2010/main" val="0"/>
+                  </a:ext>
+                </a:extLst>
+              </a:blip>
+              <a:stretch>
+                <a:fillRect/>
+              </a:stretch>
+            </p:blipFill>
+            <p:spPr>
+              <a:xfrm>
+                <a:off x="6827520" y="482600"/>
+                <a:ext cx="1219200" cy="1219200"/>
+              </a:xfrm>
+              <a:prstGeom prst="rect">
+                <a:avLst/>
+              </a:prstGeom>
+            </p:spPr>
+          </p:pic>
+          <p:pic>
+            <p:nvPicPr>
+              <p:cNvPr id="11" name="Imagen 10"/>
+              <p:cNvPicPr>
+                <a:picLocks noChangeAspect="1"/>
+              </p:cNvPicPr>
+              <p:nvPr/>
+            </p:nvPicPr>
+            <p:blipFill>
+              <a:blip r:embed="rId2">
+                <a:extLst>
+                  <a:ext uri="{28A0092B-C50C-407E-A947-70E740481C1C}">
+                    <a14:useLocalDpi xmlns:a14="http://schemas.microsoft.com/office/drawing/2010/main" val="0"/>
+                  </a:ext>
+                </a:extLst>
+              </a:blip>
+              <a:stretch>
+                <a:fillRect/>
+              </a:stretch>
+            </p:blipFill>
+            <p:spPr>
+              <a:xfrm>
+                <a:off x="731520" y="1701800"/>
+                <a:ext cx="1219200" cy="1219200"/>
+              </a:xfrm>
+              <a:prstGeom prst="rect">
+                <a:avLst/>
+              </a:prstGeom>
+            </p:spPr>
+          </p:pic>
+          <p:pic>
+            <p:nvPicPr>
+              <p:cNvPr id="12" name="Imagen 11"/>
+              <p:cNvPicPr>
+                <a:picLocks noChangeAspect="1"/>
+              </p:cNvPicPr>
+              <p:nvPr/>
+            </p:nvPicPr>
+            <p:blipFill>
+              <a:blip r:embed="rId2">
+                <a:extLst>
+                  <a:ext uri="{28A0092B-C50C-407E-A947-70E740481C1C}">
+                    <a14:useLocalDpi xmlns:a14="http://schemas.microsoft.com/office/drawing/2010/main" val="0"/>
+                  </a:ext>
+                </a:extLst>
+              </a:blip>
+              <a:stretch>
+                <a:fillRect/>
+              </a:stretch>
+            </p:blipFill>
+            <p:spPr>
+              <a:xfrm>
+                <a:off x="1950720" y="1701800"/>
+                <a:ext cx="1219200" cy="1219200"/>
+              </a:xfrm>
+              <a:prstGeom prst="rect">
+                <a:avLst/>
+              </a:prstGeom>
+            </p:spPr>
+          </p:pic>
+          <p:pic>
+            <p:nvPicPr>
+              <p:cNvPr id="13" name="Imagen 12"/>
+              <p:cNvPicPr>
+                <a:picLocks noChangeAspect="1"/>
+              </p:cNvPicPr>
+              <p:nvPr/>
+            </p:nvPicPr>
+            <p:blipFill>
+              <a:blip r:embed="rId2">
+                <a:extLst>
+                  <a:ext uri="{28A0092B-C50C-407E-A947-70E740481C1C}">
+                    <a14:useLocalDpi xmlns:a14="http://schemas.microsoft.com/office/drawing/2010/main" val="0"/>
+                  </a:ext>
+                </a:extLst>
+              </a:blip>
+              <a:stretch>
+                <a:fillRect/>
+              </a:stretch>
+            </p:blipFill>
+            <p:spPr>
+              <a:xfrm>
+                <a:off x="3169920" y="1701800"/>
+                <a:ext cx="1219200" cy="1219200"/>
+              </a:xfrm>
+              <a:prstGeom prst="rect">
+                <a:avLst/>
+              </a:prstGeom>
+            </p:spPr>
+          </p:pic>
+          <p:pic>
+            <p:nvPicPr>
+              <p:cNvPr id="14" name="Imagen 13"/>
+              <p:cNvPicPr>
+                <a:picLocks noChangeAspect="1"/>
+              </p:cNvPicPr>
+              <p:nvPr/>
+            </p:nvPicPr>
+            <p:blipFill>
+              <a:blip r:embed="rId2">
+                <a:extLst>
+                  <a:ext uri="{28A0092B-C50C-407E-A947-70E740481C1C}">
+                    <a14:useLocalDpi xmlns:a14="http://schemas.microsoft.com/office/drawing/2010/main" val="0"/>
+                  </a:ext>
+                </a:extLst>
+              </a:blip>
+              <a:stretch>
+                <a:fillRect/>
+              </a:stretch>
+            </p:blipFill>
+            <p:spPr>
+              <a:xfrm>
+                <a:off x="4389120" y="1701800"/>
+                <a:ext cx="1219200" cy="1219200"/>
+              </a:xfrm>
+              <a:prstGeom prst="rect">
+                <a:avLst/>
+              </a:prstGeom>
+            </p:spPr>
+          </p:pic>
+          <p:pic>
+            <p:nvPicPr>
+              <p:cNvPr id="15" name="Imagen 14"/>
+              <p:cNvPicPr>
+                <a:picLocks noChangeAspect="1"/>
+              </p:cNvPicPr>
+              <p:nvPr/>
+            </p:nvPicPr>
+            <p:blipFill>
+              <a:blip r:embed="rId2">
+                <a:extLst>
+                  <a:ext uri="{28A0092B-C50C-407E-A947-70E740481C1C}">
+                    <a14:useLocalDpi xmlns:a14="http://schemas.microsoft.com/office/drawing/2010/main" val="0"/>
+                  </a:ext>
+                </a:extLst>
+              </a:blip>
+              <a:stretch>
+                <a:fillRect/>
+              </a:stretch>
+            </p:blipFill>
+            <p:spPr>
+              <a:xfrm>
+                <a:off x="5608320" y="1701800"/>
+                <a:ext cx="1219200" cy="1219200"/>
+              </a:xfrm>
+              <a:prstGeom prst="rect">
+                <a:avLst/>
+              </a:prstGeom>
+            </p:spPr>
+          </p:pic>
+          <p:pic>
+            <p:nvPicPr>
+              <p:cNvPr id="16" name="Imagen 15"/>
+              <p:cNvPicPr>
+                <a:picLocks noChangeAspect="1"/>
+              </p:cNvPicPr>
+              <p:nvPr/>
+            </p:nvPicPr>
+            <p:blipFill>
+              <a:blip r:embed="rId2">
+                <a:extLst>
+                  <a:ext uri="{28A0092B-C50C-407E-A947-70E740481C1C}">
+                    <a14:useLocalDpi xmlns:a14="http://schemas.microsoft.com/office/drawing/2010/main" val="0"/>
+                  </a:ext>
+                </a:extLst>
+              </a:blip>
+              <a:stretch>
+                <a:fillRect/>
+              </a:stretch>
+            </p:blipFill>
+            <p:spPr>
+              <a:xfrm>
+                <a:off x="6827520" y="1701800"/>
+                <a:ext cx="1219200" cy="1219200"/>
+              </a:xfrm>
+              <a:prstGeom prst="rect">
+                <a:avLst/>
+              </a:prstGeom>
+            </p:spPr>
+          </p:pic>
+          <p:pic>
+            <p:nvPicPr>
+              <p:cNvPr id="18" name="Imagen 17"/>
+              <p:cNvPicPr>
+                <a:picLocks noChangeAspect="1"/>
+              </p:cNvPicPr>
+              <p:nvPr/>
+            </p:nvPicPr>
+            <p:blipFill>
+              <a:blip r:embed="rId2">
+                <a:extLst>
+                  <a:ext uri="{28A0092B-C50C-407E-A947-70E740481C1C}">
+                    <a14:useLocalDpi xmlns:a14="http://schemas.microsoft.com/office/drawing/2010/main" val="0"/>
+                  </a:ext>
+                </a:extLst>
+              </a:blip>
+              <a:stretch>
+                <a:fillRect/>
+              </a:stretch>
+            </p:blipFill>
+            <p:spPr>
+              <a:xfrm>
+                <a:off x="731520" y="2921000"/>
+                <a:ext cx="1219200" cy="1219200"/>
+              </a:xfrm>
+              <a:prstGeom prst="rect">
+                <a:avLst/>
+              </a:prstGeom>
+            </p:spPr>
+          </p:pic>
+          <p:pic>
+            <p:nvPicPr>
+              <p:cNvPr id="19" name="Imagen 18"/>
+              <p:cNvPicPr>
+                <a:picLocks noChangeAspect="1"/>
+              </p:cNvPicPr>
+              <p:nvPr/>
+            </p:nvPicPr>
+            <p:blipFill>
+              <a:blip r:embed="rId2">
+                <a:extLst>
+                  <a:ext uri="{28A0092B-C50C-407E-A947-70E740481C1C}">
+                    <a14:useLocalDpi xmlns:a14="http://schemas.microsoft.com/office/drawing/2010/main" val="0"/>
+                  </a:ext>
+                </a:extLst>
+              </a:blip>
+              <a:stretch>
+                <a:fillRect/>
+              </a:stretch>
+            </p:blipFill>
+            <p:spPr>
+              <a:xfrm>
+                <a:off x="1950720" y="2921000"/>
+                <a:ext cx="1219200" cy="1219200"/>
+              </a:xfrm>
+              <a:prstGeom prst="rect">
+                <a:avLst/>
+              </a:prstGeom>
+            </p:spPr>
+          </p:pic>
+          <p:pic>
+            <p:nvPicPr>
+              <p:cNvPr id="20" name="Imagen 19"/>
+              <p:cNvPicPr>
+                <a:picLocks noChangeAspect="1"/>
+              </p:cNvPicPr>
+              <p:nvPr/>
+            </p:nvPicPr>
+            <p:blipFill>
+              <a:blip r:embed="rId2">
+                <a:extLst>
+                  <a:ext uri="{28A0092B-C50C-407E-A947-70E740481C1C}">
+                    <a14:useLocalDpi xmlns:a14="http://schemas.microsoft.com/office/drawing/2010/main" val="0"/>
+                  </a:ext>
+                </a:extLst>
+              </a:blip>
+              <a:stretch>
+                <a:fillRect/>
+              </a:stretch>
+            </p:blipFill>
+            <p:spPr>
+              <a:xfrm>
+                <a:off x="3169920" y="2921000"/>
+                <a:ext cx="1219200" cy="1219200"/>
+              </a:xfrm>
+              <a:prstGeom prst="rect">
+                <a:avLst/>
+              </a:prstGeom>
+            </p:spPr>
+          </p:pic>
+          <p:pic>
+            <p:nvPicPr>
+              <p:cNvPr id="21" name="Imagen 20"/>
+              <p:cNvPicPr>
+                <a:picLocks noChangeAspect="1"/>
+              </p:cNvPicPr>
+              <p:nvPr/>
+            </p:nvPicPr>
+            <p:blipFill>
+              <a:blip r:embed="rId2">
+                <a:extLst>
+                  <a:ext uri="{28A0092B-C50C-407E-A947-70E740481C1C}">
+                    <a14:useLocalDpi xmlns:a14="http://schemas.microsoft.com/office/drawing/2010/main" val="0"/>
+                  </a:ext>
+                </a:extLst>
+              </a:blip>
+              <a:stretch>
+                <a:fillRect/>
+              </a:stretch>
+            </p:blipFill>
+            <p:spPr>
+              <a:xfrm>
+                <a:off x="4389120" y="2921000"/>
+                <a:ext cx="1219200" cy="1219200"/>
+              </a:xfrm>
+              <a:prstGeom prst="rect">
+                <a:avLst/>
+              </a:prstGeom>
+            </p:spPr>
+          </p:pic>
+          <p:pic>
+            <p:nvPicPr>
+              <p:cNvPr id="22" name="Imagen 21"/>
+              <p:cNvPicPr>
+                <a:picLocks noChangeAspect="1"/>
+              </p:cNvPicPr>
+              <p:nvPr/>
+            </p:nvPicPr>
+            <p:blipFill>
+              <a:blip r:embed="rId2">
+                <a:extLst>
+                  <a:ext uri="{28A0092B-C50C-407E-A947-70E740481C1C}">
+                    <a14:useLocalDpi xmlns:a14="http://schemas.microsoft.com/office/drawing/2010/main" val="0"/>
+                  </a:ext>
+                </a:extLst>
+              </a:blip>
+              <a:stretch>
+                <a:fillRect/>
+              </a:stretch>
+            </p:blipFill>
+            <p:spPr>
+              <a:xfrm>
+                <a:off x="5608320" y="2921000"/>
+                <a:ext cx="1219200" cy="1219200"/>
+              </a:xfrm>
+              <a:prstGeom prst="rect">
+                <a:avLst/>
+              </a:prstGeom>
+            </p:spPr>
+          </p:pic>
+          <p:pic>
+            <p:nvPicPr>
+              <p:cNvPr id="23" name="Imagen 22"/>
+              <p:cNvPicPr>
+                <a:picLocks noChangeAspect="1"/>
+              </p:cNvPicPr>
+              <p:nvPr/>
+            </p:nvPicPr>
+            <p:blipFill>
+              <a:blip r:embed="rId2">
+                <a:extLst>
+                  <a:ext uri="{28A0092B-C50C-407E-A947-70E740481C1C}">
+                    <a14:useLocalDpi xmlns:a14="http://schemas.microsoft.com/office/drawing/2010/main" val="0"/>
+                  </a:ext>
+                </a:extLst>
+              </a:blip>
+              <a:stretch>
+                <a:fillRect/>
+              </a:stretch>
+            </p:blipFill>
+            <p:spPr>
+              <a:xfrm>
+                <a:off x="6827520" y="2921000"/>
+                <a:ext cx="1219200" cy="1219200"/>
+              </a:xfrm>
+              <a:prstGeom prst="rect">
+                <a:avLst/>
+              </a:prstGeom>
+            </p:spPr>
+          </p:pic>
+          <p:pic>
+            <p:nvPicPr>
+              <p:cNvPr id="25" name="Imagen 24"/>
+              <p:cNvPicPr>
+                <a:picLocks noChangeAspect="1"/>
+              </p:cNvPicPr>
+              <p:nvPr/>
+            </p:nvPicPr>
+            <p:blipFill>
+              <a:blip r:embed="rId2">
+                <a:extLst>
+                  <a:ext uri="{28A0092B-C50C-407E-A947-70E740481C1C}">
+                    <a14:useLocalDpi xmlns:a14="http://schemas.microsoft.com/office/drawing/2010/main" val="0"/>
+                  </a:ext>
+                </a:extLst>
+              </a:blip>
+              <a:stretch>
+                <a:fillRect/>
+              </a:stretch>
+            </p:blipFill>
+            <p:spPr>
+              <a:xfrm>
+                <a:off x="731520" y="4140200"/>
+                <a:ext cx="1219200" cy="1219200"/>
+              </a:xfrm>
+              <a:prstGeom prst="rect">
+                <a:avLst/>
+              </a:prstGeom>
+            </p:spPr>
+          </p:pic>
+          <p:pic>
+            <p:nvPicPr>
+              <p:cNvPr id="26" name="Imagen 25"/>
+              <p:cNvPicPr>
+                <a:picLocks noChangeAspect="1"/>
+              </p:cNvPicPr>
+              <p:nvPr/>
+            </p:nvPicPr>
+            <p:blipFill>
+              <a:blip r:embed="rId2">
+                <a:extLst>
+                  <a:ext uri="{28A0092B-C50C-407E-A947-70E740481C1C}">
+                    <a14:useLocalDpi xmlns:a14="http://schemas.microsoft.com/office/drawing/2010/main" val="0"/>
+                  </a:ext>
+                </a:extLst>
+              </a:blip>
+              <a:stretch>
+                <a:fillRect/>
+              </a:stretch>
+            </p:blipFill>
+            <p:spPr>
+              <a:xfrm>
+                <a:off x="1950720" y="4140200"/>
+                <a:ext cx="1219200" cy="1219200"/>
+              </a:xfrm>
+              <a:prstGeom prst="rect">
+                <a:avLst/>
+              </a:prstGeom>
+            </p:spPr>
+          </p:pic>
+          <p:pic>
+            <p:nvPicPr>
+              <p:cNvPr id="27" name="Imagen 26"/>
+              <p:cNvPicPr>
+                <a:picLocks noChangeAspect="1"/>
+              </p:cNvPicPr>
+              <p:nvPr/>
+            </p:nvPicPr>
+            <p:blipFill>
+              <a:blip r:embed="rId2">
+                <a:extLst>
+                  <a:ext uri="{28A0092B-C50C-407E-A947-70E740481C1C}">
+                    <a14:useLocalDpi xmlns:a14="http://schemas.microsoft.com/office/drawing/2010/main" val="0"/>
+                  </a:ext>
+                </a:extLst>
+              </a:blip>
+              <a:stretch>
+                <a:fillRect/>
+              </a:stretch>
+            </p:blipFill>
+            <p:spPr>
+              <a:xfrm>
+                <a:off x="3169920" y="4140200"/>
+                <a:ext cx="1219200" cy="1219200"/>
+              </a:xfrm>
+              <a:prstGeom prst="rect">
+                <a:avLst/>
+              </a:prstGeom>
+            </p:spPr>
+          </p:pic>
+          <p:pic>
+            <p:nvPicPr>
+              <p:cNvPr id="28" name="Imagen 27"/>
+              <p:cNvPicPr>
+                <a:picLocks noChangeAspect="1"/>
+              </p:cNvPicPr>
+              <p:nvPr/>
+            </p:nvPicPr>
+            <p:blipFill>
+              <a:blip r:embed="rId2">
+                <a:extLst>
+                  <a:ext uri="{28A0092B-C50C-407E-A947-70E740481C1C}">
+                    <a14:useLocalDpi xmlns:a14="http://schemas.microsoft.com/office/drawing/2010/main" val="0"/>
+                  </a:ext>
+                </a:extLst>
+              </a:blip>
+              <a:stretch>
+                <a:fillRect/>
+              </a:stretch>
+            </p:blipFill>
+            <p:spPr>
+              <a:xfrm>
+                <a:off x="4389120" y="4140200"/>
+                <a:ext cx="1219200" cy="1219200"/>
+              </a:xfrm>
+              <a:prstGeom prst="rect">
+                <a:avLst/>
+              </a:prstGeom>
+            </p:spPr>
+          </p:pic>
+          <p:pic>
+            <p:nvPicPr>
+              <p:cNvPr id="29" name="Imagen 28"/>
+              <p:cNvPicPr>
+                <a:picLocks noChangeAspect="1"/>
+              </p:cNvPicPr>
+              <p:nvPr/>
+            </p:nvPicPr>
+            <p:blipFill>
+              <a:blip r:embed="rId2">
+                <a:extLst>
+                  <a:ext uri="{28A0092B-C50C-407E-A947-70E740481C1C}">
+                    <a14:useLocalDpi xmlns:a14="http://schemas.microsoft.com/office/drawing/2010/main" val="0"/>
+                  </a:ext>
+                </a:extLst>
+              </a:blip>
+              <a:stretch>
+                <a:fillRect/>
+              </a:stretch>
+            </p:blipFill>
+            <p:spPr>
+              <a:xfrm>
+                <a:off x="5608320" y="4140200"/>
+                <a:ext cx="1219200" cy="1219200"/>
+              </a:xfrm>
+              <a:prstGeom prst="rect">
+                <a:avLst/>
+              </a:prstGeom>
+            </p:spPr>
+          </p:pic>
+          <p:pic>
+            <p:nvPicPr>
+              <p:cNvPr id="30" name="Imagen 29"/>
+              <p:cNvPicPr>
+                <a:picLocks noChangeAspect="1"/>
+              </p:cNvPicPr>
+              <p:nvPr/>
+            </p:nvPicPr>
+            <p:blipFill>
+              <a:blip r:embed="rId2">
+                <a:extLst>
+                  <a:ext uri="{28A0092B-C50C-407E-A947-70E740481C1C}">
+                    <a14:useLocalDpi xmlns:a14="http://schemas.microsoft.com/office/drawing/2010/main" val="0"/>
+                  </a:ext>
+                </a:extLst>
+              </a:blip>
+              <a:stretch>
+                <a:fillRect/>
+              </a:stretch>
+            </p:blipFill>
+            <p:spPr>
+              <a:xfrm>
+                <a:off x="6827520" y="4140200"/>
+                <a:ext cx="1219200" cy="1219200"/>
+              </a:xfrm>
+              <a:prstGeom prst="rect">
+                <a:avLst/>
+              </a:prstGeom>
+            </p:spPr>
+          </p:pic>
+        </p:grpSp>
+        <p:pic>
+          <p:nvPicPr>
+            <p:cNvPr id="34" name="Imagen 33"/>
+            <p:cNvPicPr>
+              <a:picLocks noChangeAspect="1"/>
+            </p:cNvPicPr>
+            <p:nvPr/>
+          </p:nvPicPr>
+          <p:blipFill>
+            <a:blip r:embed="rId2">
+              <a:extLst>
+                <a:ext uri="{28A0092B-C50C-407E-A947-70E740481C1C}">
+                  <a14:useLocalDpi xmlns:a14="http://schemas.microsoft.com/office/drawing/2010/main" val="0"/>
+                </a:ext>
+              </a:extLst>
+            </a:blip>
+            <a:stretch>
+              <a:fillRect/>
+            </a:stretch>
+          </p:blipFill>
+          <p:spPr>
+            <a:xfrm>
+              <a:off x="1219201" y="5369025"/>
+              <a:ext cx="1219200" cy="1219200"/>
+            </a:xfrm>
+            <a:prstGeom prst="rect">
+              <a:avLst/>
+            </a:prstGeom>
+          </p:spPr>
+        </p:pic>
+        <p:pic>
+          <p:nvPicPr>
+            <p:cNvPr id="35" name="Imagen 34"/>
+            <p:cNvPicPr>
+              <a:picLocks noChangeAspect="1"/>
+            </p:cNvPicPr>
+            <p:nvPr/>
+          </p:nvPicPr>
+          <p:blipFill>
+            <a:blip r:embed="rId2">
+              <a:extLst>
+                <a:ext uri="{28A0092B-C50C-407E-A947-70E740481C1C}">
+                  <a14:useLocalDpi xmlns:a14="http://schemas.microsoft.com/office/drawing/2010/main" val="0"/>
+                </a:ext>
+              </a:extLst>
+            </a:blip>
+            <a:stretch>
+              <a:fillRect/>
+            </a:stretch>
+          </p:blipFill>
+          <p:spPr>
+            <a:xfrm>
+              <a:off x="2438401" y="5369025"/>
+              <a:ext cx="1219200" cy="1219200"/>
+            </a:xfrm>
+            <a:prstGeom prst="rect">
+              <a:avLst/>
+            </a:prstGeom>
+          </p:spPr>
+        </p:pic>
+        <p:pic>
+          <p:nvPicPr>
+            <p:cNvPr id="36" name="Imagen 35"/>
+            <p:cNvPicPr>
+              <a:picLocks noChangeAspect="1"/>
+            </p:cNvPicPr>
+            <p:nvPr/>
+          </p:nvPicPr>
+          <p:blipFill>
+            <a:blip r:embed="rId2">
+              <a:extLst>
+                <a:ext uri="{28A0092B-C50C-407E-A947-70E740481C1C}">
+                  <a14:useLocalDpi xmlns:a14="http://schemas.microsoft.com/office/drawing/2010/main" val="0"/>
+                </a:ext>
+              </a:extLst>
+            </a:blip>
+            <a:stretch>
+              <a:fillRect/>
+            </a:stretch>
+          </p:blipFill>
+          <p:spPr>
+            <a:xfrm>
+              <a:off x="3657601" y="5369025"/>
+              <a:ext cx="1219200" cy="1219200"/>
+            </a:xfrm>
+            <a:prstGeom prst="rect">
+              <a:avLst/>
+            </a:prstGeom>
+          </p:spPr>
+        </p:pic>
+        <p:pic>
+          <p:nvPicPr>
+            <p:cNvPr id="37" name="Imagen 36"/>
+            <p:cNvPicPr>
+              <a:picLocks noChangeAspect="1"/>
+            </p:cNvPicPr>
+            <p:nvPr/>
+          </p:nvPicPr>
+          <p:blipFill>
+            <a:blip r:embed="rId2">
+              <a:extLst>
+                <a:ext uri="{28A0092B-C50C-407E-A947-70E740481C1C}">
+                  <a14:useLocalDpi xmlns:a14="http://schemas.microsoft.com/office/drawing/2010/main" val="0"/>
+                </a:ext>
+              </a:extLst>
+            </a:blip>
+            <a:stretch>
+              <a:fillRect/>
+            </a:stretch>
+          </p:blipFill>
+          <p:spPr>
+            <a:xfrm>
+              <a:off x="4876801" y="5369025"/>
+              <a:ext cx="1219200" cy="1219200"/>
+            </a:xfrm>
+            <a:prstGeom prst="rect">
+              <a:avLst/>
+            </a:prstGeom>
+          </p:spPr>
+        </p:pic>
+        <p:pic>
+          <p:nvPicPr>
+            <p:cNvPr id="38" name="Imagen 37"/>
+            <p:cNvPicPr>
+              <a:picLocks noChangeAspect="1"/>
+            </p:cNvPicPr>
+            <p:nvPr/>
+          </p:nvPicPr>
+          <p:blipFill>
+            <a:blip r:embed="rId2">
+              <a:extLst>
+                <a:ext uri="{28A0092B-C50C-407E-A947-70E740481C1C}">
+                  <a14:useLocalDpi xmlns:a14="http://schemas.microsoft.com/office/drawing/2010/main" val="0"/>
+                </a:ext>
+              </a:extLst>
+            </a:blip>
+            <a:stretch>
+              <a:fillRect/>
+            </a:stretch>
+          </p:blipFill>
+          <p:spPr>
+            <a:xfrm>
+              <a:off x="6096001" y="5369025"/>
+              <a:ext cx="1219200" cy="1219200"/>
+            </a:xfrm>
+            <a:prstGeom prst="rect">
+              <a:avLst/>
+            </a:prstGeom>
+          </p:spPr>
+        </p:pic>
+        <p:pic>
+          <p:nvPicPr>
+            <p:cNvPr id="39" name="Imagen 38"/>
+            <p:cNvPicPr>
+              <a:picLocks noChangeAspect="1"/>
+            </p:cNvPicPr>
+            <p:nvPr/>
+          </p:nvPicPr>
+          <p:blipFill>
+            <a:blip r:embed="rId2">
+              <a:extLst>
+                <a:ext uri="{28A0092B-C50C-407E-A947-70E740481C1C}">
+                  <a14:useLocalDpi xmlns:a14="http://schemas.microsoft.com/office/drawing/2010/main" val="0"/>
+                </a:ext>
+              </a:extLst>
+            </a:blip>
+            <a:stretch>
+              <a:fillRect/>
+            </a:stretch>
+          </p:blipFill>
+          <p:spPr>
+            <a:xfrm>
+              <a:off x="7315201" y="5369025"/>
+              <a:ext cx="1219200" cy="1219200"/>
+            </a:xfrm>
+            <a:prstGeom prst="rect">
+              <a:avLst/>
+            </a:prstGeom>
+          </p:spPr>
+        </p:pic>
+        <p:pic>
+          <p:nvPicPr>
+            <p:cNvPr id="44" name="Imagen 43"/>
+            <p:cNvPicPr>
+              <a:picLocks noChangeAspect="1"/>
+            </p:cNvPicPr>
+            <p:nvPr/>
+          </p:nvPicPr>
+          <p:blipFill>
+            <a:blip r:embed="rId2">
+              <a:extLst>
+                <a:ext uri="{28A0092B-C50C-407E-A947-70E740481C1C}">
+                  <a14:useLocalDpi xmlns:a14="http://schemas.microsoft.com/office/drawing/2010/main" val="0"/>
+                </a:ext>
+              </a:extLst>
+            </a:blip>
+            <a:stretch>
+              <a:fillRect/>
+            </a:stretch>
+          </p:blipFill>
+          <p:spPr>
+            <a:xfrm>
+              <a:off x="8534401" y="492225"/>
+              <a:ext cx="1219200" cy="1219200"/>
+            </a:xfrm>
+            <a:prstGeom prst="rect">
+              <a:avLst/>
+            </a:prstGeom>
+          </p:spPr>
+        </p:pic>
+        <p:pic>
+          <p:nvPicPr>
+            <p:cNvPr id="45" name="Imagen 44"/>
+            <p:cNvPicPr>
+              <a:picLocks noChangeAspect="1"/>
+            </p:cNvPicPr>
+            <p:nvPr/>
+          </p:nvPicPr>
+          <p:blipFill>
+            <a:blip r:embed="rId2">
+              <a:extLst>
+                <a:ext uri="{28A0092B-C50C-407E-A947-70E740481C1C}">
+                  <a14:useLocalDpi xmlns:a14="http://schemas.microsoft.com/office/drawing/2010/main" val="0"/>
+                </a:ext>
+              </a:extLst>
+            </a:blip>
+            <a:stretch>
+              <a:fillRect/>
+            </a:stretch>
+          </p:blipFill>
+          <p:spPr>
+            <a:xfrm>
+              <a:off x="8534401" y="1711425"/>
+              <a:ext cx="1219200" cy="1219200"/>
+            </a:xfrm>
+            <a:prstGeom prst="rect">
+              <a:avLst/>
+            </a:prstGeom>
+          </p:spPr>
+        </p:pic>
+        <p:pic>
+          <p:nvPicPr>
+            <p:cNvPr id="46" name="Imagen 45"/>
+            <p:cNvPicPr>
+              <a:picLocks noChangeAspect="1"/>
+            </p:cNvPicPr>
+            <p:nvPr/>
+          </p:nvPicPr>
+          <p:blipFill>
+            <a:blip r:embed="rId2">
+              <a:extLst>
+                <a:ext uri="{28A0092B-C50C-407E-A947-70E740481C1C}">
+                  <a14:useLocalDpi xmlns:a14="http://schemas.microsoft.com/office/drawing/2010/main" val="0"/>
+                </a:ext>
+              </a:extLst>
+            </a:blip>
+            <a:stretch>
+              <a:fillRect/>
+            </a:stretch>
+          </p:blipFill>
+          <p:spPr>
+            <a:xfrm>
+              <a:off x="8534401" y="2930118"/>
+              <a:ext cx="1219200" cy="1219200"/>
+            </a:xfrm>
+            <a:prstGeom prst="rect">
+              <a:avLst/>
+            </a:prstGeom>
+          </p:spPr>
+        </p:pic>
+        <p:pic>
+          <p:nvPicPr>
+            <p:cNvPr id="47" name="Imagen 46"/>
+            <p:cNvPicPr>
+              <a:picLocks noChangeAspect="1"/>
+            </p:cNvPicPr>
+            <p:nvPr/>
+          </p:nvPicPr>
+          <p:blipFill>
+            <a:blip r:embed="rId2">
+              <a:extLst>
+                <a:ext uri="{28A0092B-C50C-407E-A947-70E740481C1C}">
+                  <a14:useLocalDpi xmlns:a14="http://schemas.microsoft.com/office/drawing/2010/main" val="0"/>
+                </a:ext>
+              </a:extLst>
+            </a:blip>
+            <a:stretch>
+              <a:fillRect/>
+            </a:stretch>
+          </p:blipFill>
+          <p:spPr>
+            <a:xfrm>
+              <a:off x="8534401" y="4149825"/>
+              <a:ext cx="1219200" cy="1219200"/>
+            </a:xfrm>
+            <a:prstGeom prst="rect">
+              <a:avLst/>
+            </a:prstGeom>
+          </p:spPr>
+        </p:pic>
+        <p:pic>
+          <p:nvPicPr>
+            <p:cNvPr id="49" name="Imagen 48"/>
+            <p:cNvPicPr>
+              <a:picLocks noChangeAspect="1"/>
+            </p:cNvPicPr>
+            <p:nvPr/>
+          </p:nvPicPr>
+          <p:blipFill>
+            <a:blip r:embed="rId2">
+              <a:extLst>
+                <a:ext uri="{28A0092B-C50C-407E-A947-70E740481C1C}">
+                  <a14:useLocalDpi xmlns:a14="http://schemas.microsoft.com/office/drawing/2010/main" val="0"/>
+                </a:ext>
+              </a:extLst>
+            </a:blip>
+            <a:stretch>
+              <a:fillRect/>
+            </a:stretch>
+          </p:blipFill>
+          <p:spPr>
+            <a:xfrm>
+              <a:off x="8534401" y="5369025"/>
+              <a:ext cx="1219200" cy="1219200"/>
+            </a:xfrm>
+            <a:prstGeom prst="rect">
+              <a:avLst/>
+            </a:prstGeom>
+          </p:spPr>
+        </p:pic>
+        <p:pic>
+          <p:nvPicPr>
+            <p:cNvPr id="50" name="Imagen 49"/>
+            <p:cNvPicPr>
+              <a:picLocks noChangeAspect="1"/>
+            </p:cNvPicPr>
+            <p:nvPr/>
+          </p:nvPicPr>
+          <p:blipFill>
+            <a:blip r:embed="rId2">
+              <a:extLst>
+                <a:ext uri="{28A0092B-C50C-407E-A947-70E740481C1C}">
+                  <a14:useLocalDpi xmlns:a14="http://schemas.microsoft.com/office/drawing/2010/main" val="0"/>
+                </a:ext>
+              </a:extLst>
+            </a:blip>
+            <a:stretch>
+              <a:fillRect/>
+            </a:stretch>
+          </p:blipFill>
+          <p:spPr>
+            <a:xfrm>
+              <a:off x="9753601" y="491718"/>
+              <a:ext cx="1219200" cy="1219200"/>
+            </a:xfrm>
+            <a:prstGeom prst="rect">
+              <a:avLst/>
+            </a:prstGeom>
+          </p:spPr>
+        </p:pic>
+        <p:pic>
+          <p:nvPicPr>
+            <p:cNvPr id="51" name="Imagen 50"/>
+            <p:cNvPicPr>
+              <a:picLocks noChangeAspect="1"/>
+            </p:cNvPicPr>
+            <p:nvPr/>
+          </p:nvPicPr>
+          <p:blipFill>
+            <a:blip r:embed="rId2">
+              <a:extLst>
+                <a:ext uri="{28A0092B-C50C-407E-A947-70E740481C1C}">
+                  <a14:useLocalDpi xmlns:a14="http://schemas.microsoft.com/office/drawing/2010/main" val="0"/>
+                </a:ext>
+              </a:extLst>
+            </a:blip>
+            <a:stretch>
+              <a:fillRect/>
+            </a:stretch>
+          </p:blipFill>
+          <p:spPr>
+            <a:xfrm>
+              <a:off x="9753601" y="1710411"/>
+              <a:ext cx="1219200" cy="1219200"/>
+            </a:xfrm>
+            <a:prstGeom prst="rect">
+              <a:avLst/>
+            </a:prstGeom>
+          </p:spPr>
+        </p:pic>
+        <p:pic>
+          <p:nvPicPr>
+            <p:cNvPr id="53" name="Imagen 52"/>
+            <p:cNvPicPr>
+              <a:picLocks noChangeAspect="1"/>
+            </p:cNvPicPr>
+            <p:nvPr/>
+          </p:nvPicPr>
+          <p:blipFill>
+            <a:blip r:embed="rId2">
+              <a:extLst>
+                <a:ext uri="{28A0092B-C50C-407E-A947-70E740481C1C}">
+                  <a14:useLocalDpi xmlns:a14="http://schemas.microsoft.com/office/drawing/2010/main" val="0"/>
+                </a:ext>
+              </a:extLst>
+            </a:blip>
+            <a:stretch>
+              <a:fillRect/>
+            </a:stretch>
+          </p:blipFill>
+          <p:spPr>
+            <a:xfrm>
+              <a:off x="9753601" y="4149825"/>
+              <a:ext cx="1219200" cy="1219200"/>
+            </a:xfrm>
+            <a:prstGeom prst="rect">
+              <a:avLst/>
+            </a:prstGeom>
+          </p:spPr>
+        </p:pic>
+        <p:pic>
+          <p:nvPicPr>
+            <p:cNvPr id="54" name="Imagen 53"/>
+            <p:cNvPicPr>
+              <a:picLocks noChangeAspect="1"/>
+            </p:cNvPicPr>
+            <p:nvPr/>
+          </p:nvPicPr>
+          <p:blipFill>
+            <a:blip r:embed="rId2">
+              <a:extLst>
+                <a:ext uri="{28A0092B-C50C-407E-A947-70E740481C1C}">
+                  <a14:useLocalDpi xmlns:a14="http://schemas.microsoft.com/office/drawing/2010/main" val="0"/>
+                </a:ext>
+              </a:extLst>
+            </a:blip>
+            <a:stretch>
+              <a:fillRect/>
+            </a:stretch>
+          </p:blipFill>
+          <p:spPr>
+            <a:xfrm>
+              <a:off x="9753601" y="5369025"/>
+              <a:ext cx="1219200" cy="1219200"/>
+            </a:xfrm>
+            <a:prstGeom prst="rect">
+              <a:avLst/>
+            </a:prstGeom>
+          </p:spPr>
+        </p:pic>
+        <p:pic>
+          <p:nvPicPr>
+            <p:cNvPr id="55" name="Imagen 54"/>
+            <p:cNvPicPr>
+              <a:picLocks noChangeAspect="1"/>
+            </p:cNvPicPr>
+            <p:nvPr/>
+          </p:nvPicPr>
+          <p:blipFill>
+            <a:blip r:embed="rId2">
+              <a:extLst>
+                <a:ext uri="{28A0092B-C50C-407E-A947-70E740481C1C}">
+                  <a14:useLocalDpi xmlns:a14="http://schemas.microsoft.com/office/drawing/2010/main" val="0"/>
+                </a:ext>
+              </a:extLst>
+            </a:blip>
+            <a:stretch>
+              <a:fillRect/>
+            </a:stretch>
+          </p:blipFill>
+          <p:spPr>
+            <a:xfrm>
+              <a:off x="10972800" y="495267"/>
+              <a:ext cx="1219200" cy="1219200"/>
+            </a:xfrm>
+            <a:prstGeom prst="rect">
+              <a:avLst/>
+            </a:prstGeom>
+          </p:spPr>
+        </p:pic>
+        <p:pic>
+          <p:nvPicPr>
+            <p:cNvPr id="56" name="Imagen 55"/>
+            <p:cNvPicPr>
+              <a:picLocks noChangeAspect="1"/>
+            </p:cNvPicPr>
+            <p:nvPr/>
+          </p:nvPicPr>
+          <p:blipFill>
+            <a:blip r:embed="rId2">
+              <a:extLst>
+                <a:ext uri="{28A0092B-C50C-407E-A947-70E740481C1C}">
+                  <a14:useLocalDpi xmlns:a14="http://schemas.microsoft.com/office/drawing/2010/main" val="0"/>
+                </a:ext>
+              </a:extLst>
+            </a:blip>
+            <a:stretch>
+              <a:fillRect/>
+            </a:stretch>
+          </p:blipFill>
+          <p:spPr>
+            <a:xfrm>
+              <a:off x="10972799" y="1713960"/>
+              <a:ext cx="1219200" cy="1219200"/>
+            </a:xfrm>
+            <a:prstGeom prst="rect">
+              <a:avLst/>
+            </a:prstGeom>
+          </p:spPr>
+        </p:pic>
+        <p:pic>
+          <p:nvPicPr>
+            <p:cNvPr id="57" name="Imagen 56"/>
+            <p:cNvPicPr>
+              <a:picLocks noChangeAspect="1"/>
+            </p:cNvPicPr>
+            <p:nvPr/>
+          </p:nvPicPr>
+          <p:blipFill>
+            <a:blip r:embed="rId2">
+              <a:extLst>
+                <a:ext uri="{28A0092B-C50C-407E-A947-70E740481C1C}">
+                  <a14:useLocalDpi xmlns:a14="http://schemas.microsoft.com/office/drawing/2010/main" val="0"/>
+                </a:ext>
+              </a:extLst>
+            </a:blip>
+            <a:stretch>
+              <a:fillRect/>
+            </a:stretch>
+          </p:blipFill>
+          <p:spPr>
+            <a:xfrm>
+              <a:off x="10972799" y="2932049"/>
+              <a:ext cx="1219200" cy="1219200"/>
+            </a:xfrm>
+            <a:prstGeom prst="rect">
+              <a:avLst/>
+            </a:prstGeom>
+          </p:spPr>
+        </p:pic>
+        <p:pic>
+          <p:nvPicPr>
+            <p:cNvPr id="58" name="Imagen 57"/>
+            <p:cNvPicPr>
+              <a:picLocks noChangeAspect="1"/>
+            </p:cNvPicPr>
+            <p:nvPr/>
+          </p:nvPicPr>
+          <p:blipFill>
+            <a:blip r:embed="rId2">
+              <a:extLst>
+                <a:ext uri="{28A0092B-C50C-407E-A947-70E740481C1C}">
+                  <a14:useLocalDpi xmlns:a14="http://schemas.microsoft.com/office/drawing/2010/main" val="0"/>
+                </a:ext>
+              </a:extLst>
+            </a:blip>
+            <a:stretch>
+              <a:fillRect/>
+            </a:stretch>
+          </p:blipFill>
+          <p:spPr>
+            <a:xfrm>
+              <a:off x="10972799" y="4150839"/>
+              <a:ext cx="1219200" cy="1219200"/>
+            </a:xfrm>
+            <a:prstGeom prst="rect">
+              <a:avLst/>
+            </a:prstGeom>
+          </p:spPr>
+        </p:pic>
+        <p:pic>
+          <p:nvPicPr>
+            <p:cNvPr id="59" name="Imagen 58"/>
+            <p:cNvPicPr>
+              <a:picLocks noChangeAspect="1"/>
+            </p:cNvPicPr>
+            <p:nvPr/>
+          </p:nvPicPr>
+          <p:blipFill>
+            <a:blip r:embed="rId2">
+              <a:extLst>
+                <a:ext uri="{28A0092B-C50C-407E-A947-70E740481C1C}">
+                  <a14:useLocalDpi xmlns:a14="http://schemas.microsoft.com/office/drawing/2010/main" val="0"/>
+                </a:ext>
+              </a:extLst>
+            </a:blip>
+            <a:stretch>
+              <a:fillRect/>
+            </a:stretch>
+          </p:blipFill>
+          <p:spPr>
+            <a:xfrm>
+              <a:off x="10972800" y="5369025"/>
+              <a:ext cx="1219200" cy="1219200"/>
+            </a:xfrm>
+            <a:prstGeom prst="rect">
+              <a:avLst/>
+            </a:prstGeom>
+          </p:spPr>
+        </p:pic>
+        <p:pic>
+          <p:nvPicPr>
+            <p:cNvPr id="67" name="Imagen 66"/>
+            <p:cNvPicPr>
+              <a:picLocks noChangeAspect="1"/>
+            </p:cNvPicPr>
+            <p:nvPr/>
+          </p:nvPicPr>
+          <p:blipFill>
+            <a:blip r:embed="rId2">
+              <a:extLst>
+                <a:ext uri="{28A0092B-C50C-407E-A947-70E740481C1C}">
+                  <a14:useLocalDpi xmlns:a14="http://schemas.microsoft.com/office/drawing/2010/main" val="0"/>
+                </a:ext>
+              </a:extLst>
+            </a:blip>
+            <a:stretch>
+              <a:fillRect/>
+            </a:stretch>
+          </p:blipFill>
+          <p:spPr>
+            <a:xfrm>
+              <a:off x="0" y="487769"/>
+              <a:ext cx="1219200" cy="1219200"/>
+            </a:xfrm>
+            <a:prstGeom prst="rect">
+              <a:avLst/>
+            </a:prstGeom>
+          </p:spPr>
+        </p:pic>
+        <p:pic>
+          <p:nvPicPr>
+            <p:cNvPr id="68" name="Imagen 67"/>
+            <p:cNvPicPr>
+              <a:picLocks noChangeAspect="1"/>
+            </p:cNvPicPr>
+            <p:nvPr/>
+          </p:nvPicPr>
+          <p:blipFill>
+            <a:blip r:embed="rId2">
+              <a:extLst>
+                <a:ext uri="{28A0092B-C50C-407E-A947-70E740481C1C}">
+                  <a14:useLocalDpi xmlns:a14="http://schemas.microsoft.com/office/drawing/2010/main" val="0"/>
+                </a:ext>
+              </a:extLst>
+            </a:blip>
+            <a:stretch>
+              <a:fillRect/>
+            </a:stretch>
+          </p:blipFill>
+          <p:spPr>
+            <a:xfrm>
+              <a:off x="0" y="1706969"/>
+              <a:ext cx="1219200" cy="1219200"/>
+            </a:xfrm>
+            <a:prstGeom prst="rect">
+              <a:avLst/>
+            </a:prstGeom>
+          </p:spPr>
+        </p:pic>
+        <p:pic>
+          <p:nvPicPr>
+            <p:cNvPr id="69" name="Imagen 68"/>
+            <p:cNvPicPr>
+              <a:picLocks noChangeAspect="1"/>
+            </p:cNvPicPr>
+            <p:nvPr/>
+          </p:nvPicPr>
+          <p:blipFill>
+            <a:blip r:embed="rId2">
+              <a:extLst>
+                <a:ext uri="{28A0092B-C50C-407E-A947-70E740481C1C}">
+                  <a14:useLocalDpi xmlns:a14="http://schemas.microsoft.com/office/drawing/2010/main" val="0"/>
+                </a:ext>
+              </a:extLst>
+            </a:blip>
+            <a:stretch>
+              <a:fillRect/>
+            </a:stretch>
+          </p:blipFill>
+          <p:spPr>
+            <a:xfrm>
+              <a:off x="0" y="2926169"/>
+              <a:ext cx="1219200" cy="1219200"/>
+            </a:xfrm>
+            <a:prstGeom prst="rect">
+              <a:avLst/>
+            </a:prstGeom>
+          </p:spPr>
+        </p:pic>
+        <p:pic>
+          <p:nvPicPr>
+            <p:cNvPr id="70" name="Imagen 69"/>
+            <p:cNvPicPr>
+              <a:picLocks noChangeAspect="1"/>
+            </p:cNvPicPr>
+            <p:nvPr/>
+          </p:nvPicPr>
+          <p:blipFill>
+            <a:blip r:embed="rId2">
+              <a:extLst>
+                <a:ext uri="{28A0092B-C50C-407E-A947-70E740481C1C}">
+                  <a14:useLocalDpi xmlns:a14="http://schemas.microsoft.com/office/drawing/2010/main" val="0"/>
+                </a:ext>
+              </a:extLst>
+            </a:blip>
+            <a:stretch>
+              <a:fillRect/>
+            </a:stretch>
+          </p:blipFill>
+          <p:spPr>
+            <a:xfrm>
+              <a:off x="0" y="4145369"/>
+              <a:ext cx="1219200" cy="1219200"/>
+            </a:xfrm>
+            <a:prstGeom prst="rect">
+              <a:avLst/>
+            </a:prstGeom>
+          </p:spPr>
+        </p:pic>
+        <p:pic>
+          <p:nvPicPr>
+            <p:cNvPr id="71" name="Imagen 70"/>
+            <p:cNvPicPr>
+              <a:picLocks noChangeAspect="1"/>
+            </p:cNvPicPr>
+            <p:nvPr/>
+          </p:nvPicPr>
+          <p:blipFill>
+            <a:blip r:embed="rId2">
+              <a:extLst>
+                <a:ext uri="{28A0092B-C50C-407E-A947-70E740481C1C}">
+                  <a14:useLocalDpi xmlns:a14="http://schemas.microsoft.com/office/drawing/2010/main" val="0"/>
+                </a:ext>
+              </a:extLst>
+            </a:blip>
+            <a:stretch>
+              <a:fillRect/>
+            </a:stretch>
+          </p:blipFill>
+          <p:spPr>
+            <a:xfrm>
+              <a:off x="0" y="5364569"/>
+              <a:ext cx="1219200" cy="1219200"/>
+            </a:xfrm>
+            <a:prstGeom prst="rect">
+              <a:avLst/>
+            </a:prstGeom>
+          </p:spPr>
+        </p:pic>
+        <p:sp>
+          <p:nvSpPr>
+            <p:cNvPr id="33" name="Rectángulo 32"/>
+            <p:cNvSpPr/>
+            <p:nvPr/>
+          </p:nvSpPr>
+          <p:spPr>
+            <a:xfrm>
+              <a:off x="5347427" y="602415"/>
+              <a:ext cx="3867797" cy="1107996"/>
+            </a:xfrm>
+            <a:prstGeom prst="rect">
+              <a:avLst/>
+            </a:prstGeom>
+            <a:noFill/>
+          </p:spPr>
+          <p:txBody>
+            <a:bodyPr wrap="square" lIns="91440" tIns="45720" rIns="91440" bIns="45720">
+              <a:spAutoFit/>
+            </a:bodyPr>
+            <a:lstStyle/>
+            <a:p>
+              <a:pPr algn="ctr"/>
+              <a:r>
+                <a:rPr lang="es-ES" sz="6600" b="1" dirty="0">
+                  <a:ln w="12700">
+                    <a:solidFill>
+                      <a:schemeClr val="tx1">
+                        <a:lumMod val="95000"/>
+                        <a:lumOff val="5000"/>
+                      </a:schemeClr>
+                    </a:solidFill>
+                    <a:prstDash val="solid"/>
+                  </a:ln>
+                  <a:solidFill>
+                    <a:schemeClr val="tx1">
+                      <a:lumMod val="75000"/>
+                      <a:lumOff val="25000"/>
+                    </a:schemeClr>
+                  </a:solidFill>
+                  <a:effectLst>
+                    <a:outerShdw dist="38100" dir="2640000" algn="bl" rotWithShape="0">
+                      <a:schemeClr val="tx2">
+                        <a:lumMod val="75000"/>
+                      </a:schemeClr>
+                    </a:outerShdw>
+                  </a:effectLst>
+                  <a:latin typeface="AR CHRISTY" panose="02000000000000000000" pitchFamily="2" charset="0"/>
+                </a:rPr>
+                <a:t>Store</a:t>
+              </a:r>
+            </a:p>
+          </p:txBody>
+        </p:sp>
+        <p:grpSp>
+          <p:nvGrpSpPr>
+            <p:cNvPr id="17" name="Grupo 16"/>
+            <p:cNvGrpSpPr/>
+            <p:nvPr/>
+          </p:nvGrpSpPr>
+          <p:grpSpPr>
+            <a:xfrm>
+              <a:off x="9144001" y="605703"/>
+              <a:ext cx="2911686" cy="2044117"/>
+              <a:chOff x="937048" y="1523721"/>
+              <a:chExt cx="2911686" cy="2044117"/>
+            </a:xfrm>
+          </p:grpSpPr>
+          <p:pic>
+            <p:nvPicPr>
+              <p:cNvPr id="3" name="Imagen 2"/>
+              <p:cNvPicPr>
+                <a:picLocks noChangeAspect="1"/>
+              </p:cNvPicPr>
+              <p:nvPr/>
+            </p:nvPicPr>
+            <p:blipFill>
+              <a:blip r:embed="rId3">
+                <a:extLst>
+                  <a:ext uri="{28A0092B-C50C-407E-A947-70E740481C1C}">
+                    <a14:useLocalDpi xmlns:a14="http://schemas.microsoft.com/office/drawing/2010/main" val="0"/>
+                  </a:ext>
+                </a:extLst>
+              </a:blip>
+              <a:stretch>
+                <a:fillRect/>
+              </a:stretch>
+            </p:blipFill>
+            <p:spPr>
+              <a:xfrm>
+                <a:off x="937048" y="1754327"/>
+                <a:ext cx="1313392" cy="1434010"/>
+              </a:xfrm>
+              <a:prstGeom prst="rect">
+                <a:avLst/>
+              </a:prstGeom>
+            </p:spPr>
+          </p:pic>
+          <p:pic>
+            <p:nvPicPr>
+              <p:cNvPr id="41" name="Imagen 40"/>
+              <p:cNvPicPr>
+                <a:picLocks noChangeAspect="1"/>
+              </p:cNvPicPr>
+              <p:nvPr/>
+            </p:nvPicPr>
+            <p:blipFill>
+              <a:blip r:embed="rId3">
+                <a:extLst>
+                  <a:ext uri="{28A0092B-C50C-407E-A947-70E740481C1C}">
+                    <a14:useLocalDpi xmlns:a14="http://schemas.microsoft.com/office/drawing/2010/main" val="0"/>
+                  </a:ext>
+                </a:extLst>
+              </a:blip>
+              <a:stretch>
+                <a:fillRect/>
+              </a:stretch>
+            </p:blipFill>
+            <p:spPr>
+              <a:xfrm>
+                <a:off x="1925742" y="1523721"/>
+                <a:ext cx="1313392" cy="1434010"/>
+              </a:xfrm>
+              <a:prstGeom prst="rect">
+                <a:avLst/>
+              </a:prstGeom>
+            </p:spPr>
+          </p:pic>
+          <p:pic>
+            <p:nvPicPr>
+              <p:cNvPr id="42" name="Imagen 41"/>
+              <p:cNvPicPr>
+                <a:picLocks noChangeAspect="1"/>
+              </p:cNvPicPr>
+              <p:nvPr/>
+            </p:nvPicPr>
+            <p:blipFill>
+              <a:blip r:embed="rId3">
+                <a:extLst>
+                  <a:ext uri="{28A0092B-C50C-407E-A947-70E740481C1C}">
+                    <a14:useLocalDpi xmlns:a14="http://schemas.microsoft.com/office/drawing/2010/main" val="0"/>
+                  </a:ext>
+                </a:extLst>
+              </a:blip>
+              <a:stretch>
+                <a:fillRect/>
+              </a:stretch>
+            </p:blipFill>
+            <p:spPr>
+              <a:xfrm>
+                <a:off x="2535342" y="2133828"/>
+                <a:ext cx="1313392" cy="1434010"/>
+              </a:xfrm>
+              <a:prstGeom prst="rect">
+                <a:avLst/>
+              </a:prstGeom>
+            </p:spPr>
+          </p:pic>
+          <p:pic>
+            <p:nvPicPr>
+              <p:cNvPr id="43" name="Imagen 42"/>
+              <p:cNvPicPr>
+                <a:picLocks noChangeAspect="1"/>
+              </p:cNvPicPr>
+              <p:nvPr/>
+            </p:nvPicPr>
+            <p:blipFill>
+              <a:blip r:embed="rId4">
+                <a:extLst>
+                  <a:ext uri="{28A0092B-C50C-407E-A947-70E740481C1C}">
+                    <a14:useLocalDpi xmlns:a14="http://schemas.microsoft.com/office/drawing/2010/main" val="0"/>
+                  </a:ext>
+                </a:extLst>
+              </a:blip>
+              <a:stretch>
+                <a:fillRect/>
+              </a:stretch>
+            </p:blipFill>
+            <p:spPr>
+              <a:xfrm>
+                <a:off x="1624544" y="2354919"/>
+                <a:ext cx="1175174" cy="1175174"/>
+              </a:xfrm>
+              <a:prstGeom prst="rect">
+                <a:avLst/>
+              </a:prstGeom>
+            </p:spPr>
+          </p:pic>
+        </p:grpSp>
+        <p:sp>
+          <p:nvSpPr>
+            <p:cNvPr id="40" name="Rectángulo 39"/>
+            <p:cNvSpPr/>
+            <p:nvPr/>
+          </p:nvSpPr>
+          <p:spPr>
+            <a:xfrm>
+              <a:off x="8763131" y="803459"/>
+              <a:ext cx="2739812" cy="707886"/>
+            </a:xfrm>
+            <a:prstGeom prst="rect">
+              <a:avLst/>
+            </a:prstGeom>
+            <a:noFill/>
+          </p:spPr>
+          <p:txBody>
+            <a:bodyPr wrap="square" lIns="91440" tIns="45720" rIns="91440" bIns="45720">
+              <a:spAutoFit/>
+            </a:bodyPr>
+            <a:lstStyle/>
+            <a:p>
+              <a:pPr algn="ctr"/>
+              <a:r>
+                <a:rPr lang="es-ES" sz="3600" b="1" dirty="0">
+                  <a:ln w="12700">
+                    <a:solidFill>
+                      <a:schemeClr val="tx1">
+                        <a:lumMod val="95000"/>
+                        <a:lumOff val="5000"/>
+                      </a:schemeClr>
+                    </a:solidFill>
+                    <a:prstDash val="solid"/>
+                  </a:ln>
+                  <a:solidFill>
+                    <a:schemeClr val="tx1">
+                      <a:lumMod val="75000"/>
+                      <a:lumOff val="25000"/>
+                    </a:schemeClr>
+                  </a:solidFill>
+                  <a:effectLst>
+                    <a:outerShdw dist="38100" dir="2640000" algn="bl" rotWithShape="0">
+                      <a:schemeClr val="tx2">
+                        <a:lumMod val="75000"/>
+                      </a:schemeClr>
+                    </a:outerShdw>
+                  </a:effectLst>
+                  <a:latin typeface="AR CHRISTY" panose="02000000000000000000" pitchFamily="2" charset="0"/>
+                </a:rPr>
+                <a:t>Your score</a:t>
+              </a:r>
+              <a:r>
+                <a:rPr lang="es-ES" sz="4000" b="1" dirty="0">
+                  <a:ln w="12700">
+                    <a:solidFill>
+                      <a:schemeClr val="tx1">
+                        <a:lumMod val="95000"/>
+                        <a:lumOff val="5000"/>
+                      </a:schemeClr>
+                    </a:solidFill>
+                    <a:prstDash val="solid"/>
+                  </a:ln>
+                  <a:solidFill>
+                    <a:schemeClr val="tx1">
+                      <a:lumMod val="75000"/>
+                      <a:lumOff val="25000"/>
+                    </a:schemeClr>
+                  </a:solidFill>
+                  <a:effectLst>
+                    <a:outerShdw dist="38100" dir="2640000" algn="bl" rotWithShape="0">
+                      <a:schemeClr val="tx2">
+                        <a:lumMod val="75000"/>
+                      </a:schemeClr>
+                    </a:outerShdw>
+                  </a:effectLst>
+                  <a:latin typeface="AR CHRISTY" panose="02000000000000000000" pitchFamily="2" charset="0"/>
+                </a:rPr>
+                <a:t>:</a:t>
+              </a:r>
+            </a:p>
+          </p:txBody>
+        </p:sp>
+        <p:sp>
+          <p:nvSpPr>
+            <p:cNvPr id="24" name="Rectángulo 23"/>
+            <p:cNvSpPr/>
+            <p:nvPr/>
+          </p:nvSpPr>
+          <p:spPr>
+            <a:xfrm>
+              <a:off x="10096498" y="1635775"/>
+              <a:ext cx="1752600" cy="731223"/>
+            </a:xfrm>
+            <a:prstGeom prst="rect">
+              <a:avLst/>
+            </a:prstGeom>
+            <a:solidFill>
+              <a:srgbClr val="68BB68"/>
+            </a:solidFill>
+            <a:ln>
+              <a:noFill/>
+            </a:ln>
+            <a:effectLst>
+              <a:softEdge rad="63500"/>
+            </a:effectLst>
+          </p:spPr>
+          <p:style>
+            <a:lnRef idx="3">
+              <a:schemeClr val="lt1"/>
+            </a:lnRef>
+            <a:fillRef idx="1">
+              <a:schemeClr val="accent6"/>
+            </a:fillRef>
+            <a:effectRef idx="1">
+              <a:schemeClr val="accent6"/>
+            </a:effectRef>
+            <a:fontRef idx="minor">
+              <a:schemeClr val="lt1"/>
+            </a:fontRef>
+          </p:style>
+          <p:txBody>
+            <a:bodyPr rtlCol="0" anchor="ctr"/>
+            <a:lstStyle/>
+            <a:p>
+              <a:pPr algn="ctr"/>
+              <a:endParaRPr lang="es-CL"/>
+            </a:p>
+          </p:txBody>
+        </p:sp>
+        <p:sp>
+          <p:nvSpPr>
+            <p:cNvPr id="60" name="Rectángulo: esquinas redondeadas 59"/>
+            <p:cNvSpPr/>
+            <p:nvPr/>
+          </p:nvSpPr>
+          <p:spPr>
+            <a:xfrm>
+              <a:off x="758925" y="803459"/>
+              <a:ext cx="4523556" cy="5491463"/>
+            </a:xfrm>
+            <a:prstGeom prst="roundRect">
+              <a:avLst/>
+            </a:prstGeom>
+            <a:noFill/>
+            <a:ln w="76200">
+              <a:solidFill>
+                <a:srgbClr val="585858"/>
+              </a:solidFill>
+            </a:ln>
+          </p:spPr>
+          <p:style>
+            <a:lnRef idx="2">
+              <a:schemeClr val="accent1">
+                <a:shade val="50000"/>
+              </a:schemeClr>
+            </a:lnRef>
+            <a:fillRef idx="1">
+              <a:schemeClr val="accent1"/>
+            </a:fillRef>
+            <a:effectRef idx="0">
+              <a:schemeClr val="accent1"/>
+            </a:effectRef>
+            <a:fontRef idx="minor">
+              <a:schemeClr val="lt1"/>
+            </a:fontRef>
+          </p:style>
+          <p:txBody>
+            <a:bodyPr rtlCol="0" anchor="ctr"/>
+            <a:lstStyle/>
+            <a:p>
+              <a:pPr algn="ctr"/>
+              <a:endParaRPr lang="es-CL"/>
+            </a:p>
+          </p:txBody>
+        </p:sp>
+        <p:sp>
+          <p:nvSpPr>
+            <p:cNvPr id="61" name="Rectángulo 60"/>
+            <p:cNvSpPr/>
+            <p:nvPr/>
+          </p:nvSpPr>
+          <p:spPr>
+            <a:xfrm rot="16200000">
+              <a:off x="-777014" y="4200424"/>
+              <a:ext cx="2812939" cy="769441"/>
+            </a:xfrm>
+            <a:prstGeom prst="rect">
+              <a:avLst/>
+            </a:prstGeom>
+            <a:noFill/>
+          </p:spPr>
+          <p:txBody>
+            <a:bodyPr wrap="square" lIns="91440" tIns="45720" rIns="91440" bIns="45720">
+              <a:spAutoFit/>
+            </a:bodyPr>
+            <a:lstStyle/>
+            <a:p>
+              <a:pPr algn="ctr"/>
+              <a:r>
+                <a:rPr lang="es-ES" sz="4400" b="1" dirty="0">
+                  <a:ln w="12700">
+                    <a:solidFill>
+                      <a:schemeClr val="tx1">
+                        <a:lumMod val="95000"/>
+                        <a:lumOff val="5000"/>
+                      </a:schemeClr>
+                    </a:solidFill>
+                    <a:prstDash val="solid"/>
+                  </a:ln>
+                  <a:solidFill>
+                    <a:schemeClr val="tx1">
+                      <a:lumMod val="75000"/>
+                      <a:lumOff val="25000"/>
+                    </a:schemeClr>
+                  </a:solidFill>
+                  <a:effectLst>
+                    <a:outerShdw dist="38100" dir="2640000" algn="bl" rotWithShape="0">
+                      <a:schemeClr val="tx2">
+                        <a:lumMod val="75000"/>
+                      </a:schemeClr>
+                    </a:outerShdw>
+                  </a:effectLst>
+                  <a:latin typeface="AR CHRISTY" panose="02000000000000000000" pitchFamily="2" charset="0"/>
+                </a:rPr>
+                <a:t>Power-ups</a:t>
+              </a:r>
+            </a:p>
+          </p:txBody>
+        </p:sp>
+        <p:pic>
+          <p:nvPicPr>
+            <p:cNvPr id="73" name="Imagen 72"/>
+            <p:cNvPicPr>
+              <a:picLocks noChangeAspect="1"/>
+            </p:cNvPicPr>
+            <p:nvPr/>
+          </p:nvPicPr>
+          <p:blipFill>
+            <a:blip r:embed="rId5">
+              <a:extLst>
+                <a:ext uri="{28A0092B-C50C-407E-A947-70E740481C1C}">
+                  <a14:useLocalDpi xmlns:a14="http://schemas.microsoft.com/office/drawing/2010/main" val="0"/>
+                </a:ext>
+              </a:extLst>
+            </a:blip>
+            <a:stretch>
+              <a:fillRect/>
+            </a:stretch>
+          </p:blipFill>
+          <p:spPr>
+            <a:xfrm>
+              <a:off x="2409417" y="2480631"/>
+              <a:ext cx="317647" cy="540000"/>
+            </a:xfrm>
+            <a:prstGeom prst="rect">
+              <a:avLst/>
+            </a:prstGeom>
+          </p:spPr>
+        </p:pic>
+        <p:pic>
+          <p:nvPicPr>
+            <p:cNvPr id="74" name="Imagen 73"/>
+            <p:cNvPicPr>
+              <a:picLocks noChangeAspect="1"/>
+            </p:cNvPicPr>
+            <p:nvPr/>
+          </p:nvPicPr>
+          <p:blipFill>
+            <a:blip r:embed="rId6">
+              <a:extLst>
+                <a:ext uri="{28A0092B-C50C-407E-A947-70E740481C1C}">
+                  <a14:useLocalDpi xmlns:a14="http://schemas.microsoft.com/office/drawing/2010/main" val="0"/>
+                </a:ext>
+              </a:extLst>
+            </a:blip>
+            <a:stretch>
+              <a:fillRect/>
+            </a:stretch>
+          </p:blipFill>
+          <p:spPr>
+            <a:xfrm>
+              <a:off x="2409416" y="3364887"/>
+              <a:ext cx="317648" cy="540000"/>
+            </a:xfrm>
+            <a:prstGeom prst="rect">
+              <a:avLst/>
+            </a:prstGeom>
+          </p:spPr>
+        </p:pic>
+        <p:pic>
+          <p:nvPicPr>
+            <p:cNvPr id="75" name="Imagen 74"/>
+            <p:cNvPicPr>
+              <a:picLocks noChangeAspect="1"/>
+            </p:cNvPicPr>
+            <p:nvPr/>
+          </p:nvPicPr>
+          <p:blipFill>
+            <a:blip r:embed="rId7">
+              <a:extLst>
+                <a:ext uri="{28A0092B-C50C-407E-A947-70E740481C1C}">
+                  <a14:useLocalDpi xmlns:a14="http://schemas.microsoft.com/office/drawing/2010/main" val="0"/>
+                </a:ext>
+              </a:extLst>
+            </a:blip>
+            <a:stretch>
+              <a:fillRect/>
+            </a:stretch>
+          </p:blipFill>
+          <p:spPr>
+            <a:xfrm>
+              <a:off x="2409417" y="4346149"/>
+              <a:ext cx="317647" cy="540000"/>
+            </a:xfrm>
+            <a:prstGeom prst="rect">
+              <a:avLst/>
+            </a:prstGeom>
+          </p:spPr>
+        </p:pic>
+        <p:pic>
+          <p:nvPicPr>
+            <p:cNvPr id="76" name="Imagen 75"/>
+            <p:cNvPicPr>
+              <a:picLocks noChangeAspect="1"/>
+            </p:cNvPicPr>
+            <p:nvPr/>
+          </p:nvPicPr>
+          <p:blipFill>
+            <a:blip r:embed="rId8">
+              <a:extLst>
+                <a:ext uri="{28A0092B-C50C-407E-A947-70E740481C1C}">
+                  <a14:useLocalDpi xmlns:a14="http://schemas.microsoft.com/office/drawing/2010/main" val="0"/>
+                </a:ext>
+              </a:extLst>
+            </a:blip>
+            <a:stretch>
+              <a:fillRect/>
+            </a:stretch>
+          </p:blipFill>
+          <p:spPr>
+            <a:xfrm>
+              <a:off x="2214715" y="965999"/>
+              <a:ext cx="720000" cy="720000"/>
+            </a:xfrm>
+            <a:prstGeom prst="rect">
+              <a:avLst/>
+            </a:prstGeom>
+          </p:spPr>
+        </p:pic>
+        <p:sp>
+          <p:nvSpPr>
+            <p:cNvPr id="77" name="CuadroTexto 76"/>
+            <p:cNvSpPr txBox="1"/>
+            <p:nvPr/>
+          </p:nvSpPr>
+          <p:spPr>
+            <a:xfrm>
+              <a:off x="3093384" y="1159295"/>
+              <a:ext cx="2189097" cy="523220"/>
+            </a:xfrm>
+            <a:prstGeom prst="rect">
+              <a:avLst/>
+            </a:prstGeom>
+            <a:noFill/>
+          </p:spPr>
+          <p:txBody>
+            <a:bodyPr wrap="square" rtlCol="0">
+              <a:spAutoFit/>
+            </a:bodyPr>
+            <a:lstStyle/>
+            <a:p>
+              <a:r>
+                <a:rPr lang="es-CL" sz="2800" dirty="0">
+                  <a:latin typeface="AR CHRISTY" panose="02000000000000000000" pitchFamily="2" charset="0"/>
+                </a:rPr>
+                <a:t>Bomba </a:t>
+              </a:r>
+              <a:r>
+                <a:rPr lang="es-CL" dirty="0">
+                  <a:latin typeface="AR CHRISTY" panose="02000000000000000000" pitchFamily="2" charset="0"/>
+                </a:rPr>
+                <a:t>(50 </a:t>
+              </a:r>
+              <a:r>
+                <a:rPr lang="es-CL" dirty="0" err="1">
+                  <a:latin typeface="AR CHRISTY" panose="02000000000000000000" pitchFamily="2" charset="0"/>
+                </a:rPr>
+                <a:t>pts</a:t>
+              </a:r>
+              <a:r>
+                <a:rPr lang="es-CL" dirty="0">
+                  <a:latin typeface="AR CHRISTY" panose="02000000000000000000" pitchFamily="2" charset="0"/>
+                </a:rPr>
+                <a:t>)</a:t>
+              </a:r>
+              <a:endParaRPr lang="es-CL" sz="2800" dirty="0">
+                <a:ln w="0"/>
+                <a:effectLst>
+                  <a:outerShdw blurRad="38100" dist="19050" dir="2700000" algn="tl" rotWithShape="0">
+                    <a:schemeClr val="dk1">
+                      <a:alpha val="40000"/>
+                    </a:schemeClr>
+                  </a:outerShdw>
+                </a:effectLst>
+                <a:latin typeface="AR CHRISTY" panose="02000000000000000000" pitchFamily="2" charset="0"/>
+              </a:endParaRPr>
+            </a:p>
+          </p:txBody>
+        </p:sp>
+        <p:sp>
+          <p:nvSpPr>
+            <p:cNvPr id="78" name="CuadroTexto 77"/>
+            <p:cNvSpPr txBox="1"/>
+            <p:nvPr/>
+          </p:nvSpPr>
+          <p:spPr>
+            <a:xfrm>
+              <a:off x="3075287" y="2437992"/>
+              <a:ext cx="2189097" cy="800219"/>
+            </a:xfrm>
+            <a:prstGeom prst="rect">
+              <a:avLst/>
+            </a:prstGeom>
+            <a:noFill/>
+          </p:spPr>
+          <p:txBody>
+            <a:bodyPr wrap="square" rtlCol="0">
+              <a:spAutoFit/>
+            </a:bodyPr>
+            <a:lstStyle/>
+            <a:p>
+              <a:r>
+                <a:rPr lang="es-CL" sz="2800" dirty="0">
+                  <a:latin typeface="AR CHRISTY" panose="02000000000000000000" pitchFamily="2" charset="0"/>
+                </a:rPr>
+                <a:t>Explosiva   </a:t>
+              </a:r>
+              <a:r>
+                <a:rPr lang="es-CL" dirty="0">
+                  <a:latin typeface="AR CHRISTY" panose="02000000000000000000" pitchFamily="2" charset="0"/>
+                </a:rPr>
+                <a:t>(20 </a:t>
+              </a:r>
+              <a:r>
+                <a:rPr lang="es-CL" dirty="0" err="1">
+                  <a:latin typeface="AR CHRISTY" panose="02000000000000000000" pitchFamily="2" charset="0"/>
+                </a:rPr>
+                <a:t>pts</a:t>
+              </a:r>
+              <a:r>
+                <a:rPr lang="es-CL" dirty="0">
+                  <a:latin typeface="AR CHRISTY" panose="02000000000000000000" pitchFamily="2" charset="0"/>
+                </a:rPr>
+                <a:t>)</a:t>
+              </a:r>
+              <a:endParaRPr lang="es-CL" sz="2800" dirty="0">
+                <a:ln w="0"/>
+                <a:effectLst>
+                  <a:outerShdw blurRad="38100" dist="19050" dir="2700000" algn="tl" rotWithShape="0">
+                    <a:schemeClr val="dk1">
+                      <a:alpha val="40000"/>
+                    </a:schemeClr>
+                  </a:outerShdw>
+                </a:effectLst>
+                <a:latin typeface="AR CHRISTY" panose="02000000000000000000" pitchFamily="2" charset="0"/>
+              </a:endParaRPr>
+            </a:p>
+          </p:txBody>
+        </p:sp>
+        <p:sp>
+          <p:nvSpPr>
+            <p:cNvPr id="79" name="CuadroTexto 78"/>
+            <p:cNvSpPr txBox="1"/>
+            <p:nvPr/>
+          </p:nvSpPr>
+          <p:spPr>
+            <a:xfrm>
+              <a:off x="3075287" y="3391280"/>
+              <a:ext cx="2189097" cy="800219"/>
+            </a:xfrm>
+            <a:prstGeom prst="rect">
+              <a:avLst/>
+            </a:prstGeom>
+            <a:noFill/>
+          </p:spPr>
+          <p:txBody>
+            <a:bodyPr wrap="square" rtlCol="0">
+              <a:spAutoFit/>
+            </a:bodyPr>
+            <a:lstStyle/>
+            <a:p>
+              <a:r>
+                <a:rPr lang="es-CL" sz="2800" dirty="0">
+                  <a:latin typeface="AR CHRISTY" panose="02000000000000000000" pitchFamily="2" charset="0"/>
+                </a:rPr>
+                <a:t>Penetrante </a:t>
+              </a:r>
+              <a:r>
+                <a:rPr lang="es-CL" dirty="0">
+                  <a:latin typeface="AR CHRISTY" panose="02000000000000000000" pitchFamily="2" charset="0"/>
+                </a:rPr>
+                <a:t>(50 </a:t>
+              </a:r>
+              <a:r>
+                <a:rPr lang="es-CL" dirty="0" err="1">
+                  <a:latin typeface="AR CHRISTY" panose="02000000000000000000" pitchFamily="2" charset="0"/>
+                </a:rPr>
+                <a:t>pts</a:t>
+              </a:r>
+              <a:r>
+                <a:rPr lang="es-CL" dirty="0">
+                  <a:latin typeface="AR CHRISTY" panose="02000000000000000000" pitchFamily="2" charset="0"/>
+                </a:rPr>
+                <a:t>)</a:t>
+              </a:r>
+              <a:endParaRPr lang="es-CL" sz="2800" dirty="0">
+                <a:ln w="0"/>
+                <a:effectLst>
+                  <a:outerShdw blurRad="38100" dist="19050" dir="2700000" algn="tl" rotWithShape="0">
+                    <a:schemeClr val="dk1">
+                      <a:alpha val="40000"/>
+                    </a:schemeClr>
+                  </a:outerShdw>
+                </a:effectLst>
+                <a:latin typeface="AR CHRISTY" panose="02000000000000000000" pitchFamily="2" charset="0"/>
+              </a:endParaRPr>
+            </a:p>
+          </p:txBody>
+        </p:sp>
+        <p:sp>
+          <p:nvSpPr>
+            <p:cNvPr id="80" name="CuadroTexto 79"/>
+            <p:cNvSpPr txBox="1"/>
+            <p:nvPr/>
+          </p:nvSpPr>
+          <p:spPr>
+            <a:xfrm>
+              <a:off x="3046325" y="4362929"/>
+              <a:ext cx="2189097" cy="800219"/>
+            </a:xfrm>
+            <a:prstGeom prst="rect">
+              <a:avLst/>
+            </a:prstGeom>
+            <a:noFill/>
+          </p:spPr>
+          <p:txBody>
+            <a:bodyPr wrap="square" rtlCol="0">
+              <a:spAutoFit/>
+            </a:bodyPr>
+            <a:lstStyle/>
+            <a:p>
+              <a:r>
+                <a:rPr lang="es-CL" sz="2800" dirty="0" err="1">
+                  <a:latin typeface="AR CHRISTY" panose="02000000000000000000" pitchFamily="2" charset="0"/>
+                </a:rPr>
+                <a:t>Ralentizante</a:t>
+              </a:r>
+              <a:r>
+                <a:rPr lang="es-CL" sz="2800" dirty="0">
+                  <a:latin typeface="AR CHRISTY" panose="02000000000000000000" pitchFamily="2" charset="0"/>
+                </a:rPr>
+                <a:t> </a:t>
+              </a:r>
+              <a:r>
+                <a:rPr lang="es-CL" dirty="0">
+                  <a:latin typeface="AR CHRISTY" panose="02000000000000000000" pitchFamily="2" charset="0"/>
+                </a:rPr>
+                <a:t>(60 </a:t>
+              </a:r>
+              <a:r>
+                <a:rPr lang="es-CL" dirty="0" err="1">
+                  <a:latin typeface="AR CHRISTY" panose="02000000000000000000" pitchFamily="2" charset="0"/>
+                </a:rPr>
+                <a:t>pts</a:t>
+              </a:r>
+              <a:r>
+                <a:rPr lang="es-CL" dirty="0">
+                  <a:latin typeface="AR CHRISTY" panose="02000000000000000000" pitchFamily="2" charset="0"/>
+                </a:rPr>
+                <a:t>)</a:t>
+              </a:r>
+              <a:endParaRPr lang="es-CL" sz="2800" dirty="0">
+                <a:ln w="0"/>
+                <a:effectLst>
+                  <a:outerShdw blurRad="38100" dist="19050" dir="2700000" algn="tl" rotWithShape="0">
+                    <a:schemeClr val="dk1">
+                      <a:alpha val="40000"/>
+                    </a:schemeClr>
+                  </a:outerShdw>
+                </a:effectLst>
+                <a:latin typeface="AR CHRISTY" panose="02000000000000000000" pitchFamily="2" charset="0"/>
+              </a:endParaRPr>
+            </a:p>
+          </p:txBody>
+        </p:sp>
+        <p:sp>
+          <p:nvSpPr>
+            <p:cNvPr id="81" name="CuadroTexto 80"/>
+            <p:cNvSpPr txBox="1"/>
+            <p:nvPr/>
+          </p:nvSpPr>
+          <p:spPr>
+            <a:xfrm>
+              <a:off x="929686" y="1802485"/>
+              <a:ext cx="3869219" cy="584775"/>
+            </a:xfrm>
+            <a:prstGeom prst="rect">
+              <a:avLst/>
+            </a:prstGeom>
+            <a:noFill/>
+          </p:spPr>
+          <p:txBody>
+            <a:bodyPr wrap="square" rtlCol="0">
+              <a:spAutoFit/>
+            </a:bodyPr>
+            <a:lstStyle/>
+            <a:p>
+              <a:r>
+                <a:rPr lang="es-CL" sz="3200" dirty="0">
+                  <a:latin typeface="AR CHRISTY" panose="02000000000000000000" pitchFamily="2" charset="0"/>
+                </a:rPr>
+                <a:t>Balas </a:t>
+              </a:r>
+              <a:r>
+                <a:rPr lang="es-CL" sz="2400" dirty="0">
+                  <a:latin typeface="AR CHRISTY" panose="02000000000000000000" pitchFamily="2" charset="0"/>
+                </a:rPr>
+                <a:t>(3 municiones)</a:t>
+              </a:r>
+              <a:endParaRPr lang="es-CL" sz="3200" dirty="0">
+                <a:ln w="0"/>
+                <a:effectLst>
+                  <a:outerShdw blurRad="38100" dist="19050" dir="2700000" algn="tl" rotWithShape="0">
+                    <a:schemeClr val="dk1">
+                      <a:alpha val="40000"/>
+                    </a:schemeClr>
+                  </a:outerShdw>
+                </a:effectLst>
+                <a:latin typeface="AR CHRISTY" panose="02000000000000000000" pitchFamily="2" charset="0"/>
+              </a:endParaRPr>
+            </a:p>
+          </p:txBody>
+        </p:sp>
+        <p:sp>
+          <p:nvSpPr>
+            <p:cNvPr id="82" name="Rectángulo: esquinas redondeadas 81"/>
+            <p:cNvSpPr/>
+            <p:nvPr/>
+          </p:nvSpPr>
+          <p:spPr>
+            <a:xfrm>
+              <a:off x="6041406" y="2786962"/>
+              <a:ext cx="5913170" cy="3429353"/>
+            </a:xfrm>
+            <a:prstGeom prst="roundRect">
+              <a:avLst/>
+            </a:prstGeom>
+            <a:noFill/>
+            <a:ln w="76200">
+              <a:solidFill>
+                <a:srgbClr val="585858"/>
+              </a:solidFill>
+            </a:ln>
+          </p:spPr>
+          <p:style>
+            <a:lnRef idx="2">
+              <a:schemeClr val="accent1">
+                <a:shade val="50000"/>
+              </a:schemeClr>
+            </a:lnRef>
+            <a:fillRef idx="1">
+              <a:schemeClr val="accent1"/>
+            </a:fillRef>
+            <a:effectRef idx="0">
+              <a:schemeClr val="accent1"/>
+            </a:effectRef>
+            <a:fontRef idx="minor">
+              <a:schemeClr val="lt1"/>
+            </a:fontRef>
+          </p:style>
+          <p:txBody>
+            <a:bodyPr rtlCol="0" anchor="ctr"/>
+            <a:lstStyle/>
+            <a:p>
+              <a:pPr algn="ctr"/>
+              <a:endParaRPr lang="es-CL"/>
+            </a:p>
+          </p:txBody>
+        </p:sp>
+        <p:sp>
+          <p:nvSpPr>
+            <p:cNvPr id="83" name="Rectángulo 82"/>
+            <p:cNvSpPr/>
+            <p:nvPr/>
+          </p:nvSpPr>
+          <p:spPr>
+            <a:xfrm rot="16200000">
+              <a:off x="4685275" y="3913326"/>
+              <a:ext cx="2395956" cy="769441"/>
+            </a:xfrm>
+            <a:prstGeom prst="rect">
+              <a:avLst/>
+            </a:prstGeom>
+            <a:noFill/>
+          </p:spPr>
+          <p:txBody>
+            <a:bodyPr wrap="square" lIns="91440" tIns="45720" rIns="91440" bIns="45720">
+              <a:spAutoFit/>
+            </a:bodyPr>
+            <a:lstStyle/>
+            <a:p>
+              <a:r>
+                <a:rPr lang="es-ES" sz="4400" b="1" dirty="0" err="1">
+                  <a:ln w="12700">
+                    <a:solidFill>
+                      <a:schemeClr val="tx1">
+                        <a:lumMod val="95000"/>
+                        <a:lumOff val="5000"/>
+                      </a:schemeClr>
+                    </a:solidFill>
+                    <a:prstDash val="solid"/>
+                  </a:ln>
+                  <a:solidFill>
+                    <a:schemeClr val="tx1">
+                      <a:lumMod val="75000"/>
+                      <a:lumOff val="25000"/>
+                    </a:schemeClr>
+                  </a:solidFill>
+                  <a:effectLst>
+                    <a:outerShdw dist="38100" dir="2640000" algn="bl" rotWithShape="0">
+                      <a:schemeClr val="tx2">
+                        <a:lumMod val="75000"/>
+                      </a:schemeClr>
+                    </a:outerShdw>
+                  </a:effectLst>
+                  <a:latin typeface="AR CHRISTY" panose="02000000000000000000" pitchFamily="2" charset="0"/>
+                </a:rPr>
+                <a:t>Stats</a:t>
+              </a:r>
+              <a:endParaRPr lang="es-ES" sz="4400" b="1" dirty="0">
+                <a:ln w="12700">
+                  <a:solidFill>
+                    <a:schemeClr val="tx1">
+                      <a:lumMod val="95000"/>
+                      <a:lumOff val="5000"/>
+                    </a:schemeClr>
+                  </a:solidFill>
+                  <a:prstDash val="solid"/>
+                </a:ln>
+                <a:solidFill>
+                  <a:schemeClr val="tx1">
+                    <a:lumMod val="75000"/>
+                    <a:lumOff val="25000"/>
+                  </a:schemeClr>
+                </a:solidFill>
+                <a:effectLst>
+                  <a:outerShdw dist="38100" dir="2640000" algn="bl" rotWithShape="0">
+                    <a:schemeClr val="tx2">
+                      <a:lumMod val="75000"/>
+                    </a:schemeClr>
+                  </a:outerShdw>
+                </a:effectLst>
+                <a:latin typeface="AR CHRISTY" panose="02000000000000000000" pitchFamily="2" charset="0"/>
+              </a:endParaRPr>
+            </a:p>
+          </p:txBody>
+        </p:sp>
+        <p:sp>
+          <p:nvSpPr>
+            <p:cNvPr id="84" name="CuadroTexto 83"/>
+            <p:cNvSpPr txBox="1"/>
+            <p:nvPr/>
+          </p:nvSpPr>
+          <p:spPr>
+            <a:xfrm>
+              <a:off x="6337455" y="2186717"/>
+              <a:ext cx="3965424" cy="646331"/>
+            </a:xfrm>
+            <a:prstGeom prst="rect">
+              <a:avLst/>
+            </a:prstGeom>
+            <a:noFill/>
+          </p:spPr>
+          <p:txBody>
+            <a:bodyPr wrap="square" rtlCol="0">
+              <a:spAutoFit/>
+            </a:bodyPr>
+            <a:lstStyle/>
+            <a:p>
+              <a:r>
+                <a:rPr lang="es-CL" sz="3600" dirty="0">
+                  <a:ln w="0"/>
+                  <a:effectLst>
+                    <a:outerShdw blurRad="38100" dist="19050" dir="2700000" algn="tl" rotWithShape="0">
+                      <a:schemeClr val="dk1">
+                        <a:alpha val="40000"/>
+                      </a:schemeClr>
+                    </a:outerShdw>
+                  </a:effectLst>
+                  <a:latin typeface="AR CHRISTY" panose="02000000000000000000" pitchFamily="2" charset="0"/>
+                </a:rPr>
+                <a:t>Valor</a:t>
+              </a:r>
+              <a:r>
+                <a:rPr lang="es-CL" sz="2800" dirty="0">
+                  <a:ln w="0"/>
+                  <a:effectLst>
+                    <a:outerShdw blurRad="38100" dist="19050" dir="2700000" algn="tl" rotWithShape="0">
+                      <a:schemeClr val="dk1">
+                        <a:alpha val="40000"/>
+                      </a:schemeClr>
+                    </a:outerShdw>
+                  </a:effectLst>
+                  <a:latin typeface="AR CHRISTY" panose="02000000000000000000" pitchFamily="2" charset="0"/>
+                </a:rPr>
+                <a:t>: </a:t>
+              </a:r>
+              <a:r>
+                <a:rPr lang="es-CL" sz="2400" dirty="0">
+                  <a:ln w="0"/>
+                  <a:effectLst>
+                    <a:outerShdw blurRad="38100" dist="19050" dir="2700000" algn="tl" rotWithShape="0">
+                      <a:schemeClr val="dk1">
+                        <a:alpha val="40000"/>
+                      </a:schemeClr>
+                    </a:outerShdw>
+                  </a:effectLst>
+                  <a:latin typeface="AR CHRISTY" panose="02000000000000000000" pitchFamily="2" charset="0"/>
+                </a:rPr>
+                <a:t>5 x nivel-actual</a:t>
+              </a:r>
+              <a:endParaRPr lang="es-CL" sz="2800" dirty="0">
+                <a:ln w="0"/>
+                <a:effectLst>
+                  <a:outerShdw blurRad="38100" dist="19050" dir="2700000" algn="tl" rotWithShape="0">
+                    <a:schemeClr val="dk1">
+                      <a:alpha val="40000"/>
+                    </a:schemeClr>
+                  </a:outerShdw>
+                </a:effectLst>
+                <a:latin typeface="AR CHRISTY" panose="02000000000000000000" pitchFamily="2" charset="0"/>
+              </a:endParaRPr>
+            </a:p>
+          </p:txBody>
+        </p:sp>
+        <p:sp>
+          <p:nvSpPr>
+            <p:cNvPr id="85" name="CuadroTexto 84"/>
+            <p:cNvSpPr txBox="1"/>
+            <p:nvPr/>
+          </p:nvSpPr>
+          <p:spPr>
+            <a:xfrm>
+              <a:off x="7026538" y="2974683"/>
+              <a:ext cx="1610537" cy="523220"/>
+            </a:xfrm>
+            <a:prstGeom prst="rect">
+              <a:avLst/>
+            </a:prstGeom>
+            <a:noFill/>
+          </p:spPr>
+          <p:txBody>
+            <a:bodyPr wrap="square" rtlCol="0">
+              <a:spAutoFit/>
+            </a:bodyPr>
+            <a:lstStyle/>
+            <a:p>
+              <a:r>
+                <a:rPr lang="es-CL" sz="2800" dirty="0">
+                  <a:ln w="0"/>
+                  <a:effectLst>
+                    <a:outerShdw blurRad="38100" dist="19050" dir="2700000" algn="tl" rotWithShape="0">
+                      <a:schemeClr val="dk1">
+                        <a:alpha val="40000"/>
+                      </a:schemeClr>
+                    </a:outerShdw>
+                  </a:effectLst>
+                  <a:latin typeface="AR CHRISTY" panose="02000000000000000000" pitchFamily="2" charset="0"/>
+                </a:rPr>
+                <a:t>Fuerza</a:t>
+              </a:r>
+              <a:endParaRPr lang="es-CL" sz="2000" dirty="0">
+                <a:ln w="0"/>
+                <a:effectLst>
+                  <a:outerShdw blurRad="38100" dist="19050" dir="2700000" algn="tl" rotWithShape="0">
+                    <a:schemeClr val="dk1">
+                      <a:alpha val="40000"/>
+                    </a:schemeClr>
+                  </a:outerShdw>
+                </a:effectLst>
+                <a:latin typeface="AR CHRISTY" panose="02000000000000000000" pitchFamily="2" charset="0"/>
+              </a:endParaRPr>
+            </a:p>
+          </p:txBody>
+        </p:sp>
+        <p:sp>
+          <p:nvSpPr>
+            <p:cNvPr id="86" name="CuadroTexto 85"/>
+            <p:cNvSpPr txBox="1"/>
+            <p:nvPr/>
+          </p:nvSpPr>
+          <p:spPr>
+            <a:xfrm>
+              <a:off x="7024938" y="3694972"/>
+              <a:ext cx="1610537" cy="523220"/>
+            </a:xfrm>
+            <a:prstGeom prst="rect">
+              <a:avLst/>
+            </a:prstGeom>
+            <a:noFill/>
+          </p:spPr>
+          <p:txBody>
+            <a:bodyPr wrap="square" rtlCol="0">
+              <a:spAutoFit/>
+            </a:bodyPr>
+            <a:lstStyle/>
+            <a:p>
+              <a:r>
+                <a:rPr lang="es-CL" sz="2800" dirty="0">
+                  <a:ln w="0"/>
+                  <a:effectLst>
+                    <a:outerShdw blurRad="38100" dist="19050" dir="2700000" algn="tl" rotWithShape="0">
+                      <a:schemeClr val="dk1">
+                        <a:alpha val="40000"/>
+                      </a:schemeClr>
+                    </a:outerShdw>
+                  </a:effectLst>
+                  <a:latin typeface="AR CHRISTY" panose="02000000000000000000" pitchFamily="2" charset="0"/>
+                </a:rPr>
+                <a:t>Vida</a:t>
+              </a:r>
+              <a:endParaRPr lang="es-CL" sz="2000" dirty="0">
+                <a:ln w="0"/>
+                <a:effectLst>
+                  <a:outerShdw blurRad="38100" dist="19050" dir="2700000" algn="tl" rotWithShape="0">
+                    <a:schemeClr val="dk1">
+                      <a:alpha val="40000"/>
+                    </a:schemeClr>
+                  </a:outerShdw>
+                </a:effectLst>
+                <a:latin typeface="AR CHRISTY" panose="02000000000000000000" pitchFamily="2" charset="0"/>
+              </a:endParaRPr>
+            </a:p>
+          </p:txBody>
+        </p:sp>
+        <p:sp>
+          <p:nvSpPr>
+            <p:cNvPr id="87" name="CuadroTexto 86"/>
+            <p:cNvSpPr txBox="1"/>
+            <p:nvPr/>
+          </p:nvSpPr>
+          <p:spPr>
+            <a:xfrm>
+              <a:off x="7024938" y="4436119"/>
+              <a:ext cx="2055535" cy="523220"/>
+            </a:xfrm>
+            <a:prstGeom prst="rect">
+              <a:avLst/>
+            </a:prstGeom>
+            <a:noFill/>
+          </p:spPr>
+          <p:txBody>
+            <a:bodyPr wrap="square" rtlCol="0">
+              <a:spAutoFit/>
+            </a:bodyPr>
+            <a:lstStyle/>
+            <a:p>
+              <a:r>
+                <a:rPr lang="es-CL" sz="2800" dirty="0">
+                  <a:ln w="0"/>
+                  <a:effectLst>
+                    <a:outerShdw blurRad="38100" dist="19050" dir="2700000" algn="tl" rotWithShape="0">
+                      <a:schemeClr val="dk1">
+                        <a:alpha val="40000"/>
+                      </a:schemeClr>
+                    </a:outerShdw>
+                  </a:effectLst>
+                  <a:latin typeface="AR CHRISTY" panose="02000000000000000000" pitchFamily="2" charset="0"/>
+                </a:rPr>
+                <a:t>Velocidad</a:t>
+              </a:r>
+              <a:endParaRPr lang="es-CL" sz="2000" dirty="0">
+                <a:ln w="0"/>
+                <a:effectLst>
+                  <a:outerShdw blurRad="38100" dist="19050" dir="2700000" algn="tl" rotWithShape="0">
+                    <a:schemeClr val="dk1">
+                      <a:alpha val="40000"/>
+                    </a:schemeClr>
+                  </a:outerShdw>
+                </a:effectLst>
+                <a:latin typeface="AR CHRISTY" panose="02000000000000000000" pitchFamily="2" charset="0"/>
+              </a:endParaRPr>
+            </a:p>
+          </p:txBody>
+        </p:sp>
+        <p:sp>
+          <p:nvSpPr>
+            <p:cNvPr id="88" name="CuadroTexto 87"/>
+            <p:cNvSpPr txBox="1"/>
+            <p:nvPr/>
+          </p:nvSpPr>
+          <p:spPr>
+            <a:xfrm>
+              <a:off x="6993562" y="5206141"/>
+              <a:ext cx="1673288" cy="954107"/>
+            </a:xfrm>
+            <a:prstGeom prst="rect">
+              <a:avLst/>
+            </a:prstGeom>
+            <a:noFill/>
+          </p:spPr>
+          <p:txBody>
+            <a:bodyPr wrap="square" rtlCol="0">
+              <a:spAutoFit/>
+            </a:bodyPr>
+            <a:lstStyle/>
+            <a:p>
+              <a:pPr algn="r"/>
+              <a:r>
+                <a:rPr lang="es-CL" sz="2800" dirty="0">
+                  <a:ln w="0"/>
+                  <a:effectLst>
+                    <a:outerShdw blurRad="38100" dist="19050" dir="2700000" algn="tl" rotWithShape="0">
+                      <a:schemeClr val="dk1">
+                        <a:alpha val="40000"/>
+                      </a:schemeClr>
+                    </a:outerShdw>
+                  </a:effectLst>
+                  <a:latin typeface="AR CHRISTY" panose="02000000000000000000" pitchFamily="2" charset="0"/>
+                </a:rPr>
+                <a:t>Velocidad   de Tiro</a:t>
+              </a:r>
+              <a:endParaRPr lang="es-CL" sz="2000" dirty="0">
+                <a:ln w="0"/>
+                <a:effectLst>
+                  <a:outerShdw blurRad="38100" dist="19050" dir="2700000" algn="tl" rotWithShape="0">
+                    <a:schemeClr val="dk1">
+                      <a:alpha val="40000"/>
+                    </a:schemeClr>
+                  </a:outerShdw>
+                </a:effectLst>
+                <a:latin typeface="AR CHRISTY" panose="02000000000000000000" pitchFamily="2" charset="0"/>
+              </a:endParaRPr>
+            </a:p>
+          </p:txBody>
+        </p:sp>
+        <p:pic>
+          <p:nvPicPr>
+            <p:cNvPr id="92" name="Imagen 91"/>
+            <p:cNvPicPr>
+              <a:picLocks noChangeAspect="1"/>
+            </p:cNvPicPr>
+            <p:nvPr/>
+          </p:nvPicPr>
+          <p:blipFill>
+            <a:blip r:embed="rId2">
+              <a:extLst>
+                <a:ext uri="{28A0092B-C50C-407E-A947-70E740481C1C}">
+                  <a14:useLocalDpi xmlns:a14="http://schemas.microsoft.com/office/drawing/2010/main" val="0"/>
+                </a:ext>
+              </a:extLst>
+            </a:blip>
+            <a:stretch>
+              <a:fillRect/>
+            </a:stretch>
+          </p:blipFill>
+          <p:spPr>
+            <a:xfrm>
+              <a:off x="9753601" y="2929641"/>
+              <a:ext cx="1219200" cy="1219200"/>
+            </a:xfrm>
+            <a:prstGeom prst="rect">
+              <a:avLst/>
+            </a:prstGeom>
+          </p:spPr>
+        </p:pic>
+        <p:sp>
+          <p:nvSpPr>
+            <p:cNvPr id="89" name="CuadroTexto 88"/>
+            <p:cNvSpPr txBox="1"/>
+            <p:nvPr/>
+          </p:nvSpPr>
+          <p:spPr>
+            <a:xfrm>
+              <a:off x="9735247" y="2974683"/>
+              <a:ext cx="1859021" cy="523220"/>
+            </a:xfrm>
+            <a:prstGeom prst="rect">
+              <a:avLst/>
+            </a:prstGeom>
+            <a:noFill/>
+          </p:spPr>
+          <p:txBody>
+            <a:bodyPr wrap="square" rtlCol="0">
+              <a:spAutoFit/>
+            </a:bodyPr>
+            <a:lstStyle/>
+            <a:p>
+              <a:r>
+                <a:rPr lang="es-CL" sz="2800" dirty="0">
+                  <a:ln w="0"/>
+                  <a:effectLst>
+                    <a:outerShdw blurRad="38100" dist="19050" dir="2700000" algn="tl" rotWithShape="0">
+                      <a:schemeClr val="dk1">
+                        <a:alpha val="40000"/>
+                      </a:schemeClr>
+                    </a:outerShdw>
+                  </a:effectLst>
+                  <a:latin typeface="AR CHRISTY" panose="02000000000000000000" pitchFamily="2" charset="0"/>
+                </a:rPr>
+                <a:t>Resistencia</a:t>
+              </a:r>
+              <a:endParaRPr lang="es-CL" sz="2000" dirty="0">
+                <a:ln w="0"/>
+                <a:effectLst>
+                  <a:outerShdw blurRad="38100" dist="19050" dir="2700000" algn="tl" rotWithShape="0">
+                    <a:schemeClr val="dk1">
+                      <a:alpha val="40000"/>
+                    </a:schemeClr>
+                  </a:outerShdw>
+                </a:effectLst>
+                <a:latin typeface="AR CHRISTY" panose="02000000000000000000" pitchFamily="2" charset="0"/>
+              </a:endParaRPr>
+            </a:p>
+          </p:txBody>
+        </p:sp>
+        <p:sp>
+          <p:nvSpPr>
+            <p:cNvPr id="94" name="CuadroTexto 93"/>
+            <p:cNvSpPr txBox="1"/>
+            <p:nvPr/>
+          </p:nvSpPr>
+          <p:spPr>
+            <a:xfrm>
+              <a:off x="9700607" y="3666529"/>
+              <a:ext cx="2183439" cy="954107"/>
+            </a:xfrm>
+            <a:prstGeom prst="rect">
+              <a:avLst/>
+            </a:prstGeom>
+            <a:noFill/>
+          </p:spPr>
+          <p:txBody>
+            <a:bodyPr wrap="square" rtlCol="0">
+              <a:spAutoFit/>
+            </a:bodyPr>
+            <a:lstStyle/>
+            <a:p>
+              <a:pPr algn="r"/>
+              <a:r>
+                <a:rPr lang="es-CL" sz="2800" dirty="0">
+                  <a:ln w="0"/>
+                  <a:effectLst>
+                    <a:outerShdw blurRad="38100" dist="19050" dir="2700000" algn="tl" rotWithShape="0">
+                      <a:schemeClr val="dk1">
+                        <a:alpha val="40000"/>
+                      </a:schemeClr>
+                    </a:outerShdw>
+                  </a:effectLst>
+                  <a:latin typeface="AR CHRISTY" panose="02000000000000000000" pitchFamily="2" charset="0"/>
+                </a:rPr>
+                <a:t>Radio de daño de bomba</a:t>
+              </a:r>
+              <a:endParaRPr lang="es-CL" sz="2000" dirty="0">
+                <a:ln w="0"/>
+                <a:effectLst>
+                  <a:outerShdw blurRad="38100" dist="19050" dir="2700000" algn="tl" rotWithShape="0">
+                    <a:schemeClr val="dk1">
+                      <a:alpha val="40000"/>
+                    </a:schemeClr>
+                  </a:outerShdw>
+                </a:effectLst>
+                <a:latin typeface="AR CHRISTY" panose="02000000000000000000" pitchFamily="2" charset="0"/>
+              </a:endParaRPr>
+            </a:p>
+          </p:txBody>
+        </p:sp>
+      </p:grpSp>
+    </p:spTree>
+    <p:extLst>
+      <p:ext uri="{BB962C8B-B14F-4D97-AF65-F5344CB8AC3E}">
+        <p14:creationId xmlns:p14="http://schemas.microsoft.com/office/powerpoint/2010/main" val="351514397"/>
+      </p:ext>
+    </p:extLst>
+  </p:cSld>
+  <p:clrMapOvr>
+    <a:masterClrMapping/>
+  </p:clrMapOvr>
+</p:sld>
+</file>
+
 <file path=ppt/theme/theme1.xml><?xml version="1.0" encoding="utf-8"?>
 <a:theme xmlns:a="http://schemas.openxmlformats.org/drawingml/2006/main" name="Tema de Office">
   <a:themeElements>
